--- a/directive_classification/directive相关/论文初步设想.pptx
+++ b/directive_classification/directive相关/论文初步设想.pptx
@@ -59,7 +59,7 @@
       </p:grpSpPr>
       <p:sp>
         <p:nvSpPr>
-          <p:cNvPr id="37" name="PlaceHolder 1"/>
+          <p:cNvPr id="34" name="PlaceHolder 1"/>
           <p:cNvSpPr>
             <a:spLocks noGrp="1"/>
           </p:cNvSpPr>
@@ -69,8 +69,8 @@
         </p:nvSpPr>
         <p:spPr>
           <a:xfrm>
-            <a:off x="1295280" y="982080"/>
-            <a:ext cx="9600840" cy="1303560"/>
+            <a:off x="609480" y="273600"/>
+            <a:ext cx="10972440" cy="1144800"/>
           </a:xfrm>
           <a:prstGeom prst="rect">
             <a:avLst/>
@@ -79,18 +79,16 @@
         <p:txBody>
           <a:bodyPr lIns="0" rIns="0" tIns="0" bIns="0" anchor="ctr"/>
           <a:p>
-            <a:endParaRPr b="0" lang="en-US" sz="1800" spc="-1" strike="noStrike">
-              <a:solidFill>
-                <a:srgbClr val="000000"/>
-              </a:solidFill>
-              <a:latin typeface="Garamond"/>
-            </a:endParaRPr>
-          </a:p>
-        </p:txBody>
-      </p:sp>
-      <p:sp>
-        <p:nvSpPr>
-          <p:cNvPr id="38" name="PlaceHolder 2"/>
+            <a:pPr algn="ctr"/>
+            <a:endParaRPr b="0" lang="en-US" sz="4400" spc="-1" strike="noStrike">
+              <a:latin typeface="Arial"/>
+            </a:endParaRPr>
+          </a:p>
+        </p:txBody>
+      </p:sp>
+      <p:sp>
+        <p:nvSpPr>
+          <p:cNvPr id="35" name="PlaceHolder 2"/>
           <p:cNvSpPr>
             <a:spLocks noGrp="1"/>
           </p:cNvSpPr>
@@ -100,8 +98,8 @@
         </p:nvSpPr>
         <p:spPr>
           <a:xfrm>
-            <a:off x="1295280" y="2557080"/>
-            <a:ext cx="9600840" cy="1582560"/>
+            <a:off x="609480" y="1604520"/>
+            <a:ext cx="10972440" cy="1896840"/>
           </a:xfrm>
           <a:prstGeom prst="rect">
             <a:avLst/>
@@ -112,18 +110,15 @@
             <a:normAutofit/>
           </a:bodyPr>
           <a:p>
-            <a:endParaRPr b="0" lang="en-US" sz="2400" spc="-1" strike="noStrike">
-              <a:solidFill>
-                <a:srgbClr val="262626"/>
-              </a:solidFill>
-              <a:latin typeface="Garamond"/>
-            </a:endParaRPr>
-          </a:p>
-        </p:txBody>
-      </p:sp>
-      <p:sp>
-        <p:nvSpPr>
-          <p:cNvPr id="39" name="PlaceHolder 3"/>
+            <a:endParaRPr b="0" lang="en-US" sz="3200" spc="-1" strike="noStrike">
+              <a:latin typeface="Arial"/>
+            </a:endParaRPr>
+          </a:p>
+        </p:txBody>
+      </p:sp>
+      <p:sp>
+        <p:nvSpPr>
+          <p:cNvPr id="36" name="PlaceHolder 3"/>
           <p:cNvSpPr>
             <a:spLocks noGrp="1"/>
           </p:cNvSpPr>
@@ -133,8 +128,8 @@
         </p:nvSpPr>
         <p:spPr>
           <a:xfrm>
-            <a:off x="1295280" y="4290480"/>
-            <a:ext cx="9600840" cy="1582560"/>
+            <a:off x="609480" y="3682080"/>
+            <a:ext cx="10972440" cy="1896840"/>
           </a:xfrm>
           <a:prstGeom prst="rect">
             <a:avLst/>
@@ -145,11 +140,8 @@
             <a:normAutofit/>
           </a:bodyPr>
           <a:p>
-            <a:endParaRPr b="0" lang="en-US" sz="2400" spc="-1" strike="noStrike">
-              <a:solidFill>
-                <a:srgbClr val="262626"/>
-              </a:solidFill>
-              <a:latin typeface="Garamond"/>
+            <a:endParaRPr b="0" lang="en-US" sz="3200" spc="-1" strike="noStrike">
+              <a:latin typeface="Arial"/>
             </a:endParaRPr>
           </a:p>
         </p:txBody>
@@ -178,7 +170,7 @@
       </p:grpSpPr>
       <p:sp>
         <p:nvSpPr>
-          <p:cNvPr id="40" name="PlaceHolder 1"/>
+          <p:cNvPr id="37" name="PlaceHolder 1"/>
           <p:cNvSpPr>
             <a:spLocks noGrp="1"/>
           </p:cNvSpPr>
@@ -188,8 +180,8 @@
         </p:nvSpPr>
         <p:spPr>
           <a:xfrm>
-            <a:off x="1295280" y="982080"/>
-            <a:ext cx="9600840" cy="1303560"/>
+            <a:off x="609480" y="273600"/>
+            <a:ext cx="10972440" cy="1144800"/>
           </a:xfrm>
           <a:prstGeom prst="rect">
             <a:avLst/>
@@ -198,18 +190,16 @@
         <p:txBody>
           <a:bodyPr lIns="0" rIns="0" tIns="0" bIns="0" anchor="ctr"/>
           <a:p>
-            <a:endParaRPr b="0" lang="en-US" sz="1800" spc="-1" strike="noStrike">
-              <a:solidFill>
-                <a:srgbClr val="000000"/>
-              </a:solidFill>
-              <a:latin typeface="Garamond"/>
-            </a:endParaRPr>
-          </a:p>
-        </p:txBody>
-      </p:sp>
-      <p:sp>
-        <p:nvSpPr>
-          <p:cNvPr id="41" name="PlaceHolder 2"/>
+            <a:pPr algn="ctr"/>
+            <a:endParaRPr b="0" lang="en-US" sz="4400" spc="-1" strike="noStrike">
+              <a:latin typeface="Arial"/>
+            </a:endParaRPr>
+          </a:p>
+        </p:txBody>
+      </p:sp>
+      <p:sp>
+        <p:nvSpPr>
+          <p:cNvPr id="38" name="PlaceHolder 2"/>
           <p:cNvSpPr>
             <a:spLocks noGrp="1"/>
           </p:cNvSpPr>
@@ -219,8 +209,8 @@
         </p:nvSpPr>
         <p:spPr>
           <a:xfrm>
-            <a:off x="1295280" y="2557080"/>
-            <a:ext cx="4685040" cy="1582560"/>
+            <a:off x="609480" y="1604520"/>
+            <a:ext cx="5354280" cy="1896840"/>
           </a:xfrm>
           <a:prstGeom prst="rect">
             <a:avLst/>
@@ -231,18 +221,15 @@
             <a:normAutofit/>
           </a:bodyPr>
           <a:p>
-            <a:endParaRPr b="0" lang="en-US" sz="2400" spc="-1" strike="noStrike">
-              <a:solidFill>
-                <a:srgbClr val="262626"/>
-              </a:solidFill>
-              <a:latin typeface="Garamond"/>
-            </a:endParaRPr>
-          </a:p>
-        </p:txBody>
-      </p:sp>
-      <p:sp>
-        <p:nvSpPr>
-          <p:cNvPr id="42" name="PlaceHolder 3"/>
+            <a:endParaRPr b="0" lang="en-US" sz="3200" spc="-1" strike="noStrike">
+              <a:latin typeface="Arial"/>
+            </a:endParaRPr>
+          </a:p>
+        </p:txBody>
+      </p:sp>
+      <p:sp>
+        <p:nvSpPr>
+          <p:cNvPr id="39" name="PlaceHolder 3"/>
           <p:cNvSpPr>
             <a:spLocks noGrp="1"/>
           </p:cNvSpPr>
@@ -252,8 +239,8 @@
         </p:nvSpPr>
         <p:spPr>
           <a:xfrm>
-            <a:off x="6215040" y="2557080"/>
-            <a:ext cx="4685040" cy="1582560"/>
+            <a:off x="6231960" y="1604520"/>
+            <a:ext cx="5354280" cy="1896840"/>
           </a:xfrm>
           <a:prstGeom prst="rect">
             <a:avLst/>
@@ -264,18 +251,15 @@
             <a:normAutofit/>
           </a:bodyPr>
           <a:p>
-            <a:endParaRPr b="0" lang="en-US" sz="2400" spc="-1" strike="noStrike">
-              <a:solidFill>
-                <a:srgbClr val="262626"/>
-              </a:solidFill>
-              <a:latin typeface="Garamond"/>
-            </a:endParaRPr>
-          </a:p>
-        </p:txBody>
-      </p:sp>
-      <p:sp>
-        <p:nvSpPr>
-          <p:cNvPr id="43" name="PlaceHolder 4"/>
+            <a:endParaRPr b="0" lang="en-US" sz="3200" spc="-1" strike="noStrike">
+              <a:latin typeface="Arial"/>
+            </a:endParaRPr>
+          </a:p>
+        </p:txBody>
+      </p:sp>
+      <p:sp>
+        <p:nvSpPr>
+          <p:cNvPr id="40" name="PlaceHolder 4"/>
           <p:cNvSpPr>
             <a:spLocks noGrp="1"/>
           </p:cNvSpPr>
@@ -285,8 +269,8 @@
         </p:nvSpPr>
         <p:spPr>
           <a:xfrm>
-            <a:off x="1295280" y="4290480"/>
-            <a:ext cx="4685040" cy="1582560"/>
+            <a:off x="609480" y="3682080"/>
+            <a:ext cx="5354280" cy="1896840"/>
           </a:xfrm>
           <a:prstGeom prst="rect">
             <a:avLst/>
@@ -297,18 +281,15 @@
             <a:normAutofit/>
           </a:bodyPr>
           <a:p>
-            <a:endParaRPr b="0" lang="en-US" sz="2400" spc="-1" strike="noStrike">
-              <a:solidFill>
-                <a:srgbClr val="262626"/>
-              </a:solidFill>
-              <a:latin typeface="Garamond"/>
-            </a:endParaRPr>
-          </a:p>
-        </p:txBody>
-      </p:sp>
-      <p:sp>
-        <p:nvSpPr>
-          <p:cNvPr id="44" name="PlaceHolder 5"/>
+            <a:endParaRPr b="0" lang="en-US" sz="3200" spc="-1" strike="noStrike">
+              <a:latin typeface="Arial"/>
+            </a:endParaRPr>
+          </a:p>
+        </p:txBody>
+      </p:sp>
+      <p:sp>
+        <p:nvSpPr>
+          <p:cNvPr id="41" name="PlaceHolder 5"/>
           <p:cNvSpPr>
             <a:spLocks noGrp="1"/>
           </p:cNvSpPr>
@@ -318,8 +299,8 @@
         </p:nvSpPr>
         <p:spPr>
           <a:xfrm>
-            <a:off x="6215040" y="4290480"/>
-            <a:ext cx="4685040" cy="1582560"/>
+            <a:off x="6231960" y="3682080"/>
+            <a:ext cx="5354280" cy="1896840"/>
           </a:xfrm>
           <a:prstGeom prst="rect">
             <a:avLst/>
@@ -330,11 +311,8 @@
             <a:normAutofit/>
           </a:bodyPr>
           <a:p>
-            <a:endParaRPr b="0" lang="en-US" sz="2400" spc="-1" strike="noStrike">
-              <a:solidFill>
-                <a:srgbClr val="262626"/>
-              </a:solidFill>
-              <a:latin typeface="Garamond"/>
+            <a:endParaRPr b="0" lang="en-US" sz="3200" spc="-1" strike="noStrike">
+              <a:latin typeface="Arial"/>
             </a:endParaRPr>
           </a:p>
         </p:txBody>
@@ -363,7 +341,7 @@
       </p:grpSpPr>
       <p:sp>
         <p:nvSpPr>
-          <p:cNvPr id="45" name="PlaceHolder 1"/>
+          <p:cNvPr id="42" name="PlaceHolder 1"/>
           <p:cNvSpPr>
             <a:spLocks noGrp="1"/>
           </p:cNvSpPr>
@@ -373,8 +351,8 @@
         </p:nvSpPr>
         <p:spPr>
           <a:xfrm>
-            <a:off x="1295280" y="982080"/>
-            <a:ext cx="9600840" cy="1303560"/>
+            <a:off x="609480" y="273600"/>
+            <a:ext cx="10972440" cy="1144800"/>
           </a:xfrm>
           <a:prstGeom prst="rect">
             <a:avLst/>
@@ -383,18 +361,16 @@
         <p:txBody>
           <a:bodyPr lIns="0" rIns="0" tIns="0" bIns="0" anchor="ctr"/>
           <a:p>
-            <a:endParaRPr b="0" lang="en-US" sz="1800" spc="-1" strike="noStrike">
-              <a:solidFill>
-                <a:srgbClr val="000000"/>
-              </a:solidFill>
-              <a:latin typeface="Garamond"/>
-            </a:endParaRPr>
-          </a:p>
-        </p:txBody>
-      </p:sp>
-      <p:sp>
-        <p:nvSpPr>
-          <p:cNvPr id="46" name="PlaceHolder 2"/>
+            <a:pPr algn="ctr"/>
+            <a:endParaRPr b="0" lang="en-US" sz="4400" spc="-1" strike="noStrike">
+              <a:latin typeface="Arial"/>
+            </a:endParaRPr>
+          </a:p>
+        </p:txBody>
+      </p:sp>
+      <p:sp>
+        <p:nvSpPr>
+          <p:cNvPr id="43" name="PlaceHolder 2"/>
           <p:cNvSpPr>
             <a:spLocks noGrp="1"/>
           </p:cNvSpPr>
@@ -404,8 +380,8 @@
         </p:nvSpPr>
         <p:spPr>
           <a:xfrm>
-            <a:off x="1295280" y="2557080"/>
-            <a:ext cx="3091320" cy="1582560"/>
+            <a:off x="609480" y="1604520"/>
+            <a:ext cx="3533040" cy="1896840"/>
           </a:xfrm>
           <a:prstGeom prst="rect">
             <a:avLst/>
@@ -416,18 +392,15 @@
             <a:normAutofit/>
           </a:bodyPr>
           <a:p>
-            <a:endParaRPr b="0" lang="en-US" sz="2400" spc="-1" strike="noStrike">
-              <a:solidFill>
-                <a:srgbClr val="262626"/>
-              </a:solidFill>
-              <a:latin typeface="Garamond"/>
-            </a:endParaRPr>
-          </a:p>
-        </p:txBody>
-      </p:sp>
-      <p:sp>
-        <p:nvSpPr>
-          <p:cNvPr id="47" name="PlaceHolder 3"/>
+            <a:endParaRPr b="0" lang="en-US" sz="3200" spc="-1" strike="noStrike">
+              <a:latin typeface="Arial"/>
+            </a:endParaRPr>
+          </a:p>
+        </p:txBody>
+      </p:sp>
+      <p:sp>
+        <p:nvSpPr>
+          <p:cNvPr id="44" name="PlaceHolder 3"/>
           <p:cNvSpPr>
             <a:spLocks noGrp="1"/>
           </p:cNvSpPr>
@@ -437,8 +410,8 @@
         </p:nvSpPr>
         <p:spPr>
           <a:xfrm>
-            <a:off x="4541400" y="2557080"/>
-            <a:ext cx="3091320" cy="1582560"/>
+            <a:off x="4319640" y="1604520"/>
+            <a:ext cx="3533040" cy="1896840"/>
           </a:xfrm>
           <a:prstGeom prst="rect">
             <a:avLst/>
@@ -449,18 +422,15 @@
             <a:normAutofit/>
           </a:bodyPr>
           <a:p>
-            <a:endParaRPr b="0" lang="en-US" sz="2400" spc="-1" strike="noStrike">
-              <a:solidFill>
-                <a:srgbClr val="262626"/>
-              </a:solidFill>
-              <a:latin typeface="Garamond"/>
-            </a:endParaRPr>
-          </a:p>
-        </p:txBody>
-      </p:sp>
-      <p:sp>
-        <p:nvSpPr>
-          <p:cNvPr id="48" name="PlaceHolder 4"/>
+            <a:endParaRPr b="0" lang="en-US" sz="3200" spc="-1" strike="noStrike">
+              <a:latin typeface="Arial"/>
+            </a:endParaRPr>
+          </a:p>
+        </p:txBody>
+      </p:sp>
+      <p:sp>
+        <p:nvSpPr>
+          <p:cNvPr id="45" name="PlaceHolder 4"/>
           <p:cNvSpPr>
             <a:spLocks noGrp="1"/>
           </p:cNvSpPr>
@@ -470,8 +440,8 @@
         </p:nvSpPr>
         <p:spPr>
           <a:xfrm>
-            <a:off x="7787880" y="2557080"/>
-            <a:ext cx="3091320" cy="1582560"/>
+            <a:off x="8029800" y="1604520"/>
+            <a:ext cx="3533040" cy="1896840"/>
           </a:xfrm>
           <a:prstGeom prst="rect">
             <a:avLst/>
@@ -482,18 +452,15 @@
             <a:normAutofit/>
           </a:bodyPr>
           <a:p>
-            <a:endParaRPr b="0" lang="en-US" sz="2400" spc="-1" strike="noStrike">
-              <a:solidFill>
-                <a:srgbClr val="262626"/>
-              </a:solidFill>
-              <a:latin typeface="Garamond"/>
-            </a:endParaRPr>
-          </a:p>
-        </p:txBody>
-      </p:sp>
-      <p:sp>
-        <p:nvSpPr>
-          <p:cNvPr id="49" name="PlaceHolder 5"/>
+            <a:endParaRPr b="0" lang="en-US" sz="3200" spc="-1" strike="noStrike">
+              <a:latin typeface="Arial"/>
+            </a:endParaRPr>
+          </a:p>
+        </p:txBody>
+      </p:sp>
+      <p:sp>
+        <p:nvSpPr>
+          <p:cNvPr id="46" name="PlaceHolder 5"/>
           <p:cNvSpPr>
             <a:spLocks noGrp="1"/>
           </p:cNvSpPr>
@@ -503,8 +470,8 @@
         </p:nvSpPr>
         <p:spPr>
           <a:xfrm>
-            <a:off x="1295280" y="4290480"/>
-            <a:ext cx="3091320" cy="1582560"/>
+            <a:off x="609480" y="3682080"/>
+            <a:ext cx="3533040" cy="1896840"/>
           </a:xfrm>
           <a:prstGeom prst="rect">
             <a:avLst/>
@@ -515,18 +482,15 @@
             <a:normAutofit/>
           </a:bodyPr>
           <a:p>
-            <a:endParaRPr b="0" lang="en-US" sz="2400" spc="-1" strike="noStrike">
-              <a:solidFill>
-                <a:srgbClr val="262626"/>
-              </a:solidFill>
-              <a:latin typeface="Garamond"/>
-            </a:endParaRPr>
-          </a:p>
-        </p:txBody>
-      </p:sp>
-      <p:sp>
-        <p:nvSpPr>
-          <p:cNvPr id="50" name="PlaceHolder 6"/>
+            <a:endParaRPr b="0" lang="en-US" sz="3200" spc="-1" strike="noStrike">
+              <a:latin typeface="Arial"/>
+            </a:endParaRPr>
+          </a:p>
+        </p:txBody>
+      </p:sp>
+      <p:sp>
+        <p:nvSpPr>
+          <p:cNvPr id="47" name="PlaceHolder 6"/>
           <p:cNvSpPr>
             <a:spLocks noGrp="1"/>
           </p:cNvSpPr>
@@ -536,8 +500,8 @@
         </p:nvSpPr>
         <p:spPr>
           <a:xfrm>
-            <a:off x="4541400" y="4290480"/>
-            <a:ext cx="3091320" cy="1582560"/>
+            <a:off x="4319640" y="3682080"/>
+            <a:ext cx="3533040" cy="1896840"/>
           </a:xfrm>
           <a:prstGeom prst="rect">
             <a:avLst/>
@@ -548,18 +512,15 @@
             <a:normAutofit/>
           </a:bodyPr>
           <a:p>
-            <a:endParaRPr b="0" lang="en-US" sz="2400" spc="-1" strike="noStrike">
-              <a:solidFill>
-                <a:srgbClr val="262626"/>
-              </a:solidFill>
-              <a:latin typeface="Garamond"/>
-            </a:endParaRPr>
-          </a:p>
-        </p:txBody>
-      </p:sp>
-      <p:sp>
-        <p:nvSpPr>
-          <p:cNvPr id="51" name="PlaceHolder 7"/>
+            <a:endParaRPr b="0" lang="en-US" sz="3200" spc="-1" strike="noStrike">
+              <a:latin typeface="Arial"/>
+            </a:endParaRPr>
+          </a:p>
+        </p:txBody>
+      </p:sp>
+      <p:sp>
+        <p:nvSpPr>
+          <p:cNvPr id="48" name="PlaceHolder 7"/>
           <p:cNvSpPr>
             <a:spLocks noGrp="1"/>
           </p:cNvSpPr>
@@ -569,8 +530,8 @@
         </p:nvSpPr>
         <p:spPr>
           <a:xfrm>
-            <a:off x="7787880" y="4290480"/>
-            <a:ext cx="3091320" cy="1582560"/>
+            <a:off x="8029800" y="3682080"/>
+            <a:ext cx="3533040" cy="1896840"/>
           </a:xfrm>
           <a:prstGeom prst="rect">
             <a:avLst/>
@@ -581,11 +542,8 @@
             <a:normAutofit/>
           </a:bodyPr>
           <a:p>
-            <a:endParaRPr b="0" lang="en-US" sz="2400" spc="-1" strike="noStrike">
-              <a:solidFill>
-                <a:srgbClr val="262626"/>
-              </a:solidFill>
-              <a:latin typeface="Garamond"/>
+            <a:endParaRPr b="0" lang="en-US" sz="3200" spc="-1" strike="noStrike">
+              <a:latin typeface="Arial"/>
             </a:endParaRPr>
           </a:p>
         </p:txBody>
@@ -636,7 +594,7 @@
       </p:grpSpPr>
       <p:sp>
         <p:nvSpPr>
-          <p:cNvPr id="63" name="PlaceHolder 1"/>
+          <p:cNvPr id="57" name="PlaceHolder 1"/>
           <p:cNvSpPr>
             <a:spLocks noGrp="1"/>
           </p:cNvSpPr>
@@ -646,8 +604,8 @@
         </p:nvSpPr>
         <p:spPr>
           <a:xfrm>
-            <a:off x="1295280" y="982080"/>
-            <a:ext cx="9600840" cy="1303560"/>
+            <a:off x="609480" y="273600"/>
+            <a:ext cx="10972440" cy="1144800"/>
           </a:xfrm>
           <a:prstGeom prst="rect">
             <a:avLst/>
@@ -656,18 +614,16 @@
         <p:txBody>
           <a:bodyPr lIns="0" rIns="0" tIns="0" bIns="0" anchor="ctr"/>
           <a:p>
-            <a:endParaRPr b="0" lang="en-US" sz="1800" spc="-1" strike="noStrike">
-              <a:solidFill>
-                <a:srgbClr val="000000"/>
-              </a:solidFill>
-              <a:latin typeface="Garamond"/>
-            </a:endParaRPr>
-          </a:p>
-        </p:txBody>
-      </p:sp>
-      <p:sp>
-        <p:nvSpPr>
-          <p:cNvPr id="64" name="PlaceHolder 2"/>
+            <a:pPr algn="ctr"/>
+            <a:endParaRPr b="0" lang="en-US" sz="4400" spc="-1" strike="noStrike">
+              <a:latin typeface="Arial"/>
+            </a:endParaRPr>
+          </a:p>
+        </p:txBody>
+      </p:sp>
+      <p:sp>
+        <p:nvSpPr>
+          <p:cNvPr id="58" name="PlaceHolder 2"/>
           <p:cNvSpPr>
             <a:spLocks noGrp="1"/>
           </p:cNvSpPr>
@@ -677,8 +633,8 @@
         </p:nvSpPr>
         <p:spPr>
           <a:xfrm>
-            <a:off x="1295280" y="2557080"/>
-            <a:ext cx="9600840" cy="3318480"/>
+            <a:off x="609480" y="1604520"/>
+            <a:ext cx="10972440" cy="3977280"/>
           </a:xfrm>
           <a:prstGeom prst="rect">
             <a:avLst/>
@@ -718,7 +674,7 @@
       </p:grpSpPr>
       <p:sp>
         <p:nvSpPr>
-          <p:cNvPr id="65" name="PlaceHolder 1"/>
+          <p:cNvPr id="59" name="PlaceHolder 1"/>
           <p:cNvSpPr>
             <a:spLocks noGrp="1"/>
           </p:cNvSpPr>
@@ -728,8 +684,8 @@
         </p:nvSpPr>
         <p:spPr>
           <a:xfrm>
-            <a:off x="1295280" y="982080"/>
-            <a:ext cx="9600840" cy="1303560"/>
+            <a:off x="609480" y="273600"/>
+            <a:ext cx="10972440" cy="1144800"/>
           </a:xfrm>
           <a:prstGeom prst="rect">
             <a:avLst/>
@@ -738,18 +694,16 @@
         <p:txBody>
           <a:bodyPr lIns="0" rIns="0" tIns="0" bIns="0" anchor="ctr"/>
           <a:p>
-            <a:endParaRPr b="0" lang="en-US" sz="1800" spc="-1" strike="noStrike">
-              <a:solidFill>
-                <a:srgbClr val="000000"/>
-              </a:solidFill>
-              <a:latin typeface="Garamond"/>
-            </a:endParaRPr>
-          </a:p>
-        </p:txBody>
-      </p:sp>
-      <p:sp>
-        <p:nvSpPr>
-          <p:cNvPr id="66" name="PlaceHolder 2"/>
+            <a:pPr algn="ctr"/>
+            <a:endParaRPr b="0" lang="en-US" sz="4400" spc="-1" strike="noStrike">
+              <a:latin typeface="Arial"/>
+            </a:endParaRPr>
+          </a:p>
+        </p:txBody>
+      </p:sp>
+      <p:sp>
+        <p:nvSpPr>
+          <p:cNvPr id="60" name="PlaceHolder 2"/>
           <p:cNvSpPr>
             <a:spLocks noGrp="1"/>
           </p:cNvSpPr>
@@ -759,8 +713,8 @@
         </p:nvSpPr>
         <p:spPr>
           <a:xfrm>
-            <a:off x="1295280" y="2557080"/>
-            <a:ext cx="9600840" cy="3318480"/>
+            <a:off x="609480" y="1604520"/>
+            <a:ext cx="10972440" cy="3977280"/>
           </a:xfrm>
           <a:prstGeom prst="rect">
             <a:avLst/>
@@ -771,11 +725,8 @@
             <a:normAutofit/>
           </a:bodyPr>
           <a:p>
-            <a:endParaRPr b="0" lang="en-US" sz="2400" spc="-1" strike="noStrike">
-              <a:solidFill>
-                <a:srgbClr val="262626"/>
-              </a:solidFill>
-              <a:latin typeface="Garamond"/>
+            <a:endParaRPr b="0" lang="en-US" sz="3200" spc="-1" strike="noStrike">
+              <a:latin typeface="Arial"/>
             </a:endParaRPr>
           </a:p>
         </p:txBody>
@@ -804,7 +755,7 @@
       </p:grpSpPr>
       <p:sp>
         <p:nvSpPr>
-          <p:cNvPr id="67" name="PlaceHolder 1"/>
+          <p:cNvPr id="61" name="PlaceHolder 1"/>
           <p:cNvSpPr>
             <a:spLocks noGrp="1"/>
           </p:cNvSpPr>
@@ -814,8 +765,8 @@
         </p:nvSpPr>
         <p:spPr>
           <a:xfrm>
-            <a:off x="1295280" y="982080"/>
-            <a:ext cx="9600840" cy="1303560"/>
+            <a:off x="609480" y="273600"/>
+            <a:ext cx="10972440" cy="1144800"/>
           </a:xfrm>
           <a:prstGeom prst="rect">
             <a:avLst/>
@@ -824,18 +775,16 @@
         <p:txBody>
           <a:bodyPr lIns="0" rIns="0" tIns="0" bIns="0" anchor="ctr"/>
           <a:p>
-            <a:endParaRPr b="0" lang="en-US" sz="1800" spc="-1" strike="noStrike">
-              <a:solidFill>
-                <a:srgbClr val="000000"/>
-              </a:solidFill>
-              <a:latin typeface="Garamond"/>
-            </a:endParaRPr>
-          </a:p>
-        </p:txBody>
-      </p:sp>
-      <p:sp>
-        <p:nvSpPr>
-          <p:cNvPr id="68" name="PlaceHolder 2"/>
+            <a:pPr algn="ctr"/>
+            <a:endParaRPr b="0" lang="en-US" sz="4400" spc="-1" strike="noStrike">
+              <a:latin typeface="Arial"/>
+            </a:endParaRPr>
+          </a:p>
+        </p:txBody>
+      </p:sp>
+      <p:sp>
+        <p:nvSpPr>
+          <p:cNvPr id="62" name="PlaceHolder 2"/>
           <p:cNvSpPr>
             <a:spLocks noGrp="1"/>
           </p:cNvSpPr>
@@ -845,8 +794,8 @@
         </p:nvSpPr>
         <p:spPr>
           <a:xfrm>
-            <a:off x="1295280" y="2557080"/>
-            <a:ext cx="4685040" cy="3318480"/>
+            <a:off x="609480" y="1604520"/>
+            <a:ext cx="5354280" cy="3977280"/>
           </a:xfrm>
           <a:prstGeom prst="rect">
             <a:avLst/>
@@ -857,18 +806,15 @@
             <a:normAutofit/>
           </a:bodyPr>
           <a:p>
-            <a:endParaRPr b="0" lang="en-US" sz="2400" spc="-1" strike="noStrike">
-              <a:solidFill>
-                <a:srgbClr val="262626"/>
-              </a:solidFill>
-              <a:latin typeface="Garamond"/>
-            </a:endParaRPr>
-          </a:p>
-        </p:txBody>
-      </p:sp>
-      <p:sp>
-        <p:nvSpPr>
-          <p:cNvPr id="69" name="PlaceHolder 3"/>
+            <a:endParaRPr b="0" lang="en-US" sz="3200" spc="-1" strike="noStrike">
+              <a:latin typeface="Arial"/>
+            </a:endParaRPr>
+          </a:p>
+        </p:txBody>
+      </p:sp>
+      <p:sp>
+        <p:nvSpPr>
+          <p:cNvPr id="63" name="PlaceHolder 3"/>
           <p:cNvSpPr>
             <a:spLocks noGrp="1"/>
           </p:cNvSpPr>
@@ -878,8 +824,8 @@
         </p:nvSpPr>
         <p:spPr>
           <a:xfrm>
-            <a:off x="6215040" y="2557080"/>
-            <a:ext cx="4685040" cy="3318480"/>
+            <a:off x="6231960" y="1604520"/>
+            <a:ext cx="5354280" cy="3977280"/>
           </a:xfrm>
           <a:prstGeom prst="rect">
             <a:avLst/>
@@ -890,11 +836,8 @@
             <a:normAutofit/>
           </a:bodyPr>
           <a:p>
-            <a:endParaRPr b="0" lang="en-US" sz="2400" spc="-1" strike="noStrike">
-              <a:solidFill>
-                <a:srgbClr val="262626"/>
-              </a:solidFill>
-              <a:latin typeface="Garamond"/>
+            <a:endParaRPr b="0" lang="en-US" sz="3200" spc="-1" strike="noStrike">
+              <a:latin typeface="Arial"/>
             </a:endParaRPr>
           </a:p>
         </p:txBody>
@@ -923,7 +866,7 @@
       </p:grpSpPr>
       <p:sp>
         <p:nvSpPr>
-          <p:cNvPr id="70" name="PlaceHolder 1"/>
+          <p:cNvPr id="64" name="PlaceHolder 1"/>
           <p:cNvSpPr>
             <a:spLocks noGrp="1"/>
           </p:cNvSpPr>
@@ -933,8 +876,8 @@
         </p:nvSpPr>
         <p:spPr>
           <a:xfrm>
-            <a:off x="1295280" y="982080"/>
-            <a:ext cx="9600840" cy="1303560"/>
+            <a:off x="609480" y="273600"/>
+            <a:ext cx="10972440" cy="1144800"/>
           </a:xfrm>
           <a:prstGeom prst="rect">
             <a:avLst/>
@@ -943,11 +886,9 @@
         <p:txBody>
           <a:bodyPr lIns="0" rIns="0" tIns="0" bIns="0" anchor="ctr"/>
           <a:p>
-            <a:endParaRPr b="0" lang="en-US" sz="1800" spc="-1" strike="noStrike">
-              <a:solidFill>
-                <a:srgbClr val="000000"/>
-              </a:solidFill>
-              <a:latin typeface="Garamond"/>
+            <a:pPr algn="ctr"/>
+            <a:endParaRPr b="0" lang="en-US" sz="4400" spc="-1" strike="noStrike">
+              <a:latin typeface="Arial"/>
             </a:endParaRPr>
           </a:p>
         </p:txBody>
@@ -976,7 +917,7 @@
       </p:grpSpPr>
       <p:sp>
         <p:nvSpPr>
-          <p:cNvPr id="71" name="PlaceHolder 1"/>
+          <p:cNvPr id="65" name="PlaceHolder 1"/>
           <p:cNvSpPr>
             <a:spLocks noGrp="1"/>
           </p:cNvSpPr>
@@ -986,8 +927,8 @@
         </p:nvSpPr>
         <p:spPr>
           <a:xfrm>
-            <a:off x="1295280" y="982080"/>
-            <a:ext cx="9600840" cy="6043680"/>
+            <a:off x="609480" y="273600"/>
+            <a:ext cx="10972440" cy="5307840"/>
           </a:xfrm>
           <a:prstGeom prst="rect">
             <a:avLst/>
@@ -1027,7 +968,7 @@
       </p:grpSpPr>
       <p:sp>
         <p:nvSpPr>
-          <p:cNvPr id="72" name="PlaceHolder 1"/>
+          <p:cNvPr id="66" name="PlaceHolder 1"/>
           <p:cNvSpPr>
             <a:spLocks noGrp="1"/>
           </p:cNvSpPr>
@@ -1037,8 +978,8 @@
         </p:nvSpPr>
         <p:spPr>
           <a:xfrm>
-            <a:off x="1295280" y="982080"/>
-            <a:ext cx="9600840" cy="1303560"/>
+            <a:off x="609480" y="273600"/>
+            <a:ext cx="10972440" cy="1144800"/>
           </a:xfrm>
           <a:prstGeom prst="rect">
             <a:avLst/>
@@ -1047,18 +988,16 @@
         <p:txBody>
           <a:bodyPr lIns="0" rIns="0" tIns="0" bIns="0" anchor="ctr"/>
           <a:p>
-            <a:endParaRPr b="0" lang="en-US" sz="1800" spc="-1" strike="noStrike">
-              <a:solidFill>
-                <a:srgbClr val="000000"/>
-              </a:solidFill>
-              <a:latin typeface="Garamond"/>
-            </a:endParaRPr>
-          </a:p>
-        </p:txBody>
-      </p:sp>
-      <p:sp>
-        <p:nvSpPr>
-          <p:cNvPr id="73" name="PlaceHolder 2"/>
+            <a:pPr algn="ctr"/>
+            <a:endParaRPr b="0" lang="en-US" sz="4400" spc="-1" strike="noStrike">
+              <a:latin typeface="Arial"/>
+            </a:endParaRPr>
+          </a:p>
+        </p:txBody>
+      </p:sp>
+      <p:sp>
+        <p:nvSpPr>
+          <p:cNvPr id="67" name="PlaceHolder 2"/>
           <p:cNvSpPr>
             <a:spLocks noGrp="1"/>
           </p:cNvSpPr>
@@ -1068,8 +1007,8 @@
         </p:nvSpPr>
         <p:spPr>
           <a:xfrm>
-            <a:off x="1295280" y="2557080"/>
-            <a:ext cx="4685040" cy="1582560"/>
+            <a:off x="609480" y="1604520"/>
+            <a:ext cx="5354280" cy="1896840"/>
           </a:xfrm>
           <a:prstGeom prst="rect">
             <a:avLst/>
@@ -1080,18 +1019,15 @@
             <a:normAutofit/>
           </a:bodyPr>
           <a:p>
-            <a:endParaRPr b="0" lang="en-US" sz="2400" spc="-1" strike="noStrike">
-              <a:solidFill>
-                <a:srgbClr val="262626"/>
-              </a:solidFill>
-              <a:latin typeface="Garamond"/>
-            </a:endParaRPr>
-          </a:p>
-        </p:txBody>
-      </p:sp>
-      <p:sp>
-        <p:nvSpPr>
-          <p:cNvPr id="74" name="PlaceHolder 3"/>
+            <a:endParaRPr b="0" lang="en-US" sz="3200" spc="-1" strike="noStrike">
+              <a:latin typeface="Arial"/>
+            </a:endParaRPr>
+          </a:p>
+        </p:txBody>
+      </p:sp>
+      <p:sp>
+        <p:nvSpPr>
+          <p:cNvPr id="68" name="PlaceHolder 3"/>
           <p:cNvSpPr>
             <a:spLocks noGrp="1"/>
           </p:cNvSpPr>
@@ -1101,8 +1037,8 @@
         </p:nvSpPr>
         <p:spPr>
           <a:xfrm>
-            <a:off x="6215040" y="2557080"/>
-            <a:ext cx="4685040" cy="3318480"/>
+            <a:off x="6231960" y="1604520"/>
+            <a:ext cx="5354280" cy="3977280"/>
           </a:xfrm>
           <a:prstGeom prst="rect">
             <a:avLst/>
@@ -1113,18 +1049,15 @@
             <a:normAutofit/>
           </a:bodyPr>
           <a:p>
-            <a:endParaRPr b="0" lang="en-US" sz="2400" spc="-1" strike="noStrike">
-              <a:solidFill>
-                <a:srgbClr val="262626"/>
-              </a:solidFill>
-              <a:latin typeface="Garamond"/>
-            </a:endParaRPr>
-          </a:p>
-        </p:txBody>
-      </p:sp>
-      <p:sp>
-        <p:nvSpPr>
-          <p:cNvPr id="75" name="PlaceHolder 4"/>
+            <a:endParaRPr b="0" lang="en-US" sz="3200" spc="-1" strike="noStrike">
+              <a:latin typeface="Arial"/>
+            </a:endParaRPr>
+          </a:p>
+        </p:txBody>
+      </p:sp>
+      <p:sp>
+        <p:nvSpPr>
+          <p:cNvPr id="69" name="PlaceHolder 4"/>
           <p:cNvSpPr>
             <a:spLocks noGrp="1"/>
           </p:cNvSpPr>
@@ -1134,8 +1067,8 @@
         </p:nvSpPr>
         <p:spPr>
           <a:xfrm>
-            <a:off x="1295280" y="4290480"/>
-            <a:ext cx="4685040" cy="1582560"/>
+            <a:off x="609480" y="3682080"/>
+            <a:ext cx="5354280" cy="1896840"/>
           </a:xfrm>
           <a:prstGeom prst="rect">
             <a:avLst/>
@@ -1146,11 +1079,8 @@
             <a:normAutofit/>
           </a:bodyPr>
           <a:p>
-            <a:endParaRPr b="0" lang="en-US" sz="2400" spc="-1" strike="noStrike">
-              <a:solidFill>
-                <a:srgbClr val="262626"/>
-              </a:solidFill>
-              <a:latin typeface="Garamond"/>
+            <a:endParaRPr b="0" lang="en-US" sz="3200" spc="-1" strike="noStrike">
+              <a:latin typeface="Arial"/>
             </a:endParaRPr>
           </a:p>
         </p:txBody>
@@ -1179,7 +1109,7 @@
       </p:grpSpPr>
       <p:sp>
         <p:nvSpPr>
-          <p:cNvPr id="16" name="PlaceHolder 1"/>
+          <p:cNvPr id="13" name="PlaceHolder 1"/>
           <p:cNvSpPr>
             <a:spLocks noGrp="1"/>
           </p:cNvSpPr>
@@ -1189,8 +1119,8 @@
         </p:nvSpPr>
         <p:spPr>
           <a:xfrm>
-            <a:off x="1295280" y="982080"/>
-            <a:ext cx="9600840" cy="1303560"/>
+            <a:off x="609480" y="273600"/>
+            <a:ext cx="10972440" cy="1144800"/>
           </a:xfrm>
           <a:prstGeom prst="rect">
             <a:avLst/>
@@ -1199,18 +1129,16 @@
         <p:txBody>
           <a:bodyPr lIns="0" rIns="0" tIns="0" bIns="0" anchor="ctr"/>
           <a:p>
-            <a:endParaRPr b="0" lang="en-US" sz="1800" spc="-1" strike="noStrike">
-              <a:solidFill>
-                <a:srgbClr val="000000"/>
-              </a:solidFill>
-              <a:latin typeface="Garamond"/>
-            </a:endParaRPr>
-          </a:p>
-        </p:txBody>
-      </p:sp>
-      <p:sp>
-        <p:nvSpPr>
-          <p:cNvPr id="17" name="PlaceHolder 2"/>
+            <a:pPr algn="ctr"/>
+            <a:endParaRPr b="0" lang="en-US" sz="4400" spc="-1" strike="noStrike">
+              <a:latin typeface="Arial"/>
+            </a:endParaRPr>
+          </a:p>
+        </p:txBody>
+      </p:sp>
+      <p:sp>
+        <p:nvSpPr>
+          <p:cNvPr id="14" name="PlaceHolder 2"/>
           <p:cNvSpPr>
             <a:spLocks noGrp="1"/>
           </p:cNvSpPr>
@@ -1220,8 +1148,8 @@
         </p:nvSpPr>
         <p:spPr>
           <a:xfrm>
-            <a:off x="1295280" y="2557080"/>
-            <a:ext cx="9600840" cy="3318480"/>
+            <a:off x="609480" y="1604520"/>
+            <a:ext cx="10972440" cy="3977280"/>
           </a:xfrm>
           <a:prstGeom prst="rect">
             <a:avLst/>
@@ -1261,7 +1189,7 @@
       </p:grpSpPr>
       <p:sp>
         <p:nvSpPr>
-          <p:cNvPr id="76" name="PlaceHolder 1"/>
+          <p:cNvPr id="70" name="PlaceHolder 1"/>
           <p:cNvSpPr>
             <a:spLocks noGrp="1"/>
           </p:cNvSpPr>
@@ -1271,8 +1199,8 @@
         </p:nvSpPr>
         <p:spPr>
           <a:xfrm>
-            <a:off x="1295280" y="982080"/>
-            <a:ext cx="9600840" cy="1303560"/>
+            <a:off x="609480" y="273600"/>
+            <a:ext cx="10972440" cy="1144800"/>
           </a:xfrm>
           <a:prstGeom prst="rect">
             <a:avLst/>
@@ -1281,18 +1209,16 @@
         <p:txBody>
           <a:bodyPr lIns="0" rIns="0" tIns="0" bIns="0" anchor="ctr"/>
           <a:p>
-            <a:endParaRPr b="0" lang="en-US" sz="1800" spc="-1" strike="noStrike">
-              <a:solidFill>
-                <a:srgbClr val="000000"/>
-              </a:solidFill>
-              <a:latin typeface="Garamond"/>
-            </a:endParaRPr>
-          </a:p>
-        </p:txBody>
-      </p:sp>
-      <p:sp>
-        <p:nvSpPr>
-          <p:cNvPr id="77" name="PlaceHolder 2"/>
+            <a:pPr algn="ctr"/>
+            <a:endParaRPr b="0" lang="en-US" sz="4400" spc="-1" strike="noStrike">
+              <a:latin typeface="Arial"/>
+            </a:endParaRPr>
+          </a:p>
+        </p:txBody>
+      </p:sp>
+      <p:sp>
+        <p:nvSpPr>
+          <p:cNvPr id="71" name="PlaceHolder 2"/>
           <p:cNvSpPr>
             <a:spLocks noGrp="1"/>
           </p:cNvSpPr>
@@ -1302,8 +1228,8 @@
         </p:nvSpPr>
         <p:spPr>
           <a:xfrm>
-            <a:off x="1295280" y="2557080"/>
-            <a:ext cx="4685040" cy="3318480"/>
+            <a:off x="609480" y="1604520"/>
+            <a:ext cx="5354280" cy="3977280"/>
           </a:xfrm>
           <a:prstGeom prst="rect">
             <a:avLst/>
@@ -1314,18 +1240,15 @@
             <a:normAutofit/>
           </a:bodyPr>
           <a:p>
-            <a:endParaRPr b="0" lang="en-US" sz="2400" spc="-1" strike="noStrike">
-              <a:solidFill>
-                <a:srgbClr val="262626"/>
-              </a:solidFill>
-              <a:latin typeface="Garamond"/>
-            </a:endParaRPr>
-          </a:p>
-        </p:txBody>
-      </p:sp>
-      <p:sp>
-        <p:nvSpPr>
-          <p:cNvPr id="78" name="PlaceHolder 3"/>
+            <a:endParaRPr b="0" lang="en-US" sz="3200" spc="-1" strike="noStrike">
+              <a:latin typeface="Arial"/>
+            </a:endParaRPr>
+          </a:p>
+        </p:txBody>
+      </p:sp>
+      <p:sp>
+        <p:nvSpPr>
+          <p:cNvPr id="72" name="PlaceHolder 3"/>
           <p:cNvSpPr>
             <a:spLocks noGrp="1"/>
           </p:cNvSpPr>
@@ -1335,8 +1258,8 @@
         </p:nvSpPr>
         <p:spPr>
           <a:xfrm>
-            <a:off x="6215040" y="2557080"/>
-            <a:ext cx="4685040" cy="1582560"/>
+            <a:off x="6231960" y="1604520"/>
+            <a:ext cx="5354280" cy="1896840"/>
           </a:xfrm>
           <a:prstGeom prst="rect">
             <a:avLst/>
@@ -1347,18 +1270,15 @@
             <a:normAutofit/>
           </a:bodyPr>
           <a:p>
-            <a:endParaRPr b="0" lang="en-US" sz="2400" spc="-1" strike="noStrike">
-              <a:solidFill>
-                <a:srgbClr val="262626"/>
-              </a:solidFill>
-              <a:latin typeface="Garamond"/>
-            </a:endParaRPr>
-          </a:p>
-        </p:txBody>
-      </p:sp>
-      <p:sp>
-        <p:nvSpPr>
-          <p:cNvPr id="79" name="PlaceHolder 4"/>
+            <a:endParaRPr b="0" lang="en-US" sz="3200" spc="-1" strike="noStrike">
+              <a:latin typeface="Arial"/>
+            </a:endParaRPr>
+          </a:p>
+        </p:txBody>
+      </p:sp>
+      <p:sp>
+        <p:nvSpPr>
+          <p:cNvPr id="73" name="PlaceHolder 4"/>
           <p:cNvSpPr>
             <a:spLocks noGrp="1"/>
           </p:cNvSpPr>
@@ -1368,8 +1288,8 @@
         </p:nvSpPr>
         <p:spPr>
           <a:xfrm>
-            <a:off x="6215040" y="4290480"/>
-            <a:ext cx="4685040" cy="1582560"/>
+            <a:off x="6231960" y="3682080"/>
+            <a:ext cx="5354280" cy="1896840"/>
           </a:xfrm>
           <a:prstGeom prst="rect">
             <a:avLst/>
@@ -1380,11 +1300,8 @@
             <a:normAutofit/>
           </a:bodyPr>
           <a:p>
-            <a:endParaRPr b="0" lang="en-US" sz="2400" spc="-1" strike="noStrike">
-              <a:solidFill>
-                <a:srgbClr val="262626"/>
-              </a:solidFill>
-              <a:latin typeface="Garamond"/>
+            <a:endParaRPr b="0" lang="en-US" sz="3200" spc="-1" strike="noStrike">
+              <a:latin typeface="Arial"/>
             </a:endParaRPr>
           </a:p>
         </p:txBody>
@@ -1413,7 +1330,7 @@
       </p:grpSpPr>
       <p:sp>
         <p:nvSpPr>
-          <p:cNvPr id="80" name="PlaceHolder 1"/>
+          <p:cNvPr id="74" name="PlaceHolder 1"/>
           <p:cNvSpPr>
             <a:spLocks noGrp="1"/>
           </p:cNvSpPr>
@@ -1423,8 +1340,8 @@
         </p:nvSpPr>
         <p:spPr>
           <a:xfrm>
-            <a:off x="1295280" y="982080"/>
-            <a:ext cx="9600840" cy="1303560"/>
+            <a:off x="609480" y="273600"/>
+            <a:ext cx="10972440" cy="1144800"/>
           </a:xfrm>
           <a:prstGeom prst="rect">
             <a:avLst/>
@@ -1433,18 +1350,16 @@
         <p:txBody>
           <a:bodyPr lIns="0" rIns="0" tIns="0" bIns="0" anchor="ctr"/>
           <a:p>
-            <a:endParaRPr b="0" lang="en-US" sz="1800" spc="-1" strike="noStrike">
-              <a:solidFill>
-                <a:srgbClr val="000000"/>
-              </a:solidFill>
-              <a:latin typeface="Garamond"/>
-            </a:endParaRPr>
-          </a:p>
-        </p:txBody>
-      </p:sp>
-      <p:sp>
-        <p:nvSpPr>
-          <p:cNvPr id="81" name="PlaceHolder 2"/>
+            <a:pPr algn="ctr"/>
+            <a:endParaRPr b="0" lang="en-US" sz="4400" spc="-1" strike="noStrike">
+              <a:latin typeface="Arial"/>
+            </a:endParaRPr>
+          </a:p>
+        </p:txBody>
+      </p:sp>
+      <p:sp>
+        <p:nvSpPr>
+          <p:cNvPr id="75" name="PlaceHolder 2"/>
           <p:cNvSpPr>
             <a:spLocks noGrp="1"/>
           </p:cNvSpPr>
@@ -1454,8 +1369,8 @@
         </p:nvSpPr>
         <p:spPr>
           <a:xfrm>
-            <a:off x="1295280" y="2557080"/>
-            <a:ext cx="4685040" cy="1582560"/>
+            <a:off x="609480" y="1604520"/>
+            <a:ext cx="5354280" cy="1896840"/>
           </a:xfrm>
           <a:prstGeom prst="rect">
             <a:avLst/>
@@ -1466,18 +1381,15 @@
             <a:normAutofit/>
           </a:bodyPr>
           <a:p>
-            <a:endParaRPr b="0" lang="en-US" sz="2400" spc="-1" strike="noStrike">
-              <a:solidFill>
-                <a:srgbClr val="262626"/>
-              </a:solidFill>
-              <a:latin typeface="Garamond"/>
-            </a:endParaRPr>
-          </a:p>
-        </p:txBody>
-      </p:sp>
-      <p:sp>
-        <p:nvSpPr>
-          <p:cNvPr id="82" name="PlaceHolder 3"/>
+            <a:endParaRPr b="0" lang="en-US" sz="3200" spc="-1" strike="noStrike">
+              <a:latin typeface="Arial"/>
+            </a:endParaRPr>
+          </a:p>
+        </p:txBody>
+      </p:sp>
+      <p:sp>
+        <p:nvSpPr>
+          <p:cNvPr id="76" name="PlaceHolder 3"/>
           <p:cNvSpPr>
             <a:spLocks noGrp="1"/>
           </p:cNvSpPr>
@@ -1487,8 +1399,8 @@
         </p:nvSpPr>
         <p:spPr>
           <a:xfrm>
-            <a:off x="6215040" y="2557080"/>
-            <a:ext cx="4685040" cy="1582560"/>
+            <a:off x="6231960" y="1604520"/>
+            <a:ext cx="5354280" cy="1896840"/>
           </a:xfrm>
           <a:prstGeom prst="rect">
             <a:avLst/>
@@ -1499,18 +1411,15 @@
             <a:normAutofit/>
           </a:bodyPr>
           <a:p>
-            <a:endParaRPr b="0" lang="en-US" sz="2400" spc="-1" strike="noStrike">
-              <a:solidFill>
-                <a:srgbClr val="262626"/>
-              </a:solidFill>
-              <a:latin typeface="Garamond"/>
-            </a:endParaRPr>
-          </a:p>
-        </p:txBody>
-      </p:sp>
-      <p:sp>
-        <p:nvSpPr>
-          <p:cNvPr id="83" name="PlaceHolder 4"/>
+            <a:endParaRPr b="0" lang="en-US" sz="3200" spc="-1" strike="noStrike">
+              <a:latin typeface="Arial"/>
+            </a:endParaRPr>
+          </a:p>
+        </p:txBody>
+      </p:sp>
+      <p:sp>
+        <p:nvSpPr>
+          <p:cNvPr id="77" name="PlaceHolder 4"/>
           <p:cNvSpPr>
             <a:spLocks noGrp="1"/>
           </p:cNvSpPr>
@@ -1520,8 +1429,8 @@
         </p:nvSpPr>
         <p:spPr>
           <a:xfrm>
-            <a:off x="1295280" y="4290480"/>
-            <a:ext cx="9600840" cy="1582560"/>
+            <a:off x="609480" y="3682080"/>
+            <a:ext cx="10972440" cy="1896840"/>
           </a:xfrm>
           <a:prstGeom prst="rect">
             <a:avLst/>
@@ -1532,11 +1441,8 @@
             <a:normAutofit/>
           </a:bodyPr>
           <a:p>
-            <a:endParaRPr b="0" lang="en-US" sz="2400" spc="-1" strike="noStrike">
-              <a:solidFill>
-                <a:srgbClr val="262626"/>
-              </a:solidFill>
-              <a:latin typeface="Garamond"/>
+            <a:endParaRPr b="0" lang="en-US" sz="3200" spc="-1" strike="noStrike">
+              <a:latin typeface="Arial"/>
             </a:endParaRPr>
           </a:p>
         </p:txBody>
@@ -1565,7 +1471,7 @@
       </p:grpSpPr>
       <p:sp>
         <p:nvSpPr>
-          <p:cNvPr id="84" name="PlaceHolder 1"/>
+          <p:cNvPr id="78" name="PlaceHolder 1"/>
           <p:cNvSpPr>
             <a:spLocks noGrp="1"/>
           </p:cNvSpPr>
@@ -1575,8 +1481,8 @@
         </p:nvSpPr>
         <p:spPr>
           <a:xfrm>
-            <a:off x="1295280" y="982080"/>
-            <a:ext cx="9600840" cy="1303560"/>
+            <a:off x="609480" y="273600"/>
+            <a:ext cx="10972440" cy="1144800"/>
           </a:xfrm>
           <a:prstGeom prst="rect">
             <a:avLst/>
@@ -1585,18 +1491,16 @@
         <p:txBody>
           <a:bodyPr lIns="0" rIns="0" tIns="0" bIns="0" anchor="ctr"/>
           <a:p>
-            <a:endParaRPr b="0" lang="en-US" sz="1800" spc="-1" strike="noStrike">
-              <a:solidFill>
-                <a:srgbClr val="000000"/>
-              </a:solidFill>
-              <a:latin typeface="Garamond"/>
-            </a:endParaRPr>
-          </a:p>
-        </p:txBody>
-      </p:sp>
-      <p:sp>
-        <p:nvSpPr>
-          <p:cNvPr id="85" name="PlaceHolder 2"/>
+            <a:pPr algn="ctr"/>
+            <a:endParaRPr b="0" lang="en-US" sz="4400" spc="-1" strike="noStrike">
+              <a:latin typeface="Arial"/>
+            </a:endParaRPr>
+          </a:p>
+        </p:txBody>
+      </p:sp>
+      <p:sp>
+        <p:nvSpPr>
+          <p:cNvPr id="79" name="PlaceHolder 2"/>
           <p:cNvSpPr>
             <a:spLocks noGrp="1"/>
           </p:cNvSpPr>
@@ -1606,8 +1510,8 @@
         </p:nvSpPr>
         <p:spPr>
           <a:xfrm>
-            <a:off x="1295280" y="2557080"/>
-            <a:ext cx="9600840" cy="1582560"/>
+            <a:off x="609480" y="1604520"/>
+            <a:ext cx="10972440" cy="1896840"/>
           </a:xfrm>
           <a:prstGeom prst="rect">
             <a:avLst/>
@@ -1618,18 +1522,15 @@
             <a:normAutofit/>
           </a:bodyPr>
           <a:p>
-            <a:endParaRPr b="0" lang="en-US" sz="2400" spc="-1" strike="noStrike">
-              <a:solidFill>
-                <a:srgbClr val="262626"/>
-              </a:solidFill>
-              <a:latin typeface="Garamond"/>
-            </a:endParaRPr>
-          </a:p>
-        </p:txBody>
-      </p:sp>
-      <p:sp>
-        <p:nvSpPr>
-          <p:cNvPr id="86" name="PlaceHolder 3"/>
+            <a:endParaRPr b="0" lang="en-US" sz="3200" spc="-1" strike="noStrike">
+              <a:latin typeface="Arial"/>
+            </a:endParaRPr>
+          </a:p>
+        </p:txBody>
+      </p:sp>
+      <p:sp>
+        <p:nvSpPr>
+          <p:cNvPr id="80" name="PlaceHolder 3"/>
           <p:cNvSpPr>
             <a:spLocks noGrp="1"/>
           </p:cNvSpPr>
@@ -1639,8 +1540,8 @@
         </p:nvSpPr>
         <p:spPr>
           <a:xfrm>
-            <a:off x="1295280" y="4290480"/>
-            <a:ext cx="9600840" cy="1582560"/>
+            <a:off x="609480" y="3682080"/>
+            <a:ext cx="10972440" cy="1896840"/>
           </a:xfrm>
           <a:prstGeom prst="rect">
             <a:avLst/>
@@ -1651,11 +1552,8 @@
             <a:normAutofit/>
           </a:bodyPr>
           <a:p>
-            <a:endParaRPr b="0" lang="en-US" sz="2400" spc="-1" strike="noStrike">
-              <a:solidFill>
-                <a:srgbClr val="262626"/>
-              </a:solidFill>
-              <a:latin typeface="Garamond"/>
+            <a:endParaRPr b="0" lang="en-US" sz="3200" spc="-1" strike="noStrike">
+              <a:latin typeface="Arial"/>
             </a:endParaRPr>
           </a:p>
         </p:txBody>
@@ -1684,7 +1582,7 @@
       </p:grpSpPr>
       <p:sp>
         <p:nvSpPr>
-          <p:cNvPr id="87" name="PlaceHolder 1"/>
+          <p:cNvPr id="81" name="PlaceHolder 1"/>
           <p:cNvSpPr>
             <a:spLocks noGrp="1"/>
           </p:cNvSpPr>
@@ -1694,8 +1592,8 @@
         </p:nvSpPr>
         <p:spPr>
           <a:xfrm>
-            <a:off x="1295280" y="982080"/>
-            <a:ext cx="9600840" cy="1303560"/>
+            <a:off x="609480" y="273600"/>
+            <a:ext cx="10972440" cy="1144800"/>
           </a:xfrm>
           <a:prstGeom prst="rect">
             <a:avLst/>
@@ -1704,18 +1602,16 @@
         <p:txBody>
           <a:bodyPr lIns="0" rIns="0" tIns="0" bIns="0" anchor="ctr"/>
           <a:p>
-            <a:endParaRPr b="0" lang="en-US" sz="1800" spc="-1" strike="noStrike">
-              <a:solidFill>
-                <a:srgbClr val="000000"/>
-              </a:solidFill>
-              <a:latin typeface="Garamond"/>
-            </a:endParaRPr>
-          </a:p>
-        </p:txBody>
-      </p:sp>
-      <p:sp>
-        <p:nvSpPr>
-          <p:cNvPr id="88" name="PlaceHolder 2"/>
+            <a:pPr algn="ctr"/>
+            <a:endParaRPr b="0" lang="en-US" sz="4400" spc="-1" strike="noStrike">
+              <a:latin typeface="Arial"/>
+            </a:endParaRPr>
+          </a:p>
+        </p:txBody>
+      </p:sp>
+      <p:sp>
+        <p:nvSpPr>
+          <p:cNvPr id="82" name="PlaceHolder 2"/>
           <p:cNvSpPr>
             <a:spLocks noGrp="1"/>
           </p:cNvSpPr>
@@ -1725,8 +1621,8 @@
         </p:nvSpPr>
         <p:spPr>
           <a:xfrm>
-            <a:off x="1295280" y="2557080"/>
-            <a:ext cx="4685040" cy="1582560"/>
+            <a:off x="609480" y="1604520"/>
+            <a:ext cx="5354280" cy="1896840"/>
           </a:xfrm>
           <a:prstGeom prst="rect">
             <a:avLst/>
@@ -1737,18 +1633,15 @@
             <a:normAutofit/>
           </a:bodyPr>
           <a:p>
-            <a:endParaRPr b="0" lang="en-US" sz="2400" spc="-1" strike="noStrike">
-              <a:solidFill>
-                <a:srgbClr val="262626"/>
-              </a:solidFill>
-              <a:latin typeface="Garamond"/>
-            </a:endParaRPr>
-          </a:p>
-        </p:txBody>
-      </p:sp>
-      <p:sp>
-        <p:nvSpPr>
-          <p:cNvPr id="89" name="PlaceHolder 3"/>
+            <a:endParaRPr b="0" lang="en-US" sz="3200" spc="-1" strike="noStrike">
+              <a:latin typeface="Arial"/>
+            </a:endParaRPr>
+          </a:p>
+        </p:txBody>
+      </p:sp>
+      <p:sp>
+        <p:nvSpPr>
+          <p:cNvPr id="83" name="PlaceHolder 3"/>
           <p:cNvSpPr>
             <a:spLocks noGrp="1"/>
           </p:cNvSpPr>
@@ -1758,8 +1651,8 @@
         </p:nvSpPr>
         <p:spPr>
           <a:xfrm>
-            <a:off x="6215040" y="2557080"/>
-            <a:ext cx="4685040" cy="1582560"/>
+            <a:off x="6231960" y="1604520"/>
+            <a:ext cx="5354280" cy="1896840"/>
           </a:xfrm>
           <a:prstGeom prst="rect">
             <a:avLst/>
@@ -1770,18 +1663,15 @@
             <a:normAutofit/>
           </a:bodyPr>
           <a:p>
-            <a:endParaRPr b="0" lang="en-US" sz="2400" spc="-1" strike="noStrike">
-              <a:solidFill>
-                <a:srgbClr val="262626"/>
-              </a:solidFill>
-              <a:latin typeface="Garamond"/>
-            </a:endParaRPr>
-          </a:p>
-        </p:txBody>
-      </p:sp>
-      <p:sp>
-        <p:nvSpPr>
-          <p:cNvPr id="90" name="PlaceHolder 4"/>
+            <a:endParaRPr b="0" lang="en-US" sz="3200" spc="-1" strike="noStrike">
+              <a:latin typeface="Arial"/>
+            </a:endParaRPr>
+          </a:p>
+        </p:txBody>
+      </p:sp>
+      <p:sp>
+        <p:nvSpPr>
+          <p:cNvPr id="84" name="PlaceHolder 4"/>
           <p:cNvSpPr>
             <a:spLocks noGrp="1"/>
           </p:cNvSpPr>
@@ -1791,8 +1681,8 @@
         </p:nvSpPr>
         <p:spPr>
           <a:xfrm>
-            <a:off x="1295280" y="4290480"/>
-            <a:ext cx="4685040" cy="1582560"/>
+            <a:off x="609480" y="3682080"/>
+            <a:ext cx="5354280" cy="1896840"/>
           </a:xfrm>
           <a:prstGeom prst="rect">
             <a:avLst/>
@@ -1803,18 +1693,15 @@
             <a:normAutofit/>
           </a:bodyPr>
           <a:p>
-            <a:endParaRPr b="0" lang="en-US" sz="2400" spc="-1" strike="noStrike">
-              <a:solidFill>
-                <a:srgbClr val="262626"/>
-              </a:solidFill>
-              <a:latin typeface="Garamond"/>
-            </a:endParaRPr>
-          </a:p>
-        </p:txBody>
-      </p:sp>
-      <p:sp>
-        <p:nvSpPr>
-          <p:cNvPr id="91" name="PlaceHolder 5"/>
+            <a:endParaRPr b="0" lang="en-US" sz="3200" spc="-1" strike="noStrike">
+              <a:latin typeface="Arial"/>
+            </a:endParaRPr>
+          </a:p>
+        </p:txBody>
+      </p:sp>
+      <p:sp>
+        <p:nvSpPr>
+          <p:cNvPr id="85" name="PlaceHolder 5"/>
           <p:cNvSpPr>
             <a:spLocks noGrp="1"/>
           </p:cNvSpPr>
@@ -1824,8 +1711,8 @@
         </p:nvSpPr>
         <p:spPr>
           <a:xfrm>
-            <a:off x="6215040" y="4290480"/>
-            <a:ext cx="4685040" cy="1582560"/>
+            <a:off x="6231960" y="3682080"/>
+            <a:ext cx="5354280" cy="1896840"/>
           </a:xfrm>
           <a:prstGeom prst="rect">
             <a:avLst/>
@@ -1836,11 +1723,8 @@
             <a:normAutofit/>
           </a:bodyPr>
           <a:p>
-            <a:endParaRPr b="0" lang="en-US" sz="2400" spc="-1" strike="noStrike">
-              <a:solidFill>
-                <a:srgbClr val="262626"/>
-              </a:solidFill>
-              <a:latin typeface="Garamond"/>
+            <a:endParaRPr b="0" lang="en-US" sz="3200" spc="-1" strike="noStrike">
+              <a:latin typeface="Arial"/>
             </a:endParaRPr>
           </a:p>
         </p:txBody>
@@ -1869,7 +1753,7 @@
       </p:grpSpPr>
       <p:sp>
         <p:nvSpPr>
-          <p:cNvPr id="92" name="PlaceHolder 1"/>
+          <p:cNvPr id="86" name="PlaceHolder 1"/>
           <p:cNvSpPr>
             <a:spLocks noGrp="1"/>
           </p:cNvSpPr>
@@ -1879,8 +1763,8 @@
         </p:nvSpPr>
         <p:spPr>
           <a:xfrm>
-            <a:off x="1295280" y="982080"/>
-            <a:ext cx="9600840" cy="1303560"/>
+            <a:off x="609480" y="273600"/>
+            <a:ext cx="10972440" cy="1144800"/>
           </a:xfrm>
           <a:prstGeom prst="rect">
             <a:avLst/>
@@ -1889,18 +1773,16 @@
         <p:txBody>
           <a:bodyPr lIns="0" rIns="0" tIns="0" bIns="0" anchor="ctr"/>
           <a:p>
-            <a:endParaRPr b="0" lang="en-US" sz="1800" spc="-1" strike="noStrike">
-              <a:solidFill>
-                <a:srgbClr val="000000"/>
-              </a:solidFill>
-              <a:latin typeface="Garamond"/>
-            </a:endParaRPr>
-          </a:p>
-        </p:txBody>
-      </p:sp>
-      <p:sp>
-        <p:nvSpPr>
-          <p:cNvPr id="93" name="PlaceHolder 2"/>
+            <a:pPr algn="ctr"/>
+            <a:endParaRPr b="0" lang="en-US" sz="4400" spc="-1" strike="noStrike">
+              <a:latin typeface="Arial"/>
+            </a:endParaRPr>
+          </a:p>
+        </p:txBody>
+      </p:sp>
+      <p:sp>
+        <p:nvSpPr>
+          <p:cNvPr id="87" name="PlaceHolder 2"/>
           <p:cNvSpPr>
             <a:spLocks noGrp="1"/>
           </p:cNvSpPr>
@@ -1910,8 +1792,8 @@
         </p:nvSpPr>
         <p:spPr>
           <a:xfrm>
-            <a:off x="1295280" y="2557080"/>
-            <a:ext cx="3091320" cy="1582560"/>
+            <a:off x="609480" y="1604520"/>
+            <a:ext cx="3533040" cy="1896840"/>
           </a:xfrm>
           <a:prstGeom prst="rect">
             <a:avLst/>
@@ -1922,18 +1804,15 @@
             <a:normAutofit/>
           </a:bodyPr>
           <a:p>
-            <a:endParaRPr b="0" lang="en-US" sz="2400" spc="-1" strike="noStrike">
-              <a:solidFill>
-                <a:srgbClr val="262626"/>
-              </a:solidFill>
-              <a:latin typeface="Garamond"/>
-            </a:endParaRPr>
-          </a:p>
-        </p:txBody>
-      </p:sp>
-      <p:sp>
-        <p:nvSpPr>
-          <p:cNvPr id="94" name="PlaceHolder 3"/>
+            <a:endParaRPr b="0" lang="en-US" sz="3200" spc="-1" strike="noStrike">
+              <a:latin typeface="Arial"/>
+            </a:endParaRPr>
+          </a:p>
+        </p:txBody>
+      </p:sp>
+      <p:sp>
+        <p:nvSpPr>
+          <p:cNvPr id="88" name="PlaceHolder 3"/>
           <p:cNvSpPr>
             <a:spLocks noGrp="1"/>
           </p:cNvSpPr>
@@ -1943,8 +1822,8 @@
         </p:nvSpPr>
         <p:spPr>
           <a:xfrm>
-            <a:off x="4541400" y="2557080"/>
-            <a:ext cx="3091320" cy="1582560"/>
+            <a:off x="4319640" y="1604520"/>
+            <a:ext cx="3533040" cy="1896840"/>
           </a:xfrm>
           <a:prstGeom prst="rect">
             <a:avLst/>
@@ -1955,18 +1834,15 @@
             <a:normAutofit/>
           </a:bodyPr>
           <a:p>
-            <a:endParaRPr b="0" lang="en-US" sz="2400" spc="-1" strike="noStrike">
-              <a:solidFill>
-                <a:srgbClr val="262626"/>
-              </a:solidFill>
-              <a:latin typeface="Garamond"/>
-            </a:endParaRPr>
-          </a:p>
-        </p:txBody>
-      </p:sp>
-      <p:sp>
-        <p:nvSpPr>
-          <p:cNvPr id="95" name="PlaceHolder 4"/>
+            <a:endParaRPr b="0" lang="en-US" sz="3200" spc="-1" strike="noStrike">
+              <a:latin typeface="Arial"/>
+            </a:endParaRPr>
+          </a:p>
+        </p:txBody>
+      </p:sp>
+      <p:sp>
+        <p:nvSpPr>
+          <p:cNvPr id="89" name="PlaceHolder 4"/>
           <p:cNvSpPr>
             <a:spLocks noGrp="1"/>
           </p:cNvSpPr>
@@ -1976,8 +1852,8 @@
         </p:nvSpPr>
         <p:spPr>
           <a:xfrm>
-            <a:off x="7787880" y="2557080"/>
-            <a:ext cx="3091320" cy="1582560"/>
+            <a:off x="8029800" y="1604520"/>
+            <a:ext cx="3533040" cy="1896840"/>
           </a:xfrm>
           <a:prstGeom prst="rect">
             <a:avLst/>
@@ -1988,18 +1864,15 @@
             <a:normAutofit/>
           </a:bodyPr>
           <a:p>
-            <a:endParaRPr b="0" lang="en-US" sz="2400" spc="-1" strike="noStrike">
-              <a:solidFill>
-                <a:srgbClr val="262626"/>
-              </a:solidFill>
-              <a:latin typeface="Garamond"/>
-            </a:endParaRPr>
-          </a:p>
-        </p:txBody>
-      </p:sp>
-      <p:sp>
-        <p:nvSpPr>
-          <p:cNvPr id="96" name="PlaceHolder 5"/>
+            <a:endParaRPr b="0" lang="en-US" sz="3200" spc="-1" strike="noStrike">
+              <a:latin typeface="Arial"/>
+            </a:endParaRPr>
+          </a:p>
+        </p:txBody>
+      </p:sp>
+      <p:sp>
+        <p:nvSpPr>
+          <p:cNvPr id="90" name="PlaceHolder 5"/>
           <p:cNvSpPr>
             <a:spLocks noGrp="1"/>
           </p:cNvSpPr>
@@ -2009,8 +1882,8 @@
         </p:nvSpPr>
         <p:spPr>
           <a:xfrm>
-            <a:off x="1295280" y="4290480"/>
-            <a:ext cx="3091320" cy="1582560"/>
+            <a:off x="609480" y="3682080"/>
+            <a:ext cx="3533040" cy="1896840"/>
           </a:xfrm>
           <a:prstGeom prst="rect">
             <a:avLst/>
@@ -2021,18 +1894,15 @@
             <a:normAutofit/>
           </a:bodyPr>
           <a:p>
-            <a:endParaRPr b="0" lang="en-US" sz="2400" spc="-1" strike="noStrike">
-              <a:solidFill>
-                <a:srgbClr val="262626"/>
-              </a:solidFill>
-              <a:latin typeface="Garamond"/>
-            </a:endParaRPr>
-          </a:p>
-        </p:txBody>
-      </p:sp>
-      <p:sp>
-        <p:nvSpPr>
-          <p:cNvPr id="97" name="PlaceHolder 6"/>
+            <a:endParaRPr b="0" lang="en-US" sz="3200" spc="-1" strike="noStrike">
+              <a:latin typeface="Arial"/>
+            </a:endParaRPr>
+          </a:p>
+        </p:txBody>
+      </p:sp>
+      <p:sp>
+        <p:nvSpPr>
+          <p:cNvPr id="91" name="PlaceHolder 6"/>
           <p:cNvSpPr>
             <a:spLocks noGrp="1"/>
           </p:cNvSpPr>
@@ -2042,8 +1912,8 @@
         </p:nvSpPr>
         <p:spPr>
           <a:xfrm>
-            <a:off x="4541400" y="4290480"/>
-            <a:ext cx="3091320" cy="1582560"/>
+            <a:off x="4319640" y="3682080"/>
+            <a:ext cx="3533040" cy="1896840"/>
           </a:xfrm>
           <a:prstGeom prst="rect">
             <a:avLst/>
@@ -2054,18 +1924,15 @@
             <a:normAutofit/>
           </a:bodyPr>
           <a:p>
-            <a:endParaRPr b="0" lang="en-US" sz="2400" spc="-1" strike="noStrike">
-              <a:solidFill>
-                <a:srgbClr val="262626"/>
-              </a:solidFill>
-              <a:latin typeface="Garamond"/>
-            </a:endParaRPr>
-          </a:p>
-        </p:txBody>
-      </p:sp>
-      <p:sp>
-        <p:nvSpPr>
-          <p:cNvPr id="98" name="PlaceHolder 7"/>
+            <a:endParaRPr b="0" lang="en-US" sz="3200" spc="-1" strike="noStrike">
+              <a:latin typeface="Arial"/>
+            </a:endParaRPr>
+          </a:p>
+        </p:txBody>
+      </p:sp>
+      <p:sp>
+        <p:nvSpPr>
+          <p:cNvPr id="92" name="PlaceHolder 7"/>
           <p:cNvSpPr>
             <a:spLocks noGrp="1"/>
           </p:cNvSpPr>
@@ -2075,8 +1942,8 @@
         </p:nvSpPr>
         <p:spPr>
           <a:xfrm>
-            <a:off x="7787880" y="4290480"/>
-            <a:ext cx="3091320" cy="1582560"/>
+            <a:off x="8029800" y="3682080"/>
+            <a:ext cx="3533040" cy="1896840"/>
           </a:xfrm>
           <a:prstGeom prst="rect">
             <a:avLst/>
@@ -2087,11 +1954,8 @@
             <a:normAutofit/>
           </a:bodyPr>
           <a:p>
-            <a:endParaRPr b="0" lang="en-US" sz="2400" spc="-1" strike="noStrike">
-              <a:solidFill>
-                <a:srgbClr val="262626"/>
-              </a:solidFill>
-              <a:latin typeface="Garamond"/>
+            <a:endParaRPr b="0" lang="en-US" sz="3200" spc="-1" strike="noStrike">
+              <a:latin typeface="Arial"/>
             </a:endParaRPr>
           </a:p>
         </p:txBody>
@@ -2120,7 +1984,7 @@
       </p:grpSpPr>
       <p:sp>
         <p:nvSpPr>
-          <p:cNvPr id="18" name="PlaceHolder 1"/>
+          <p:cNvPr id="15" name="PlaceHolder 1"/>
           <p:cNvSpPr>
             <a:spLocks noGrp="1"/>
           </p:cNvSpPr>
@@ -2130,8 +1994,8 @@
         </p:nvSpPr>
         <p:spPr>
           <a:xfrm>
-            <a:off x="1295280" y="982080"/>
-            <a:ext cx="9600840" cy="1303560"/>
+            <a:off x="609480" y="273600"/>
+            <a:ext cx="10972440" cy="1144800"/>
           </a:xfrm>
           <a:prstGeom prst="rect">
             <a:avLst/>
@@ -2140,18 +2004,16 @@
         <p:txBody>
           <a:bodyPr lIns="0" rIns="0" tIns="0" bIns="0" anchor="ctr"/>
           <a:p>
-            <a:endParaRPr b="0" lang="en-US" sz="1800" spc="-1" strike="noStrike">
-              <a:solidFill>
-                <a:srgbClr val="000000"/>
-              </a:solidFill>
-              <a:latin typeface="Garamond"/>
-            </a:endParaRPr>
-          </a:p>
-        </p:txBody>
-      </p:sp>
-      <p:sp>
-        <p:nvSpPr>
-          <p:cNvPr id="19" name="PlaceHolder 2"/>
+            <a:pPr algn="ctr"/>
+            <a:endParaRPr b="0" lang="en-US" sz="4400" spc="-1" strike="noStrike">
+              <a:latin typeface="Arial"/>
+            </a:endParaRPr>
+          </a:p>
+        </p:txBody>
+      </p:sp>
+      <p:sp>
+        <p:nvSpPr>
+          <p:cNvPr id="16" name="PlaceHolder 2"/>
           <p:cNvSpPr>
             <a:spLocks noGrp="1"/>
           </p:cNvSpPr>
@@ -2161,8 +2023,8 @@
         </p:nvSpPr>
         <p:spPr>
           <a:xfrm>
-            <a:off x="1295280" y="2557080"/>
-            <a:ext cx="9600840" cy="3318480"/>
+            <a:off x="609480" y="1604520"/>
+            <a:ext cx="10972440" cy="3977280"/>
           </a:xfrm>
           <a:prstGeom prst="rect">
             <a:avLst/>
@@ -2173,11 +2035,8 @@
             <a:normAutofit/>
           </a:bodyPr>
           <a:p>
-            <a:endParaRPr b="0" lang="en-US" sz="2400" spc="-1" strike="noStrike">
-              <a:solidFill>
-                <a:srgbClr val="262626"/>
-              </a:solidFill>
-              <a:latin typeface="Garamond"/>
+            <a:endParaRPr b="0" lang="en-US" sz="3200" spc="-1" strike="noStrike">
+              <a:latin typeface="Arial"/>
             </a:endParaRPr>
           </a:p>
         </p:txBody>
@@ -2206,7 +2065,7 @@
       </p:grpSpPr>
       <p:sp>
         <p:nvSpPr>
-          <p:cNvPr id="20" name="PlaceHolder 1"/>
+          <p:cNvPr id="17" name="PlaceHolder 1"/>
           <p:cNvSpPr>
             <a:spLocks noGrp="1"/>
           </p:cNvSpPr>
@@ -2216,8 +2075,8 @@
         </p:nvSpPr>
         <p:spPr>
           <a:xfrm>
-            <a:off x="1295280" y="982080"/>
-            <a:ext cx="9600840" cy="1303560"/>
+            <a:off x="609480" y="273600"/>
+            <a:ext cx="10972440" cy="1144800"/>
           </a:xfrm>
           <a:prstGeom prst="rect">
             <a:avLst/>
@@ -2226,18 +2085,16 @@
         <p:txBody>
           <a:bodyPr lIns="0" rIns="0" tIns="0" bIns="0" anchor="ctr"/>
           <a:p>
-            <a:endParaRPr b="0" lang="en-US" sz="1800" spc="-1" strike="noStrike">
-              <a:solidFill>
-                <a:srgbClr val="000000"/>
-              </a:solidFill>
-              <a:latin typeface="Garamond"/>
-            </a:endParaRPr>
-          </a:p>
-        </p:txBody>
-      </p:sp>
-      <p:sp>
-        <p:nvSpPr>
-          <p:cNvPr id="21" name="PlaceHolder 2"/>
+            <a:pPr algn="ctr"/>
+            <a:endParaRPr b="0" lang="en-US" sz="4400" spc="-1" strike="noStrike">
+              <a:latin typeface="Arial"/>
+            </a:endParaRPr>
+          </a:p>
+        </p:txBody>
+      </p:sp>
+      <p:sp>
+        <p:nvSpPr>
+          <p:cNvPr id="18" name="PlaceHolder 2"/>
           <p:cNvSpPr>
             <a:spLocks noGrp="1"/>
           </p:cNvSpPr>
@@ -2247,8 +2104,8 @@
         </p:nvSpPr>
         <p:spPr>
           <a:xfrm>
-            <a:off x="1295280" y="2557080"/>
-            <a:ext cx="4685040" cy="3318480"/>
+            <a:off x="609480" y="1604520"/>
+            <a:ext cx="5354280" cy="3977280"/>
           </a:xfrm>
           <a:prstGeom prst="rect">
             <a:avLst/>
@@ -2259,18 +2116,15 @@
             <a:normAutofit/>
           </a:bodyPr>
           <a:p>
-            <a:endParaRPr b="0" lang="en-US" sz="2400" spc="-1" strike="noStrike">
-              <a:solidFill>
-                <a:srgbClr val="262626"/>
-              </a:solidFill>
-              <a:latin typeface="Garamond"/>
-            </a:endParaRPr>
-          </a:p>
-        </p:txBody>
-      </p:sp>
-      <p:sp>
-        <p:nvSpPr>
-          <p:cNvPr id="22" name="PlaceHolder 3"/>
+            <a:endParaRPr b="0" lang="en-US" sz="3200" spc="-1" strike="noStrike">
+              <a:latin typeface="Arial"/>
+            </a:endParaRPr>
+          </a:p>
+        </p:txBody>
+      </p:sp>
+      <p:sp>
+        <p:nvSpPr>
+          <p:cNvPr id="19" name="PlaceHolder 3"/>
           <p:cNvSpPr>
             <a:spLocks noGrp="1"/>
           </p:cNvSpPr>
@@ -2280,8 +2134,8 @@
         </p:nvSpPr>
         <p:spPr>
           <a:xfrm>
-            <a:off x="6215040" y="2557080"/>
-            <a:ext cx="4685040" cy="3318480"/>
+            <a:off x="6231960" y="1604520"/>
+            <a:ext cx="5354280" cy="3977280"/>
           </a:xfrm>
           <a:prstGeom prst="rect">
             <a:avLst/>
@@ -2292,11 +2146,8 @@
             <a:normAutofit/>
           </a:bodyPr>
           <a:p>
-            <a:endParaRPr b="0" lang="en-US" sz="2400" spc="-1" strike="noStrike">
-              <a:solidFill>
-                <a:srgbClr val="262626"/>
-              </a:solidFill>
-              <a:latin typeface="Garamond"/>
+            <a:endParaRPr b="0" lang="en-US" sz="3200" spc="-1" strike="noStrike">
+              <a:latin typeface="Arial"/>
             </a:endParaRPr>
           </a:p>
         </p:txBody>
@@ -2325,7 +2176,7 @@
       </p:grpSpPr>
       <p:sp>
         <p:nvSpPr>
-          <p:cNvPr id="23" name="PlaceHolder 1"/>
+          <p:cNvPr id="20" name="PlaceHolder 1"/>
           <p:cNvSpPr>
             <a:spLocks noGrp="1"/>
           </p:cNvSpPr>
@@ -2335,8 +2186,8 @@
         </p:nvSpPr>
         <p:spPr>
           <a:xfrm>
-            <a:off x="1295280" y="982080"/>
-            <a:ext cx="9600840" cy="1303560"/>
+            <a:off x="609480" y="273600"/>
+            <a:ext cx="10972440" cy="1144800"/>
           </a:xfrm>
           <a:prstGeom prst="rect">
             <a:avLst/>
@@ -2345,11 +2196,9 @@
         <p:txBody>
           <a:bodyPr lIns="0" rIns="0" tIns="0" bIns="0" anchor="ctr"/>
           <a:p>
-            <a:endParaRPr b="0" lang="en-US" sz="1800" spc="-1" strike="noStrike">
-              <a:solidFill>
-                <a:srgbClr val="000000"/>
-              </a:solidFill>
-              <a:latin typeface="Garamond"/>
+            <a:pPr algn="ctr"/>
+            <a:endParaRPr b="0" lang="en-US" sz="4400" spc="-1" strike="noStrike">
+              <a:latin typeface="Arial"/>
             </a:endParaRPr>
           </a:p>
         </p:txBody>
@@ -2378,7 +2227,7 @@
       </p:grpSpPr>
       <p:sp>
         <p:nvSpPr>
-          <p:cNvPr id="24" name="PlaceHolder 1"/>
+          <p:cNvPr id="21" name="PlaceHolder 1"/>
           <p:cNvSpPr>
             <a:spLocks noGrp="1"/>
           </p:cNvSpPr>
@@ -2388,8 +2237,8 @@
         </p:nvSpPr>
         <p:spPr>
           <a:xfrm>
-            <a:off x="1295280" y="982080"/>
-            <a:ext cx="9600840" cy="6043680"/>
+            <a:off x="609480" y="273600"/>
+            <a:ext cx="10972440" cy="5307840"/>
           </a:xfrm>
           <a:prstGeom prst="rect">
             <a:avLst/>
@@ -2429,7 +2278,7 @@
       </p:grpSpPr>
       <p:sp>
         <p:nvSpPr>
-          <p:cNvPr id="25" name="PlaceHolder 1"/>
+          <p:cNvPr id="22" name="PlaceHolder 1"/>
           <p:cNvSpPr>
             <a:spLocks noGrp="1"/>
           </p:cNvSpPr>
@@ -2439,8 +2288,8 @@
         </p:nvSpPr>
         <p:spPr>
           <a:xfrm>
-            <a:off x="1295280" y="982080"/>
-            <a:ext cx="9600840" cy="1303560"/>
+            <a:off x="609480" y="273600"/>
+            <a:ext cx="10972440" cy="1144800"/>
           </a:xfrm>
           <a:prstGeom prst="rect">
             <a:avLst/>
@@ -2449,18 +2298,16 @@
         <p:txBody>
           <a:bodyPr lIns="0" rIns="0" tIns="0" bIns="0" anchor="ctr"/>
           <a:p>
-            <a:endParaRPr b="0" lang="en-US" sz="1800" spc="-1" strike="noStrike">
-              <a:solidFill>
-                <a:srgbClr val="000000"/>
-              </a:solidFill>
-              <a:latin typeface="Garamond"/>
-            </a:endParaRPr>
-          </a:p>
-        </p:txBody>
-      </p:sp>
-      <p:sp>
-        <p:nvSpPr>
-          <p:cNvPr id="26" name="PlaceHolder 2"/>
+            <a:pPr algn="ctr"/>
+            <a:endParaRPr b="0" lang="en-US" sz="4400" spc="-1" strike="noStrike">
+              <a:latin typeface="Arial"/>
+            </a:endParaRPr>
+          </a:p>
+        </p:txBody>
+      </p:sp>
+      <p:sp>
+        <p:nvSpPr>
+          <p:cNvPr id="23" name="PlaceHolder 2"/>
           <p:cNvSpPr>
             <a:spLocks noGrp="1"/>
           </p:cNvSpPr>
@@ -2470,8 +2317,8 @@
         </p:nvSpPr>
         <p:spPr>
           <a:xfrm>
-            <a:off x="1295280" y="2557080"/>
-            <a:ext cx="4685040" cy="1582560"/>
+            <a:off x="609480" y="1604520"/>
+            <a:ext cx="5354280" cy="1896840"/>
           </a:xfrm>
           <a:prstGeom prst="rect">
             <a:avLst/>
@@ -2482,18 +2329,15 @@
             <a:normAutofit/>
           </a:bodyPr>
           <a:p>
-            <a:endParaRPr b="0" lang="en-US" sz="2400" spc="-1" strike="noStrike">
-              <a:solidFill>
-                <a:srgbClr val="262626"/>
-              </a:solidFill>
-              <a:latin typeface="Garamond"/>
-            </a:endParaRPr>
-          </a:p>
-        </p:txBody>
-      </p:sp>
-      <p:sp>
-        <p:nvSpPr>
-          <p:cNvPr id="27" name="PlaceHolder 3"/>
+            <a:endParaRPr b="0" lang="en-US" sz="3200" spc="-1" strike="noStrike">
+              <a:latin typeface="Arial"/>
+            </a:endParaRPr>
+          </a:p>
+        </p:txBody>
+      </p:sp>
+      <p:sp>
+        <p:nvSpPr>
+          <p:cNvPr id="24" name="PlaceHolder 3"/>
           <p:cNvSpPr>
             <a:spLocks noGrp="1"/>
           </p:cNvSpPr>
@@ -2503,8 +2347,8 @@
         </p:nvSpPr>
         <p:spPr>
           <a:xfrm>
-            <a:off x="6215040" y="2557080"/>
-            <a:ext cx="4685040" cy="3318480"/>
+            <a:off x="6231960" y="1604520"/>
+            <a:ext cx="5354280" cy="3977280"/>
           </a:xfrm>
           <a:prstGeom prst="rect">
             <a:avLst/>
@@ -2515,18 +2359,15 @@
             <a:normAutofit/>
           </a:bodyPr>
           <a:p>
-            <a:endParaRPr b="0" lang="en-US" sz="2400" spc="-1" strike="noStrike">
-              <a:solidFill>
-                <a:srgbClr val="262626"/>
-              </a:solidFill>
-              <a:latin typeface="Garamond"/>
-            </a:endParaRPr>
-          </a:p>
-        </p:txBody>
-      </p:sp>
-      <p:sp>
-        <p:nvSpPr>
-          <p:cNvPr id="28" name="PlaceHolder 4"/>
+            <a:endParaRPr b="0" lang="en-US" sz="3200" spc="-1" strike="noStrike">
+              <a:latin typeface="Arial"/>
+            </a:endParaRPr>
+          </a:p>
+        </p:txBody>
+      </p:sp>
+      <p:sp>
+        <p:nvSpPr>
+          <p:cNvPr id="25" name="PlaceHolder 4"/>
           <p:cNvSpPr>
             <a:spLocks noGrp="1"/>
           </p:cNvSpPr>
@@ -2536,8 +2377,8 @@
         </p:nvSpPr>
         <p:spPr>
           <a:xfrm>
-            <a:off x="1295280" y="4290480"/>
-            <a:ext cx="4685040" cy="1582560"/>
+            <a:off x="609480" y="3682080"/>
+            <a:ext cx="5354280" cy="1896840"/>
           </a:xfrm>
           <a:prstGeom prst="rect">
             <a:avLst/>
@@ -2548,11 +2389,8 @@
             <a:normAutofit/>
           </a:bodyPr>
           <a:p>
-            <a:endParaRPr b="0" lang="en-US" sz="2400" spc="-1" strike="noStrike">
-              <a:solidFill>
-                <a:srgbClr val="262626"/>
-              </a:solidFill>
-              <a:latin typeface="Garamond"/>
+            <a:endParaRPr b="0" lang="en-US" sz="3200" spc="-1" strike="noStrike">
+              <a:latin typeface="Arial"/>
             </a:endParaRPr>
           </a:p>
         </p:txBody>
@@ -2581,7 +2419,7 @@
       </p:grpSpPr>
       <p:sp>
         <p:nvSpPr>
-          <p:cNvPr id="29" name="PlaceHolder 1"/>
+          <p:cNvPr id="26" name="PlaceHolder 1"/>
           <p:cNvSpPr>
             <a:spLocks noGrp="1"/>
           </p:cNvSpPr>
@@ -2591,8 +2429,8 @@
         </p:nvSpPr>
         <p:spPr>
           <a:xfrm>
-            <a:off x="1295280" y="982080"/>
-            <a:ext cx="9600840" cy="1303560"/>
+            <a:off x="609480" y="273600"/>
+            <a:ext cx="10972440" cy="1144800"/>
           </a:xfrm>
           <a:prstGeom prst="rect">
             <a:avLst/>
@@ -2601,18 +2439,16 @@
         <p:txBody>
           <a:bodyPr lIns="0" rIns="0" tIns="0" bIns="0" anchor="ctr"/>
           <a:p>
-            <a:endParaRPr b="0" lang="en-US" sz="1800" spc="-1" strike="noStrike">
-              <a:solidFill>
-                <a:srgbClr val="000000"/>
-              </a:solidFill>
-              <a:latin typeface="Garamond"/>
-            </a:endParaRPr>
-          </a:p>
-        </p:txBody>
-      </p:sp>
-      <p:sp>
-        <p:nvSpPr>
-          <p:cNvPr id="30" name="PlaceHolder 2"/>
+            <a:pPr algn="ctr"/>
+            <a:endParaRPr b="0" lang="en-US" sz="4400" spc="-1" strike="noStrike">
+              <a:latin typeface="Arial"/>
+            </a:endParaRPr>
+          </a:p>
+        </p:txBody>
+      </p:sp>
+      <p:sp>
+        <p:nvSpPr>
+          <p:cNvPr id="27" name="PlaceHolder 2"/>
           <p:cNvSpPr>
             <a:spLocks noGrp="1"/>
           </p:cNvSpPr>
@@ -2622,8 +2458,8 @@
         </p:nvSpPr>
         <p:spPr>
           <a:xfrm>
-            <a:off x="1295280" y="2557080"/>
-            <a:ext cx="4685040" cy="3318480"/>
+            <a:off x="609480" y="1604520"/>
+            <a:ext cx="5354280" cy="3977280"/>
           </a:xfrm>
           <a:prstGeom prst="rect">
             <a:avLst/>
@@ -2634,18 +2470,15 @@
             <a:normAutofit/>
           </a:bodyPr>
           <a:p>
-            <a:endParaRPr b="0" lang="en-US" sz="2400" spc="-1" strike="noStrike">
-              <a:solidFill>
-                <a:srgbClr val="262626"/>
-              </a:solidFill>
-              <a:latin typeface="Garamond"/>
-            </a:endParaRPr>
-          </a:p>
-        </p:txBody>
-      </p:sp>
-      <p:sp>
-        <p:nvSpPr>
-          <p:cNvPr id="31" name="PlaceHolder 3"/>
+            <a:endParaRPr b="0" lang="en-US" sz="3200" spc="-1" strike="noStrike">
+              <a:latin typeface="Arial"/>
+            </a:endParaRPr>
+          </a:p>
+        </p:txBody>
+      </p:sp>
+      <p:sp>
+        <p:nvSpPr>
+          <p:cNvPr id="28" name="PlaceHolder 3"/>
           <p:cNvSpPr>
             <a:spLocks noGrp="1"/>
           </p:cNvSpPr>
@@ -2655,8 +2488,8 @@
         </p:nvSpPr>
         <p:spPr>
           <a:xfrm>
-            <a:off x="6215040" y="2557080"/>
-            <a:ext cx="4685040" cy="1582560"/>
+            <a:off x="6231960" y="1604520"/>
+            <a:ext cx="5354280" cy="1896840"/>
           </a:xfrm>
           <a:prstGeom prst="rect">
             <a:avLst/>
@@ -2667,18 +2500,15 @@
             <a:normAutofit/>
           </a:bodyPr>
           <a:p>
-            <a:endParaRPr b="0" lang="en-US" sz="2400" spc="-1" strike="noStrike">
-              <a:solidFill>
-                <a:srgbClr val="262626"/>
-              </a:solidFill>
-              <a:latin typeface="Garamond"/>
-            </a:endParaRPr>
-          </a:p>
-        </p:txBody>
-      </p:sp>
-      <p:sp>
-        <p:nvSpPr>
-          <p:cNvPr id="32" name="PlaceHolder 4"/>
+            <a:endParaRPr b="0" lang="en-US" sz="3200" spc="-1" strike="noStrike">
+              <a:latin typeface="Arial"/>
+            </a:endParaRPr>
+          </a:p>
+        </p:txBody>
+      </p:sp>
+      <p:sp>
+        <p:nvSpPr>
+          <p:cNvPr id="29" name="PlaceHolder 4"/>
           <p:cNvSpPr>
             <a:spLocks noGrp="1"/>
           </p:cNvSpPr>
@@ -2688,8 +2518,8 @@
         </p:nvSpPr>
         <p:spPr>
           <a:xfrm>
-            <a:off x="6215040" y="4290480"/>
-            <a:ext cx="4685040" cy="1582560"/>
+            <a:off x="6231960" y="3682080"/>
+            <a:ext cx="5354280" cy="1896840"/>
           </a:xfrm>
           <a:prstGeom prst="rect">
             <a:avLst/>
@@ -2700,11 +2530,8 @@
             <a:normAutofit/>
           </a:bodyPr>
           <a:p>
-            <a:endParaRPr b="0" lang="en-US" sz="2400" spc="-1" strike="noStrike">
-              <a:solidFill>
-                <a:srgbClr val="262626"/>
-              </a:solidFill>
-              <a:latin typeface="Garamond"/>
+            <a:endParaRPr b="0" lang="en-US" sz="3200" spc="-1" strike="noStrike">
+              <a:latin typeface="Arial"/>
             </a:endParaRPr>
           </a:p>
         </p:txBody>
@@ -2733,7 +2560,7 @@
       </p:grpSpPr>
       <p:sp>
         <p:nvSpPr>
-          <p:cNvPr id="33" name="PlaceHolder 1"/>
+          <p:cNvPr id="30" name="PlaceHolder 1"/>
           <p:cNvSpPr>
             <a:spLocks noGrp="1"/>
           </p:cNvSpPr>
@@ -2743,8 +2570,8 @@
         </p:nvSpPr>
         <p:spPr>
           <a:xfrm>
-            <a:off x="1295280" y="982080"/>
-            <a:ext cx="9600840" cy="1303560"/>
+            <a:off x="609480" y="273600"/>
+            <a:ext cx="10972440" cy="1144800"/>
           </a:xfrm>
           <a:prstGeom prst="rect">
             <a:avLst/>
@@ -2753,18 +2580,16 @@
         <p:txBody>
           <a:bodyPr lIns="0" rIns="0" tIns="0" bIns="0" anchor="ctr"/>
           <a:p>
-            <a:endParaRPr b="0" lang="en-US" sz="1800" spc="-1" strike="noStrike">
-              <a:solidFill>
-                <a:srgbClr val="000000"/>
-              </a:solidFill>
-              <a:latin typeface="Garamond"/>
-            </a:endParaRPr>
-          </a:p>
-        </p:txBody>
-      </p:sp>
-      <p:sp>
-        <p:nvSpPr>
-          <p:cNvPr id="34" name="PlaceHolder 2"/>
+            <a:pPr algn="ctr"/>
+            <a:endParaRPr b="0" lang="en-US" sz="4400" spc="-1" strike="noStrike">
+              <a:latin typeface="Arial"/>
+            </a:endParaRPr>
+          </a:p>
+        </p:txBody>
+      </p:sp>
+      <p:sp>
+        <p:nvSpPr>
+          <p:cNvPr id="31" name="PlaceHolder 2"/>
           <p:cNvSpPr>
             <a:spLocks noGrp="1"/>
           </p:cNvSpPr>
@@ -2774,8 +2599,8 @@
         </p:nvSpPr>
         <p:spPr>
           <a:xfrm>
-            <a:off x="1295280" y="2557080"/>
-            <a:ext cx="4685040" cy="1582560"/>
+            <a:off x="609480" y="1604520"/>
+            <a:ext cx="5354280" cy="1896840"/>
           </a:xfrm>
           <a:prstGeom prst="rect">
             <a:avLst/>
@@ -2786,18 +2611,15 @@
             <a:normAutofit/>
           </a:bodyPr>
           <a:p>
-            <a:endParaRPr b="0" lang="en-US" sz="2400" spc="-1" strike="noStrike">
-              <a:solidFill>
-                <a:srgbClr val="262626"/>
-              </a:solidFill>
-              <a:latin typeface="Garamond"/>
-            </a:endParaRPr>
-          </a:p>
-        </p:txBody>
-      </p:sp>
-      <p:sp>
-        <p:nvSpPr>
-          <p:cNvPr id="35" name="PlaceHolder 3"/>
+            <a:endParaRPr b="0" lang="en-US" sz="3200" spc="-1" strike="noStrike">
+              <a:latin typeface="Arial"/>
+            </a:endParaRPr>
+          </a:p>
+        </p:txBody>
+      </p:sp>
+      <p:sp>
+        <p:nvSpPr>
+          <p:cNvPr id="32" name="PlaceHolder 3"/>
           <p:cNvSpPr>
             <a:spLocks noGrp="1"/>
           </p:cNvSpPr>
@@ -2807,8 +2629,8 @@
         </p:nvSpPr>
         <p:spPr>
           <a:xfrm>
-            <a:off x="6215040" y="2557080"/>
-            <a:ext cx="4685040" cy="1582560"/>
+            <a:off x="6231960" y="1604520"/>
+            <a:ext cx="5354280" cy="1896840"/>
           </a:xfrm>
           <a:prstGeom prst="rect">
             <a:avLst/>
@@ -2819,18 +2641,15 @@
             <a:normAutofit/>
           </a:bodyPr>
           <a:p>
-            <a:endParaRPr b="0" lang="en-US" sz="2400" spc="-1" strike="noStrike">
-              <a:solidFill>
-                <a:srgbClr val="262626"/>
-              </a:solidFill>
-              <a:latin typeface="Garamond"/>
-            </a:endParaRPr>
-          </a:p>
-        </p:txBody>
-      </p:sp>
-      <p:sp>
-        <p:nvSpPr>
-          <p:cNvPr id="36" name="PlaceHolder 4"/>
+            <a:endParaRPr b="0" lang="en-US" sz="3200" spc="-1" strike="noStrike">
+              <a:latin typeface="Arial"/>
+            </a:endParaRPr>
+          </a:p>
+        </p:txBody>
+      </p:sp>
+      <p:sp>
+        <p:nvSpPr>
+          <p:cNvPr id="33" name="PlaceHolder 4"/>
           <p:cNvSpPr>
             <a:spLocks noGrp="1"/>
           </p:cNvSpPr>
@@ -2840,8 +2659,8 @@
         </p:nvSpPr>
         <p:spPr>
           <a:xfrm>
-            <a:off x="1295280" y="4290480"/>
-            <a:ext cx="9600840" cy="1582560"/>
+            <a:off x="609480" y="3682080"/>
+            <a:ext cx="10972440" cy="1896840"/>
           </a:xfrm>
           <a:prstGeom prst="rect">
             <a:avLst/>
@@ -2852,11 +2671,8 @@
             <a:normAutofit/>
           </a:bodyPr>
           <a:p>
-            <a:endParaRPr b="0" lang="en-US" sz="2400" spc="-1" strike="noStrike">
-              <a:solidFill>
-                <a:srgbClr val="262626"/>
-              </a:solidFill>
-              <a:latin typeface="Garamond"/>
+            <a:endParaRPr b="0" lang="en-US" sz="3200" spc="-1" strike="noStrike">
+              <a:latin typeface="Arial"/>
             </a:endParaRPr>
           </a:p>
         </p:txBody>
@@ -2902,9 +2718,9 @@
         <p:grpSpPr>
           <a:xfrm>
             <a:off x="-15840" y="0"/>
-            <a:ext cx="12229560" cy="6855840"/>
+            <a:ext cx="12229200" cy="6855480"/>
             <a:chOff x="-15840" y="0"/>
-            <a:chExt cx="12229560" cy="6855840"/>
+            <a:chExt cx="12229200" cy="6855480"/>
           </a:xfrm>
         </p:grpSpPr>
         <p:pic>
@@ -2920,7 +2736,7 @@
           <p:spPr>
             <a:xfrm>
               <a:off x="0" y="0"/>
-              <a:ext cx="12188520" cy="6855840"/>
+              <a:ext cx="12188160" cy="6855480"/>
             </a:xfrm>
             <a:prstGeom prst="rect">
               <a:avLst/>
@@ -2939,13 +2755,16 @@
           <p:spPr>
             <a:xfrm>
               <a:off x="608040" y="609480"/>
-              <a:ext cx="10972440" cy="5638320"/>
+              <a:ext cx="10972080" cy="5637960"/>
             </a:xfrm>
             <a:prstGeom prst="rect">
               <a:avLst/>
             </a:prstGeom>
             <a:noFill/>
             <a:ln w="15840">
+              <a:solidFill>
+                <a:srgbClr val="829826"/>
+              </a:solidFill>
               <a:miter/>
             </a:ln>
             <a:effectLst>
@@ -2982,7 +2801,7 @@
           <p:spPr>
             <a:xfrm>
               <a:off x="-15840" y="3153960"/>
-              <a:ext cx="776880" cy="606240"/>
+              <a:ext cx="776520" cy="605880"/>
             </a:xfrm>
             <a:prstGeom prst="rect">
               <a:avLst/>
@@ -3005,7 +2824,7 @@
           <p:spPr>
             <a:xfrm>
               <a:off x="11436840" y="3153960"/>
-              <a:ext cx="776880" cy="606240"/>
+              <a:ext cx="776520" cy="605880"/>
             </a:xfrm>
             <a:prstGeom prst="rect">
               <a:avLst/>
@@ -3025,9 +2844,9 @@
         <p:grpSpPr>
           <a:xfrm>
             <a:off x="-16920" y="0"/>
-            <a:ext cx="12230640" cy="6855840"/>
+            <a:ext cx="12230280" cy="6855480"/>
             <a:chOff x="-16920" y="0"/>
-            <a:chExt cx="12230640" cy="6855840"/>
+            <a:chExt cx="12230280" cy="6855480"/>
           </a:xfrm>
         </p:grpSpPr>
         <p:pic>
@@ -3043,7 +2862,7 @@
           <p:spPr>
             <a:xfrm>
               <a:off x="0" y="0"/>
-              <a:ext cx="12188520" cy="6855840"/>
+              <a:ext cx="12188160" cy="6855480"/>
             </a:xfrm>
             <a:prstGeom prst="rect">
               <a:avLst/>
@@ -3062,13 +2881,16 @@
           <p:spPr>
             <a:xfrm>
               <a:off x="2328480" y="1540800"/>
-              <a:ext cx="7543440" cy="3835080"/>
+              <a:ext cx="7543080" cy="3834720"/>
             </a:xfrm>
             <a:prstGeom prst="rect">
               <a:avLst/>
             </a:prstGeom>
             <a:noFill/>
             <a:ln w="15840">
+              <a:solidFill>
+                <a:srgbClr val="829826"/>
+              </a:solidFill>
               <a:miter/>
             </a:ln>
             <a:effectLst>
@@ -3105,7 +2927,7 @@
           <p:spPr>
             <a:xfrm>
               <a:off x="-16920" y="3147480"/>
-              <a:ext cx="2477520" cy="612360"/>
+              <a:ext cx="2477160" cy="612000"/>
             </a:xfrm>
             <a:prstGeom prst="rect">
               <a:avLst/>
@@ -3128,7 +2950,7 @@
           <p:spPr>
             <a:xfrm>
               <a:off x="9736200" y="3147480"/>
-              <a:ext cx="2477520" cy="612360"/>
+              <a:ext cx="2477160" cy="612000"/>
             </a:xfrm>
             <a:prstGeom prst="rect">
               <a:avLst/>
@@ -3141,164 +2963,7 @@
       </p:grpSp>
       <p:sp>
         <p:nvSpPr>
-          <p:cNvPr id="10" name="PlaceHolder 5"/>
-          <p:cNvSpPr>
-            <a:spLocks noGrp="1"/>
-          </p:cNvSpPr>
-          <p:nvPr>
-            <p:ph type="title"/>
-          </p:nvPr>
-        </p:nvSpPr>
-        <p:spPr>
-          <a:xfrm>
-            <a:off x="2692440" y="1871280"/>
-            <a:ext cx="6815160" cy="1515240"/>
-          </a:xfrm>
-          <a:prstGeom prst="rect">
-            <a:avLst/>
-          </a:prstGeom>
-        </p:spPr>
-        <p:txBody>
-          <a:bodyPr anchor="b"/>
-          <a:p>
-            <a:pPr algn="ctr">
-              <a:lnSpc>
-                <a:spcPct val="100000"/>
-              </a:lnSpc>
-            </a:pPr>
-            <a:r>
-              <a:rPr b="0" lang="en-US" sz="5400" spc="-1" strike="noStrike">
-                <a:solidFill>
-                  <a:srgbClr val="262626"/>
-                </a:solidFill>
-                <a:latin typeface="Garamond"/>
-              </a:rPr>
-              <a:t>单击此处编辑母版标题样式</a:t>
-            </a:r>
-            <a:endParaRPr b="0" lang="en-US" sz="5400" spc="-1" strike="noStrike">
-              <a:solidFill>
-                <a:srgbClr val="000000"/>
-              </a:solidFill>
-              <a:latin typeface="Garamond"/>
-            </a:endParaRPr>
-          </a:p>
-        </p:txBody>
-      </p:sp>
-      <p:sp>
-        <p:nvSpPr>
-          <p:cNvPr id="11" name="PlaceHolder 6"/>
-          <p:cNvSpPr>
-            <a:spLocks noGrp="1"/>
-          </p:cNvSpPr>
-          <p:nvPr>
-            <p:ph type="dt"/>
-          </p:nvPr>
-        </p:nvSpPr>
-        <p:spPr>
-          <a:xfrm>
-            <a:off x="7983360" y="5037840"/>
-            <a:ext cx="897120" cy="279000"/>
-          </a:xfrm>
-          <a:prstGeom prst="rect">
-            <a:avLst/>
-          </a:prstGeom>
-        </p:spPr>
-        <p:txBody>
-          <a:bodyPr anchor="ctr"/>
-          <a:p>
-            <a:pPr algn="r">
-              <a:lnSpc>
-                <a:spcPct val="100000"/>
-              </a:lnSpc>
-            </a:pPr>
-            <a:fld id="{DE3B6F4E-80B4-4472-BEA6-21A8A52CFC8C}" type="datetime">
-              <a:rPr b="0" lang="en-US" sz="1000" spc="-1" strike="noStrike">
-                <a:solidFill>
-                  <a:srgbClr val="000000"/>
-                </a:solidFill>
-                <a:latin typeface="Garamond"/>
-              </a:rPr>
-              <a:t>9/18/18</a:t>
-            </a:fld>
-            <a:endParaRPr b="0" lang="en-US" sz="1000" spc="-1" strike="noStrike">
-              <a:latin typeface="Times New Roman"/>
-            </a:endParaRPr>
-          </a:p>
-        </p:txBody>
-      </p:sp>
-      <p:sp>
-        <p:nvSpPr>
-          <p:cNvPr id="12" name="PlaceHolder 7"/>
-          <p:cNvSpPr>
-            <a:spLocks noGrp="1"/>
-          </p:cNvSpPr>
-          <p:nvPr>
-            <p:ph type="ftr"/>
-          </p:nvPr>
-        </p:nvSpPr>
-        <p:spPr>
-          <a:xfrm>
-            <a:off x="2692440" y="5037840"/>
-            <a:ext cx="5214240" cy="279000"/>
-          </a:xfrm>
-          <a:prstGeom prst="rect">
-            <a:avLst/>
-          </a:prstGeom>
-        </p:spPr>
-        <p:txBody>
-          <a:bodyPr anchor="ctr"/>
-          <a:p>
-            <a:endParaRPr b="0" lang="en-US" sz="2400" spc="-1" strike="noStrike">
-              <a:latin typeface="Times New Roman"/>
-            </a:endParaRPr>
-          </a:p>
-        </p:txBody>
-      </p:sp>
-      <p:sp>
-        <p:nvSpPr>
-          <p:cNvPr id="13" name="PlaceHolder 8"/>
-          <p:cNvSpPr>
-            <a:spLocks noGrp="1"/>
-          </p:cNvSpPr>
-          <p:nvPr>
-            <p:ph type="sldNum"/>
-          </p:nvPr>
-        </p:nvSpPr>
-        <p:spPr>
-          <a:xfrm>
-            <a:off x="8956800" y="5037840"/>
-            <a:ext cx="550800" cy="279000"/>
-          </a:xfrm>
-          <a:prstGeom prst="rect">
-            <a:avLst/>
-          </a:prstGeom>
-        </p:spPr>
-        <p:txBody>
-          <a:bodyPr anchor="ctr"/>
-          <a:p>
-            <a:pPr algn="r">
-              <a:lnSpc>
-                <a:spcPct val="100000"/>
-              </a:lnSpc>
-            </a:pPr>
-            <a:fld id="{345A6DFD-5B28-40BD-B4FA-DAD4D64D1758}" type="slidenum">
-              <a:rPr b="0" lang="en-US" sz="1000" spc="-1" strike="noStrike">
-                <a:solidFill>
-                  <a:srgbClr val="000000"/>
-                </a:solidFill>
-                <a:latin typeface="Garamond"/>
-              </a:rPr>
-              <a:t>&lt;编号&gt;</a:t>
-            </a:fld>
-            <a:endParaRPr b="0" lang="en-US" sz="1000" spc="-1" strike="noStrike">
-              <a:latin typeface="Times New Roman"/>
-            </a:endParaRPr>
-          </a:p>
-        </p:txBody>
-      </p:sp>
-      <p:sp>
-        <p:nvSpPr>
-          <p:cNvPr id="14" name="Line 9"/>
+          <p:cNvPr id="10" name="Line 5"/>
           <p:cNvSpPr/>
           <p:nvPr/>
         </p:nvSpPr>
@@ -3329,7 +2994,41 @@
       </p:sp>
       <p:sp>
         <p:nvSpPr>
-          <p:cNvPr id="15" name="PlaceHolder 10"/>
+          <p:cNvPr id="11" name="PlaceHolder 6"/>
+          <p:cNvSpPr>
+            <a:spLocks noGrp="1"/>
+          </p:cNvSpPr>
+          <p:nvPr>
+            <p:ph type="title"/>
+          </p:nvPr>
+        </p:nvSpPr>
+        <p:spPr>
+          <a:xfrm>
+            <a:off x="1295280" y="982080"/>
+            <a:ext cx="9600480" cy="1303200"/>
+          </a:xfrm>
+          <a:prstGeom prst="rect">
+            <a:avLst/>
+          </a:prstGeom>
+        </p:spPr>
+        <p:txBody>
+          <a:bodyPr lIns="0" rIns="0" tIns="0" bIns="0" anchor="ctr"/>
+          <a:p>
+            <a:r>
+              <a:rPr b="0" lang="en-US" sz="1800" spc="-1" strike="noStrike">
+                <a:latin typeface="Arial"/>
+              </a:rPr>
+              <a:t>单击鼠标编辑标题文字格式</a:t>
+            </a:r>
+            <a:endParaRPr b="0" lang="en-US" sz="1800" spc="-1" strike="noStrike">
+              <a:latin typeface="Arial"/>
+            </a:endParaRPr>
+          </a:p>
+        </p:txBody>
+      </p:sp>
+      <p:sp>
+        <p:nvSpPr>
+          <p:cNvPr id="12" name="PlaceHolder 7"/>
           <p:cNvSpPr>
             <a:spLocks noGrp="1"/>
           </p:cNvSpPr>
@@ -3363,19 +3062,13 @@
               <a:buChar char=""/>
             </a:pPr>
             <a:r>
-              <a:rPr b="0" lang="en-US" sz="2400" spc="-1" strike="noStrike">
-                <a:solidFill>
-                  <a:srgbClr val="262626"/>
-                </a:solidFill>
-                <a:latin typeface="Garamond"/>
+              <a:rPr b="0" lang="en-US" sz="3200" spc="-1" strike="noStrike">
+                <a:latin typeface="Arial"/>
               </a:rPr>
               <a:t>单击鼠标编辑大纲文字格式</a:t>
             </a:r>
-            <a:endParaRPr b="0" lang="en-US" sz="2400" spc="-1" strike="noStrike">
-              <a:solidFill>
-                <a:srgbClr val="262626"/>
-              </a:solidFill>
-              <a:latin typeface="Garamond"/>
+            <a:endParaRPr b="0" lang="en-US" sz="3200" spc="-1" strike="noStrike">
+              <a:latin typeface="Arial"/>
             </a:endParaRPr>
           </a:p>
           <a:p>
@@ -3391,19 +3084,13 @@
               <a:buChar char=""/>
             </a:pPr>
             <a:r>
-              <a:rPr b="0" lang="en-US" sz="1800" spc="-1" strike="noStrike">
-                <a:solidFill>
-                  <a:srgbClr val="262626"/>
-                </a:solidFill>
-                <a:latin typeface="Garamond"/>
+              <a:rPr b="0" lang="en-US" sz="2800" spc="-1" strike="noStrike">
+                <a:latin typeface="Arial"/>
               </a:rPr>
               <a:t>第二个大纲级</a:t>
             </a:r>
-            <a:endParaRPr b="0" lang="en-US" sz="1800" spc="-1" strike="noStrike">
-              <a:solidFill>
-                <a:srgbClr val="262626"/>
-              </a:solidFill>
-              <a:latin typeface="Garamond"/>
+            <a:endParaRPr b="0" lang="en-US" sz="2800" spc="-1" strike="noStrike">
+              <a:latin typeface="Arial"/>
             </a:endParaRPr>
           </a:p>
           <a:p>
@@ -3419,19 +3106,13 @@
               <a:buChar char=""/>
             </a:pPr>
             <a:r>
-              <a:rPr b="0" lang="en-US" sz="1600" spc="-1" strike="noStrike">
-                <a:solidFill>
-                  <a:srgbClr val="262626"/>
-                </a:solidFill>
-                <a:latin typeface="Garamond"/>
+              <a:rPr b="0" lang="en-US" sz="2400" spc="-1" strike="noStrike">
+                <a:latin typeface="Arial"/>
               </a:rPr>
               <a:t>第三大纲级别</a:t>
             </a:r>
-            <a:endParaRPr b="0" lang="en-US" sz="1600" spc="-1" strike="noStrike">
-              <a:solidFill>
-                <a:srgbClr val="262626"/>
-              </a:solidFill>
-              <a:latin typeface="Garamond"/>
+            <a:endParaRPr b="0" lang="en-US" sz="2400" spc="-1" strike="noStrike">
+              <a:latin typeface="Arial"/>
             </a:endParaRPr>
           </a:p>
           <a:p>
@@ -3447,19 +3128,13 @@
               <a:buChar char=""/>
             </a:pPr>
             <a:r>
-              <a:rPr b="0" lang="en-US" sz="1400" spc="-1" strike="noStrike">
-                <a:solidFill>
-                  <a:srgbClr val="262626"/>
-                </a:solidFill>
-                <a:latin typeface="Garamond"/>
+              <a:rPr b="0" lang="en-US" sz="2000" spc="-1" strike="noStrike">
+                <a:latin typeface="Arial"/>
               </a:rPr>
               <a:t>第四大纲级别</a:t>
             </a:r>
-            <a:endParaRPr b="0" lang="en-US" sz="1400" spc="-1" strike="noStrike">
-              <a:solidFill>
-                <a:srgbClr val="262626"/>
-              </a:solidFill>
-              <a:latin typeface="Garamond"/>
+            <a:endParaRPr b="0" lang="en-US" sz="2000" spc="-1" strike="noStrike">
+              <a:latin typeface="Arial"/>
             </a:endParaRPr>
           </a:p>
           <a:p>
@@ -3476,18 +3151,12 @@
             </a:pPr>
             <a:r>
               <a:rPr b="0" lang="en-US" sz="2000" spc="-1" strike="noStrike">
-                <a:solidFill>
-                  <a:srgbClr val="262626"/>
-                </a:solidFill>
-                <a:latin typeface="Garamond"/>
+                <a:latin typeface="Arial"/>
               </a:rPr>
               <a:t>第五大纲级别</a:t>
             </a:r>
             <a:endParaRPr b="0" lang="en-US" sz="2000" spc="-1" strike="noStrike">
-              <a:solidFill>
-                <a:srgbClr val="262626"/>
-              </a:solidFill>
-              <a:latin typeface="Garamond"/>
+              <a:latin typeface="Arial"/>
             </a:endParaRPr>
           </a:p>
           <a:p>
@@ -3504,18 +3173,12 @@
             </a:pPr>
             <a:r>
               <a:rPr b="0" lang="en-US" sz="2000" spc="-1" strike="noStrike">
-                <a:solidFill>
-                  <a:srgbClr val="262626"/>
-                </a:solidFill>
-                <a:latin typeface="Garamond"/>
+                <a:latin typeface="Arial"/>
               </a:rPr>
               <a:t>第六大纲级别</a:t>
             </a:r>
             <a:endParaRPr b="0" lang="en-US" sz="2000" spc="-1" strike="noStrike">
-              <a:solidFill>
-                <a:srgbClr val="262626"/>
-              </a:solidFill>
-              <a:latin typeface="Garamond"/>
+              <a:latin typeface="Arial"/>
             </a:endParaRPr>
           </a:p>
           <a:p>
@@ -3532,18 +3195,12 @@
             </a:pPr>
             <a:r>
               <a:rPr b="0" lang="en-US" sz="2000" spc="-1" strike="noStrike">
-                <a:solidFill>
-                  <a:srgbClr val="262626"/>
-                </a:solidFill>
-                <a:latin typeface="Garamond"/>
+                <a:latin typeface="Arial"/>
               </a:rPr>
               <a:t>第七大纲级别</a:t>
             </a:r>
             <a:endParaRPr b="0" lang="en-US" sz="2000" spc="-1" strike="noStrike">
-              <a:solidFill>
-                <a:srgbClr val="262626"/>
-              </a:solidFill>
-              <a:latin typeface="Garamond"/>
+              <a:latin typeface="Arial"/>
             </a:endParaRPr>
           </a:p>
         </p:txBody>
@@ -3597,21 +3254,21 @@
       </p:grpSpPr>
       <p:grpSp>
         <p:nvGrpSpPr>
-          <p:cNvPr id="52" name="Group 1"/>
+          <p:cNvPr id="49" name="Group 1"/>
           <p:cNvGrpSpPr/>
           <p:nvPr/>
         </p:nvGrpSpPr>
         <p:grpSpPr>
           <a:xfrm>
             <a:off x="-15840" y="0"/>
-            <a:ext cx="12229560" cy="6855840"/>
+            <a:ext cx="12229200" cy="6855480"/>
             <a:chOff x="-15840" y="0"/>
-            <a:chExt cx="12229560" cy="6855840"/>
+            <a:chExt cx="12229200" cy="6855480"/>
           </a:xfrm>
         </p:grpSpPr>
         <p:pic>
           <p:nvPicPr>
-            <p:cNvPr id="53" name="Picture 7" descr=""/>
+            <p:cNvPr id="50" name="Picture 7" descr=""/>
             <p:cNvPicPr/>
             <p:nvPr/>
           </p:nvPicPr>
@@ -3622,7 +3279,7 @@
           <p:spPr>
             <a:xfrm>
               <a:off x="0" y="0"/>
-              <a:ext cx="12188520" cy="6855840"/>
+              <a:ext cx="12188160" cy="6855480"/>
             </a:xfrm>
             <a:prstGeom prst="rect">
               <a:avLst/>
@@ -3634,20 +3291,23 @@
         </p:pic>
         <p:sp>
           <p:nvSpPr>
-            <p:cNvPr id="54" name="CustomShape 2"/>
+            <p:cNvPr id="51" name="CustomShape 2"/>
             <p:cNvSpPr/>
             <p:nvPr/>
           </p:nvSpPr>
           <p:spPr>
             <a:xfrm>
               <a:off x="608040" y="609480"/>
-              <a:ext cx="10972440" cy="5638320"/>
+              <a:ext cx="10972080" cy="5637960"/>
             </a:xfrm>
             <a:prstGeom prst="rect">
               <a:avLst/>
             </a:prstGeom>
             <a:noFill/>
             <a:ln w="15840">
+              <a:solidFill>
+                <a:srgbClr val="4a7ebb"/>
+              </a:solidFill>
               <a:miter/>
             </a:ln>
             <a:effectLst>
@@ -3673,7 +3333,7 @@
         </p:sp>
         <p:pic>
           <p:nvPicPr>
-            <p:cNvPr id="55" name="Picture 9" descr=""/>
+            <p:cNvPr id="52" name="Picture 9" descr=""/>
             <p:cNvPicPr/>
             <p:nvPr/>
           </p:nvPicPr>
@@ -3684,7 +3344,7 @@
           <p:spPr>
             <a:xfrm>
               <a:off x="-15840" y="3153960"/>
-              <a:ext cx="776880" cy="606240"/>
+              <a:ext cx="776520" cy="605880"/>
             </a:xfrm>
             <a:prstGeom prst="rect">
               <a:avLst/>
@@ -3696,7 +3356,7 @@
         </p:pic>
         <p:pic>
           <p:nvPicPr>
-            <p:cNvPr id="56" name="Picture 10" descr=""/>
+            <p:cNvPr id="53" name="Picture 10" descr=""/>
             <p:cNvPicPr/>
             <p:nvPr/>
           </p:nvPicPr>
@@ -3707,7 +3367,7 @@
           <p:spPr>
             <a:xfrm>
               <a:off x="11436840" y="3153960"/>
-              <a:ext cx="776880" cy="606240"/>
+              <a:ext cx="776520" cy="605880"/>
             </a:xfrm>
             <a:prstGeom prst="rect">
               <a:avLst/>
@@ -3720,7 +3380,7 @@
       </p:grpSp>
       <p:sp>
         <p:nvSpPr>
-          <p:cNvPr id="57" name="Line 3"/>
+          <p:cNvPr id="54" name="Line 3"/>
           <p:cNvSpPr/>
           <p:nvPr/>
         </p:nvSpPr>
@@ -3751,7 +3411,7 @@
       </p:sp>
       <p:sp>
         <p:nvSpPr>
-          <p:cNvPr id="58" name="PlaceHolder 4"/>
+          <p:cNvPr id="55" name="PlaceHolder 4"/>
           <p:cNvSpPr>
             <a:spLocks noGrp="1"/>
           </p:cNvSpPr>
@@ -3761,340 +3421,204 @@
         </p:nvSpPr>
         <p:spPr>
           <a:xfrm>
-            <a:off x="1295280" y="982080"/>
-            <a:ext cx="9600840" cy="1303560"/>
-          </a:xfrm>
-          <a:prstGeom prst="rect">
-            <a:avLst/>
-          </a:prstGeom>
-        </p:spPr>
-        <p:txBody>
-          <a:bodyPr anchor="ctr"/>
-          <a:p>
-            <a:pPr algn="ctr">
-              <a:lnSpc>
-                <a:spcPct val="100000"/>
-              </a:lnSpc>
+            <a:off x="609480" y="273600"/>
+            <a:ext cx="10972440" cy="1144800"/>
+          </a:xfrm>
+          <a:prstGeom prst="rect">
+            <a:avLst/>
+          </a:prstGeom>
+        </p:spPr>
+        <p:txBody>
+          <a:bodyPr lIns="0" rIns="0" tIns="0" bIns="0" anchor="ctr"/>
+          <a:p>
+            <a:pPr algn="ctr"/>
+            <a:r>
+              <a:rPr b="0" lang="en-US" sz="4400" spc="-1" strike="noStrike">
+                <a:latin typeface="Arial"/>
+              </a:rPr>
+              <a:t>单击鼠标编辑标题文字格式</a:t>
+            </a:r>
+            <a:endParaRPr b="0" lang="en-US" sz="4400" spc="-1" strike="noStrike">
+              <a:latin typeface="Arial"/>
+            </a:endParaRPr>
+          </a:p>
+        </p:txBody>
+      </p:sp>
+      <p:sp>
+        <p:nvSpPr>
+          <p:cNvPr id="56" name="PlaceHolder 5"/>
+          <p:cNvSpPr>
+            <a:spLocks noGrp="1"/>
+          </p:cNvSpPr>
+          <p:nvPr>
+            <p:ph type="body"/>
+          </p:nvPr>
+        </p:nvSpPr>
+        <p:spPr>
+          <a:xfrm>
+            <a:off x="609480" y="1604520"/>
+            <a:ext cx="10972440" cy="3977280"/>
+          </a:xfrm>
+          <a:prstGeom prst="rect">
+            <a:avLst/>
+          </a:prstGeom>
+        </p:spPr>
+        <p:txBody>
+          <a:bodyPr lIns="0" rIns="0" tIns="0" bIns="0">
+            <a:normAutofit/>
+          </a:bodyPr>
+          <a:p>
+            <a:pPr marL="432000" indent="-324000">
+              <a:spcBef>
+                <a:spcPts val="1417"/>
+              </a:spcBef>
+              <a:buClr>
+                <a:srgbClr val="000000"/>
+              </a:buClr>
+              <a:buSzPct val="45000"/>
+              <a:buFont typeface="Wingdings" charset="2"/>
+              <a:buChar char=""/>
             </a:pPr>
             <a:r>
-              <a:rPr b="0" lang="en-US" sz="4400" spc="-1" strike="noStrike">
-                <a:solidFill>
-                  <a:srgbClr val="262626"/>
-                </a:solidFill>
-                <a:latin typeface="Garamond"/>
-              </a:rPr>
-              <a:t>单击此处编辑母版标题样式</a:t>
-            </a:r>
-            <a:endParaRPr b="0" lang="en-US" sz="4400" spc="-1" strike="noStrike">
-              <a:solidFill>
+              <a:rPr b="0" lang="en-US" sz="3200" spc="-1" strike="noStrike">
+                <a:latin typeface="Arial"/>
+              </a:rPr>
+              <a:t>单击鼠标编辑大纲文字格式</a:t>
+            </a:r>
+            <a:endParaRPr b="0" lang="en-US" sz="3200" spc="-1" strike="noStrike">
+              <a:latin typeface="Arial"/>
+            </a:endParaRPr>
+          </a:p>
+          <a:p>
+            <a:pPr lvl="1" marL="864000" indent="-324000">
+              <a:spcBef>
+                <a:spcPts val="1134"/>
+              </a:spcBef>
+              <a:buClr>
                 <a:srgbClr val="000000"/>
-              </a:solidFill>
-              <a:latin typeface="Garamond"/>
-            </a:endParaRPr>
-          </a:p>
-        </p:txBody>
-      </p:sp>
-      <p:sp>
-        <p:nvSpPr>
-          <p:cNvPr id="59" name="PlaceHolder 5"/>
-          <p:cNvSpPr>
-            <a:spLocks noGrp="1"/>
-          </p:cNvSpPr>
-          <p:nvPr>
-            <p:ph type="body"/>
-          </p:nvPr>
-        </p:nvSpPr>
-        <p:spPr>
-          <a:xfrm>
-            <a:off x="1295280" y="2557080"/>
-            <a:ext cx="9600840" cy="3318480"/>
-          </a:xfrm>
-          <a:prstGeom prst="rect">
-            <a:avLst/>
-          </a:prstGeom>
-        </p:spPr>
-        <p:txBody>
-          <a:bodyPr/>
-          <a:p>
-            <a:pPr marL="285840" indent="-285480">
-              <a:lnSpc>
-                <a:spcPct val="100000"/>
-              </a:lnSpc>
+              </a:buClr>
+              <a:buSzPct val="75000"/>
+              <a:buFont typeface="Symbol" charset="2"/>
+              <a:buChar char=""/>
+            </a:pPr>
+            <a:r>
+              <a:rPr b="0" lang="en-US" sz="2800" spc="-1" strike="noStrike">
+                <a:latin typeface="Arial"/>
+              </a:rPr>
+              <a:t>第二个大纲级</a:t>
+            </a:r>
+            <a:endParaRPr b="0" lang="en-US" sz="2800" spc="-1" strike="noStrike">
+              <a:latin typeface="Arial"/>
+            </a:endParaRPr>
+          </a:p>
+          <a:p>
+            <a:pPr lvl="2" marL="1296000" indent="-288000">
               <a:spcBef>
-                <a:spcPts val="479"/>
+                <a:spcPts val="850"/>
               </a:spcBef>
-              <a:spcAft>
-                <a:spcPts val="601"/>
-              </a:spcAft>
               <a:buClr>
-                <a:srgbClr val="83992a"/>
+                <a:srgbClr val="000000"/>
               </a:buClr>
-              <a:buSzPct val="115000"/>
-              <a:buFont typeface="Arial"/>
-              <a:buChar char="•"/>
+              <a:buSzPct val="45000"/>
+              <a:buFont typeface="Wingdings" charset="2"/>
+              <a:buChar char=""/>
             </a:pPr>
             <a:r>
               <a:rPr b="0" lang="en-US" sz="2400" spc="-1" strike="noStrike">
-                <a:solidFill>
-                  <a:srgbClr val="262626"/>
-                </a:solidFill>
-                <a:latin typeface="Garamond"/>
-              </a:rPr>
-              <a:t>编辑母版文本样式</a:t>
+                <a:latin typeface="Arial"/>
+              </a:rPr>
+              <a:t>第三大纲级别</a:t>
             </a:r>
             <a:endParaRPr b="0" lang="en-US" sz="2400" spc="-1" strike="noStrike">
-              <a:solidFill>
-                <a:srgbClr val="262626"/>
-              </a:solidFill>
-              <a:latin typeface="Garamond"/>
-            </a:endParaRPr>
-          </a:p>
-          <a:p>
-            <a:pPr lvl="1" marL="743040" indent="-285480">
-              <a:lnSpc>
-                <a:spcPct val="100000"/>
-              </a:lnSpc>
+              <a:latin typeface="Arial"/>
+            </a:endParaRPr>
+          </a:p>
+          <a:p>
+            <a:pPr lvl="3" marL="1728000" indent="-216000">
               <a:spcBef>
-                <a:spcPts val="400"/>
+                <a:spcPts val="567"/>
               </a:spcBef>
-              <a:spcAft>
-                <a:spcPts val="601"/>
-              </a:spcAft>
               <a:buClr>
-                <a:srgbClr val="83992a"/>
+                <a:srgbClr val="000000"/>
               </a:buClr>
-              <a:buSzPct val="115000"/>
-              <a:buFont typeface="Arial"/>
-              <a:buChar char="•"/>
+              <a:buSzPct val="75000"/>
+              <a:buFont typeface="Symbol" charset="2"/>
+              <a:buChar char=""/>
             </a:pPr>
             <a:r>
               <a:rPr b="0" lang="en-US" sz="2000" spc="-1" strike="noStrike">
-                <a:solidFill>
-                  <a:srgbClr val="262626"/>
-                </a:solidFill>
-                <a:latin typeface="Garamond"/>
-              </a:rPr>
-              <a:t>第二级</a:t>
+                <a:latin typeface="Arial"/>
+              </a:rPr>
+              <a:t>第四大纲级别</a:t>
             </a:r>
             <a:endParaRPr b="0" lang="en-US" sz="2000" spc="-1" strike="noStrike">
-              <a:solidFill>
-                <a:srgbClr val="262626"/>
-              </a:solidFill>
-              <a:latin typeface="Garamond"/>
-            </a:endParaRPr>
-          </a:p>
-          <a:p>
-            <a:pPr lvl="2" marL="1200240" indent="-285480">
-              <a:lnSpc>
-                <a:spcPct val="100000"/>
-              </a:lnSpc>
+              <a:latin typeface="Arial"/>
+            </a:endParaRPr>
+          </a:p>
+          <a:p>
+            <a:pPr lvl="4" marL="2160000" indent="-216000">
               <a:spcBef>
-                <a:spcPts val="360"/>
+                <a:spcPts val="283"/>
               </a:spcBef>
-              <a:spcAft>
-                <a:spcPts val="601"/>
-              </a:spcAft>
               <a:buClr>
-                <a:srgbClr val="83992a"/>
+                <a:srgbClr val="000000"/>
               </a:buClr>
-              <a:buSzPct val="115000"/>
-              <a:buFont typeface="Arial"/>
-              <a:buChar char="•"/>
+              <a:buSzPct val="45000"/>
+              <a:buFont typeface="Wingdings" charset="2"/>
+              <a:buChar char=""/>
             </a:pPr>
             <a:r>
-              <a:rPr b="0" lang="en-US" sz="1800" spc="-1" strike="noStrike">
-                <a:solidFill>
-                  <a:srgbClr val="262626"/>
-                </a:solidFill>
-                <a:latin typeface="Garamond"/>
-              </a:rPr>
-              <a:t>第三级</a:t>
-            </a:r>
-            <a:endParaRPr b="0" lang="en-US" sz="1800" spc="-1" strike="noStrike">
-              <a:solidFill>
-                <a:srgbClr val="262626"/>
-              </a:solidFill>
-              <a:latin typeface="Garamond"/>
-            </a:endParaRPr>
-          </a:p>
-          <a:p>
-            <a:pPr lvl="3" marL="1542960" indent="-171000">
-              <a:lnSpc>
-                <a:spcPct val="100000"/>
-              </a:lnSpc>
+              <a:rPr b="0" lang="en-US" sz="2000" spc="-1" strike="noStrike">
+                <a:latin typeface="Arial"/>
+              </a:rPr>
+              <a:t>第五大纲级别</a:t>
+            </a:r>
+            <a:endParaRPr b="0" lang="en-US" sz="2000" spc="-1" strike="noStrike">
+              <a:latin typeface="Arial"/>
+            </a:endParaRPr>
+          </a:p>
+          <a:p>
+            <a:pPr lvl="5" marL="2592000" indent="-216000">
               <a:spcBef>
-                <a:spcPts val="320"/>
+                <a:spcPts val="283"/>
               </a:spcBef>
-              <a:spcAft>
-                <a:spcPts val="601"/>
-              </a:spcAft>
               <a:buClr>
-                <a:srgbClr val="83992a"/>
+                <a:srgbClr val="000000"/>
               </a:buClr>
-              <a:buSzPct val="115000"/>
-              <a:buFont typeface="Arial"/>
-              <a:buChar char="•"/>
+              <a:buSzPct val="45000"/>
+              <a:buFont typeface="Wingdings" charset="2"/>
+              <a:buChar char=""/>
             </a:pPr>
             <a:r>
-              <a:rPr b="0" lang="en-US" sz="1600" spc="-1" strike="noStrike">
-                <a:solidFill>
-                  <a:srgbClr val="262626"/>
-                </a:solidFill>
-                <a:latin typeface="Garamond"/>
-              </a:rPr>
-              <a:t>第四级</a:t>
-            </a:r>
-            <a:endParaRPr b="0" lang="en-US" sz="1600" spc="-1" strike="noStrike">
-              <a:solidFill>
-                <a:srgbClr val="262626"/>
-              </a:solidFill>
-              <a:latin typeface="Garamond"/>
-            </a:endParaRPr>
-          </a:p>
-          <a:p>
-            <a:pPr lvl="4" marL="2000160" indent="-171000">
-              <a:lnSpc>
-                <a:spcPct val="100000"/>
-              </a:lnSpc>
+              <a:rPr b="0" lang="en-US" sz="2000" spc="-1" strike="noStrike">
+                <a:latin typeface="Arial"/>
+              </a:rPr>
+              <a:t>第六大纲级别</a:t>
+            </a:r>
+            <a:endParaRPr b="0" lang="en-US" sz="2000" spc="-1" strike="noStrike">
+              <a:latin typeface="Arial"/>
+            </a:endParaRPr>
+          </a:p>
+          <a:p>
+            <a:pPr lvl="6" marL="3024000" indent="-216000">
               <a:spcBef>
-                <a:spcPts val="281"/>
+                <a:spcPts val="283"/>
               </a:spcBef>
-              <a:spcAft>
-                <a:spcPts val="601"/>
-              </a:spcAft>
               <a:buClr>
-                <a:srgbClr val="83992a"/>
+                <a:srgbClr val="000000"/>
               </a:buClr>
-              <a:buSzPct val="115000"/>
-              <a:buFont typeface="Arial"/>
-              <a:buChar char="•"/>
+              <a:buSzPct val="45000"/>
+              <a:buFont typeface="Wingdings" charset="2"/>
+              <a:buChar char=""/>
             </a:pPr>
             <a:r>
-              <a:rPr b="0" lang="en-US" sz="1400" spc="-1" strike="noStrike">
-                <a:solidFill>
-                  <a:srgbClr val="262626"/>
-                </a:solidFill>
-                <a:latin typeface="Garamond"/>
-              </a:rPr>
-              <a:t>第五级</a:t>
-            </a:r>
-            <a:endParaRPr b="0" lang="en-US" sz="1400" spc="-1" strike="noStrike">
-              <a:solidFill>
-                <a:srgbClr val="262626"/>
-              </a:solidFill>
-              <a:latin typeface="Garamond"/>
-            </a:endParaRPr>
-          </a:p>
-        </p:txBody>
-      </p:sp>
-      <p:sp>
-        <p:nvSpPr>
-          <p:cNvPr id="60" name="PlaceHolder 6"/>
-          <p:cNvSpPr>
-            <a:spLocks noGrp="1"/>
-          </p:cNvSpPr>
-          <p:nvPr>
-            <p:ph type="dt"/>
-          </p:nvPr>
-        </p:nvSpPr>
-        <p:spPr>
-          <a:xfrm>
-            <a:off x="8677440" y="5969160"/>
-            <a:ext cx="1599840" cy="279000"/>
-          </a:xfrm>
-          <a:prstGeom prst="rect">
-            <a:avLst/>
-          </a:prstGeom>
-        </p:spPr>
-        <p:txBody>
-          <a:bodyPr anchor="ctr"/>
-          <a:p>
-            <a:pPr algn="r">
-              <a:lnSpc>
-                <a:spcPct val="100000"/>
-              </a:lnSpc>
-            </a:pPr>
-            <a:fld id="{280189A6-26F3-4ADA-B96B-C451452990A4}" type="datetime">
-              <a:rPr b="0" lang="en-US" sz="1000" spc="-1" strike="noStrike">
-                <a:solidFill>
-                  <a:srgbClr val="000000"/>
-                </a:solidFill>
-                <a:latin typeface="Garamond"/>
-              </a:rPr>
-              <a:t>9/18/18</a:t>
-            </a:fld>
-            <a:endParaRPr b="0" lang="en-US" sz="1000" spc="-1" strike="noStrike">
-              <a:latin typeface="Times New Roman"/>
-            </a:endParaRPr>
-          </a:p>
-        </p:txBody>
-      </p:sp>
-      <p:sp>
-        <p:nvSpPr>
-          <p:cNvPr id="61" name="PlaceHolder 7"/>
-          <p:cNvSpPr>
-            <a:spLocks noGrp="1"/>
-          </p:cNvSpPr>
-          <p:nvPr>
-            <p:ph type="ftr"/>
-          </p:nvPr>
-        </p:nvSpPr>
-        <p:spPr>
-          <a:xfrm>
-            <a:off x="1295280" y="5969160"/>
-            <a:ext cx="7305480" cy="279000"/>
-          </a:xfrm>
-          <a:prstGeom prst="rect">
-            <a:avLst/>
-          </a:prstGeom>
-        </p:spPr>
-        <p:txBody>
-          <a:bodyPr anchor="ctr"/>
-          <a:p>
-            <a:endParaRPr b="0" lang="en-US" sz="2400" spc="-1" strike="noStrike">
-              <a:latin typeface="Times New Roman"/>
-            </a:endParaRPr>
-          </a:p>
-        </p:txBody>
-      </p:sp>
-      <p:sp>
-        <p:nvSpPr>
-          <p:cNvPr id="62" name="PlaceHolder 8"/>
-          <p:cNvSpPr>
-            <a:spLocks noGrp="1"/>
-          </p:cNvSpPr>
-          <p:nvPr>
-            <p:ph type="sldNum"/>
-          </p:nvPr>
-        </p:nvSpPr>
-        <p:spPr>
-          <a:xfrm>
-            <a:off x="10353960" y="5969160"/>
-            <a:ext cx="542160" cy="279000"/>
-          </a:xfrm>
-          <a:prstGeom prst="rect">
-            <a:avLst/>
-          </a:prstGeom>
-        </p:spPr>
-        <p:txBody>
-          <a:bodyPr anchor="ctr"/>
-          <a:p>
-            <a:pPr algn="r">
-              <a:lnSpc>
-                <a:spcPct val="100000"/>
-              </a:lnSpc>
-            </a:pPr>
-            <a:fld id="{533D4F0A-ADB6-4EF9-B87C-3D80C35A0A33}" type="slidenum">
-              <a:rPr b="0" lang="en-US" sz="1000" spc="-1" strike="noStrike">
-                <a:solidFill>
-                  <a:srgbClr val="000000"/>
-                </a:solidFill>
-                <a:latin typeface="Garamond"/>
-              </a:rPr>
-              <a:t>1</a:t>
-            </a:fld>
-            <a:endParaRPr b="0" lang="en-US" sz="1000" spc="-1" strike="noStrike">
-              <a:latin typeface="Times New Roman"/>
+              <a:rPr b="0" lang="en-US" sz="2000" spc="-1" strike="noStrike">
+                <a:latin typeface="Arial"/>
+              </a:rPr>
+              <a:t>第七大纲级别</a:t>
+            </a:r>
+            <a:endParaRPr b="0" lang="en-US" sz="2000" spc="-1" strike="noStrike">
+              <a:latin typeface="Arial"/>
             </a:endParaRPr>
           </a:p>
         </p:txBody>
@@ -4138,14 +3662,14 @@
       </p:grpSpPr>
       <p:sp>
         <p:nvSpPr>
-          <p:cNvPr id="99" name="TextShape 1"/>
-          <p:cNvSpPr txBox="1"/>
+          <p:cNvPr id="93" name="CustomShape 1"/>
+          <p:cNvSpPr/>
           <p:nvPr/>
         </p:nvSpPr>
         <p:spPr>
           <a:xfrm>
             <a:off x="2692440" y="1871280"/>
-            <a:ext cx="6815160" cy="1515240"/>
+            <a:ext cx="6814800" cy="1514880"/>
           </a:xfrm>
           <a:prstGeom prst="rect">
             <a:avLst/>
@@ -4155,8 +3679,14 @@
             <a:noFill/>
           </a:ln>
         </p:spPr>
-        <p:txBody>
-          <a:bodyPr anchor="b"/>
+        <p:style>
+          <a:lnRef idx="0"/>
+          <a:fillRef idx="0"/>
+          <a:effectRef idx="0"/>
+          <a:fontRef idx="minor"/>
+        </p:style>
+        <p:txBody>
+          <a:bodyPr lIns="90000" rIns="90000" tIns="45000" bIns="45000" anchor="b"/>
           <a:p>
             <a:pPr algn="ctr">
               <a:lnSpc>
@@ -4173,24 +3703,21 @@
               <a:t>句子分类</a:t>
             </a:r>
             <a:endParaRPr b="0" lang="en-US" sz="5400" spc="-1" strike="noStrike">
-              <a:solidFill>
-                <a:srgbClr val="000000"/>
-              </a:solidFill>
-              <a:latin typeface="Garamond"/>
-            </a:endParaRPr>
-          </a:p>
-        </p:txBody>
-      </p:sp>
-      <p:sp>
-        <p:nvSpPr>
-          <p:cNvPr id="100" name="TextShape 2"/>
-          <p:cNvSpPr txBox="1"/>
+              <a:latin typeface="Arial"/>
+            </a:endParaRPr>
+          </a:p>
+        </p:txBody>
+      </p:sp>
+      <p:sp>
+        <p:nvSpPr>
+          <p:cNvPr id="94" name="CustomShape 2"/>
+          <p:cNvSpPr/>
           <p:nvPr/>
         </p:nvSpPr>
         <p:spPr>
           <a:xfrm>
             <a:off x="2692440" y="3657600"/>
-            <a:ext cx="6815160" cy="1320480"/>
+            <a:ext cx="6814800" cy="1320120"/>
           </a:xfrm>
           <a:prstGeom prst="rect">
             <a:avLst/>
@@ -4200,8 +3727,14 @@
             <a:noFill/>
           </a:ln>
         </p:spPr>
-        <p:txBody>
-          <a:bodyPr/>
+        <p:style>
+          <a:lnRef idx="0"/>
+          <a:fillRef idx="0"/>
+          <a:effectRef idx="0"/>
+          <a:fontRef idx="minor"/>
+        </p:style>
+        <p:txBody>
+          <a:bodyPr lIns="90000" rIns="90000" tIns="45000" bIns="45000"/>
           <a:p>
             <a:pPr algn="ctr">
               <a:lnSpc>
@@ -4280,14 +3813,14 @@
       </p:grpSpPr>
       <p:sp>
         <p:nvSpPr>
-          <p:cNvPr id="101" name="TextShape 1"/>
-          <p:cNvSpPr txBox="1"/>
+          <p:cNvPr id="95" name="CustomShape 1"/>
+          <p:cNvSpPr/>
           <p:nvPr/>
         </p:nvSpPr>
         <p:spPr>
           <a:xfrm>
             <a:off x="1295280" y="982080"/>
-            <a:ext cx="9600840" cy="1303560"/>
+            <a:ext cx="9600480" cy="1303200"/>
           </a:xfrm>
           <a:prstGeom prst="rect">
             <a:avLst/>
@@ -4297,8 +3830,14 @@
             <a:noFill/>
           </a:ln>
         </p:spPr>
-        <p:txBody>
-          <a:bodyPr anchor="ctr"/>
+        <p:style>
+          <a:lnRef idx="0"/>
+          <a:fillRef idx="0"/>
+          <a:effectRef idx="0"/>
+          <a:fontRef idx="minor"/>
+        </p:style>
+        <p:txBody>
+          <a:bodyPr lIns="90000" rIns="90000" tIns="45000" bIns="45000" anchor="ctr"/>
           <a:p>
             <a:pPr algn="ctr">
               <a:lnSpc>
@@ -4315,24 +3854,21 @@
               <a:t>类别与数据源</a:t>
             </a:r>
             <a:endParaRPr b="0" lang="en-US" sz="4400" spc="-1" strike="noStrike">
-              <a:solidFill>
-                <a:srgbClr val="000000"/>
-              </a:solidFill>
-              <a:latin typeface="Garamond"/>
-            </a:endParaRPr>
-          </a:p>
-        </p:txBody>
-      </p:sp>
-      <p:sp>
-        <p:nvSpPr>
-          <p:cNvPr id="102" name="TextShape 2"/>
-          <p:cNvSpPr txBox="1"/>
+              <a:latin typeface="Arial"/>
+            </a:endParaRPr>
+          </a:p>
+        </p:txBody>
+      </p:sp>
+      <p:sp>
+        <p:nvSpPr>
+          <p:cNvPr id="96" name="CustomShape 2"/>
+          <p:cNvSpPr/>
           <p:nvPr/>
         </p:nvSpPr>
         <p:spPr>
           <a:xfrm>
             <a:off x="1295280" y="2557080"/>
-            <a:ext cx="9600840" cy="3318480"/>
+            <a:ext cx="9600480" cy="3318120"/>
           </a:xfrm>
           <a:prstGeom prst="rect">
             <a:avLst/>
@@ -4342,10 +3878,16 @@
             <a:noFill/>
           </a:ln>
         </p:spPr>
-        <p:txBody>
-          <a:bodyPr/>
-          <a:p>
-            <a:pPr marL="285840" indent="-285480">
+        <p:style>
+          <a:lnRef idx="0"/>
+          <a:fillRef idx="0"/>
+          <a:effectRef idx="0"/>
+          <a:fontRef idx="minor"/>
+        </p:style>
+        <p:txBody>
+          <a:bodyPr lIns="90000" rIns="90000" tIns="45000" bIns="45000"/>
+          <a:p>
+            <a:pPr marL="285840" indent="-285120">
               <a:lnSpc>
                 <a:spcPct val="100000"/>
               </a:lnSpc>
@@ -4372,14 +3914,11 @@
               <a:t>Method Call Directive, Subclassing Directive, Miscellaneous Directive, Others</a:t>
             </a:r>
             <a:endParaRPr b="0" lang="en-US" sz="2400" spc="-1" strike="noStrike">
-              <a:solidFill>
-                <a:srgbClr val="262626"/>
-              </a:solidFill>
-              <a:latin typeface="Garamond"/>
-            </a:endParaRPr>
-          </a:p>
-          <a:p>
-            <a:pPr marL="285840" indent="-285480">
+              <a:latin typeface="Arial"/>
+            </a:endParaRPr>
+          </a:p>
+          <a:p>
+            <a:pPr marL="285840" indent="-285120">
               <a:lnSpc>
                 <a:spcPct val="100000"/>
               </a:lnSpc>
@@ -4451,10 +3990,7 @@
               <a:t>具体分类</a:t>
             </a:r>
             <a:endParaRPr b="0" lang="en-US" sz="2400" spc="-1" strike="noStrike">
-              <a:solidFill>
-                <a:srgbClr val="262626"/>
-              </a:solidFill>
-              <a:latin typeface="Garamond"/>
+              <a:latin typeface="Arial"/>
             </a:endParaRPr>
           </a:p>
         </p:txBody>
@@ -4510,14 +4046,14 @@
       </p:grpSpPr>
       <p:sp>
         <p:nvSpPr>
-          <p:cNvPr id="103" name="TextShape 1"/>
-          <p:cNvSpPr txBox="1"/>
+          <p:cNvPr id="97" name="CustomShape 1"/>
+          <p:cNvSpPr/>
           <p:nvPr/>
         </p:nvSpPr>
         <p:spPr>
           <a:xfrm>
             <a:off x="1295280" y="982080"/>
-            <a:ext cx="9600840" cy="1303560"/>
+            <a:ext cx="9600480" cy="1303200"/>
           </a:xfrm>
           <a:prstGeom prst="rect">
             <a:avLst/>
@@ -4527,8 +4063,14 @@
             <a:noFill/>
           </a:ln>
         </p:spPr>
-        <p:txBody>
-          <a:bodyPr anchor="ctr"/>
+        <p:style>
+          <a:lnRef idx="0"/>
+          <a:fillRef idx="0"/>
+          <a:effectRef idx="0"/>
+          <a:fontRef idx="minor"/>
+        </p:style>
+        <p:txBody>
+          <a:bodyPr lIns="90000" rIns="90000" tIns="45000" bIns="45000" anchor="ctr"/>
           <a:p>
             <a:pPr algn="ctr">
               <a:lnSpc>
@@ -4545,24 +4087,21 @@
               <a:t>整体框架</a:t>
             </a:r>
             <a:endParaRPr b="0" lang="en-US" sz="4400" spc="-1" strike="noStrike">
-              <a:solidFill>
-                <a:srgbClr val="000000"/>
-              </a:solidFill>
-              <a:latin typeface="Garamond"/>
-            </a:endParaRPr>
-          </a:p>
-        </p:txBody>
-      </p:sp>
-      <p:sp>
-        <p:nvSpPr>
-          <p:cNvPr id="104" name="TextShape 2"/>
-          <p:cNvSpPr txBox="1"/>
+              <a:latin typeface="Arial"/>
+            </a:endParaRPr>
+          </a:p>
+        </p:txBody>
+      </p:sp>
+      <p:sp>
+        <p:nvSpPr>
+          <p:cNvPr id="98" name="CustomShape 2"/>
+          <p:cNvSpPr/>
           <p:nvPr/>
         </p:nvSpPr>
         <p:spPr>
           <a:xfrm>
             <a:off x="1295280" y="2557080"/>
-            <a:ext cx="9600840" cy="3318480"/>
+            <a:ext cx="9600480" cy="3318120"/>
           </a:xfrm>
           <a:prstGeom prst="rect">
             <a:avLst/>
@@ -4572,10 +4111,16 @@
             <a:noFill/>
           </a:ln>
         </p:spPr>
-        <p:txBody>
-          <a:bodyPr/>
-          <a:p>
-            <a:pPr marL="285840" indent="-285480">
+        <p:style>
+          <a:lnRef idx="0"/>
+          <a:fillRef idx="0"/>
+          <a:effectRef idx="0"/>
+          <a:fontRef idx="minor"/>
+        </p:style>
+        <p:txBody>
+          <a:bodyPr lIns="90000" rIns="90000" tIns="45000" bIns="45000"/>
+          <a:p>
+            <a:pPr marL="285840" indent="-285120">
               <a:lnSpc>
                 <a:spcPct val="100000"/>
               </a:lnSpc>
@@ -4656,24 +4201,21 @@
               <a:t>中存在）</a:t>
             </a:r>
             <a:endParaRPr b="0" lang="en-US" sz="2400" spc="-1" strike="noStrike">
-              <a:solidFill>
-                <a:srgbClr val="262626"/>
-              </a:solidFill>
-              <a:latin typeface="Garamond"/>
-            </a:endParaRPr>
-          </a:p>
-        </p:txBody>
-      </p:sp>
-      <p:sp>
-        <p:nvSpPr>
-          <p:cNvPr id="105" name="CustomShape 3"/>
+              <a:latin typeface="Arial"/>
+            </a:endParaRPr>
+          </a:p>
+        </p:txBody>
+      </p:sp>
+      <p:sp>
+        <p:nvSpPr>
+          <p:cNvPr id="99" name="CustomShape 3"/>
           <p:cNvSpPr/>
           <p:nvPr/>
         </p:nvSpPr>
         <p:spPr>
           <a:xfrm>
             <a:off x="6303600" y="3813840"/>
-            <a:ext cx="1927080" cy="871920"/>
+            <a:ext cx="1926720" cy="871560"/>
           </a:xfrm>
           <a:prstGeom prst="roundRect">
             <a:avLst>
@@ -4712,6 +4254,7 @@
                   <a:srgbClr val="ffffff"/>
                 </a:solidFill>
                 <a:latin typeface="Garamond"/>
+                <a:ea typeface="DejaVu Sans"/>
               </a:rPr>
               <a:t>规则匹配（精确分类）</a:t>
             </a:r>
@@ -4723,14 +4266,14 @@
       </p:sp>
       <p:sp>
         <p:nvSpPr>
-          <p:cNvPr id="106" name="CustomShape 4"/>
+          <p:cNvPr id="100" name="CustomShape 4"/>
           <p:cNvSpPr/>
           <p:nvPr/>
         </p:nvSpPr>
         <p:spPr>
           <a:xfrm>
             <a:off x="3594960" y="3841920"/>
-            <a:ext cx="1927080" cy="815400"/>
+            <a:ext cx="1926720" cy="815040"/>
           </a:xfrm>
           <a:prstGeom prst="roundRect">
             <a:avLst>
@@ -4769,6 +4312,7 @@
                   <a:srgbClr val="ffffff"/>
                 </a:solidFill>
                 <a:latin typeface="Garamond"/>
+                <a:ea typeface="DejaVu Sans"/>
               </a:rPr>
               <a:t>Fasttext</a:t>
             </a:r>
@@ -4788,6 +4332,7 @@
                   <a:srgbClr val="ffffff"/>
                 </a:solidFill>
                 <a:latin typeface="Garamond"/>
+                <a:ea typeface="DejaVu Sans"/>
               </a:rPr>
               <a:t>（大分类）</a:t>
             </a:r>
@@ -4799,14 +4344,14 @@
       </p:sp>
       <p:sp>
         <p:nvSpPr>
-          <p:cNvPr id="107" name="CustomShape 5"/>
+          <p:cNvPr id="101" name="CustomShape 5"/>
           <p:cNvSpPr/>
           <p:nvPr/>
         </p:nvSpPr>
         <p:spPr>
           <a:xfrm>
             <a:off x="1899720" y="3736440"/>
-            <a:ext cx="970200" cy="1026720"/>
+            <a:ext cx="969840" cy="1026360"/>
           </a:xfrm>
           <a:prstGeom prst="ellipse">
             <a:avLst/>
@@ -4843,6 +4388,7 @@
                   <a:srgbClr val="ffffff"/>
                 </a:solidFill>
                 <a:latin typeface="Garamond"/>
+                <a:ea typeface="DejaVu Sans"/>
               </a:rPr>
               <a:t>语料</a:t>
             </a:r>
@@ -4854,14 +4400,14 @@
       </p:sp>
       <p:sp>
         <p:nvSpPr>
-          <p:cNvPr id="108" name="CustomShape 6"/>
+          <p:cNvPr id="102" name="CustomShape 6"/>
           <p:cNvSpPr/>
           <p:nvPr/>
         </p:nvSpPr>
         <p:spPr>
           <a:xfrm>
             <a:off x="2870640" y="4250160"/>
-            <a:ext cx="723960" cy="360"/>
+            <a:ext cx="723600" cy="360"/>
           </a:xfrm>
           <a:prstGeom prst="bentConnector3">
             <a:avLst>
@@ -4870,6 +4416,9 @@
           </a:prstGeom>
           <a:noFill/>
           <a:ln>
+            <a:solidFill>
+              <a:srgbClr val="4a7ebb"/>
+            </a:solidFill>
             <a:round/>
             <a:tailEnd len="med" type="triangle" w="med"/>
           </a:ln>
@@ -4889,14 +4438,14 @@
       </p:sp>
       <p:sp>
         <p:nvSpPr>
-          <p:cNvPr id="109" name="CustomShape 7"/>
+          <p:cNvPr id="103" name="CustomShape 7"/>
           <p:cNvSpPr/>
           <p:nvPr/>
         </p:nvSpPr>
         <p:spPr>
           <a:xfrm>
             <a:off x="9272520" y="3764520"/>
-            <a:ext cx="928080" cy="970200"/>
+            <a:ext cx="927720" cy="969840"/>
           </a:xfrm>
           <a:prstGeom prst="ellipse">
             <a:avLst/>
@@ -4933,6 +4482,7 @@
                   <a:srgbClr val="ffffff"/>
                 </a:solidFill>
                 <a:latin typeface="Garamond"/>
+                <a:ea typeface="DejaVu Sans"/>
               </a:rPr>
               <a:t>句子类别</a:t>
             </a:r>
@@ -4944,14 +4494,14 @@
       </p:sp>
       <p:sp>
         <p:nvSpPr>
-          <p:cNvPr id="110" name="CustomShape 8"/>
+          <p:cNvPr id="104" name="CustomShape 8"/>
           <p:cNvSpPr/>
           <p:nvPr/>
         </p:nvSpPr>
         <p:spPr>
           <a:xfrm flipV="1">
-            <a:off x="5522400" y="4249080"/>
-            <a:ext cx="781200" cy="360"/>
+            <a:off x="5522400" y="4248000"/>
+            <a:ext cx="780840" cy="360"/>
           </a:xfrm>
           <a:custGeom>
             <a:avLst/>
@@ -4971,6 +4521,9 @@
           </a:custGeom>
           <a:noFill/>
           <a:ln>
+            <a:solidFill>
+              <a:srgbClr val="4a7ebb"/>
+            </a:solidFill>
             <a:round/>
             <a:tailEnd len="med" type="triangle" w="med"/>
           </a:ln>
@@ -4990,14 +4543,14 @@
       </p:sp>
       <p:sp>
         <p:nvSpPr>
-          <p:cNvPr id="111" name="CustomShape 9"/>
+          <p:cNvPr id="105" name="CustomShape 9"/>
           <p:cNvSpPr/>
           <p:nvPr/>
         </p:nvSpPr>
         <p:spPr>
           <a:xfrm flipV="1">
-            <a:off x="8231040" y="4249080"/>
-            <a:ext cx="1041120" cy="360"/>
+            <a:off x="8231040" y="4248000"/>
+            <a:ext cx="1040760" cy="360"/>
           </a:xfrm>
           <a:custGeom>
             <a:avLst/>
@@ -5017,6 +4570,9 @@
           </a:custGeom>
           <a:noFill/>
           <a:ln>
+            <a:solidFill>
+              <a:srgbClr val="4a7ebb"/>
+            </a:solidFill>
             <a:round/>
             <a:tailEnd len="med" type="triangle" w="med"/>
           </a:ln>
@@ -5085,14 +4641,14 @@
       </p:grpSpPr>
       <p:sp>
         <p:nvSpPr>
-          <p:cNvPr id="112" name="TextShape 1"/>
-          <p:cNvSpPr txBox="1"/>
+          <p:cNvPr id="106" name="CustomShape 1"/>
+          <p:cNvSpPr/>
           <p:nvPr/>
         </p:nvSpPr>
         <p:spPr>
           <a:xfrm>
             <a:off x="1295280" y="982080"/>
-            <a:ext cx="9600840" cy="1303560"/>
+            <a:ext cx="9600480" cy="1303200"/>
           </a:xfrm>
           <a:prstGeom prst="rect">
             <a:avLst/>
@@ -5102,8 +4658,14 @@
             <a:noFill/>
           </a:ln>
         </p:spPr>
-        <p:txBody>
-          <a:bodyPr anchor="ctr"/>
+        <p:style>
+          <a:lnRef idx="0"/>
+          <a:fillRef idx="0"/>
+          <a:effectRef idx="0"/>
+          <a:fontRef idx="minor"/>
+        </p:style>
+        <p:txBody>
+          <a:bodyPr lIns="90000" rIns="90000" tIns="45000" bIns="45000" anchor="ctr"/>
           <a:p>
             <a:pPr algn="ctr">
               <a:lnSpc>
@@ -5120,24 +4682,21 @@
               <a:t>优化建议</a:t>
             </a:r>
             <a:endParaRPr b="0" lang="en-US" sz="4400" spc="-1" strike="noStrike">
-              <a:solidFill>
-                <a:srgbClr val="000000"/>
-              </a:solidFill>
-              <a:latin typeface="Garamond"/>
-            </a:endParaRPr>
-          </a:p>
-        </p:txBody>
-      </p:sp>
-      <p:sp>
-        <p:nvSpPr>
-          <p:cNvPr id="113" name="TextShape 2"/>
-          <p:cNvSpPr txBox="1"/>
+              <a:latin typeface="Arial"/>
+            </a:endParaRPr>
+          </a:p>
+        </p:txBody>
+      </p:sp>
+      <p:sp>
+        <p:nvSpPr>
+          <p:cNvPr id="107" name="CustomShape 2"/>
+          <p:cNvSpPr/>
           <p:nvPr/>
         </p:nvSpPr>
         <p:spPr>
           <a:xfrm>
             <a:off x="1295280" y="2557080"/>
-            <a:ext cx="9600840" cy="3318480"/>
+            <a:ext cx="9600480" cy="3318120"/>
           </a:xfrm>
           <a:prstGeom prst="rect">
             <a:avLst/>
@@ -5147,10 +4706,16 @@
             <a:noFill/>
           </a:ln>
         </p:spPr>
-        <p:txBody>
-          <a:bodyPr/>
-          <a:p>
-            <a:pPr marL="285840" indent="-285480">
+        <p:style>
+          <a:lnRef idx="0"/>
+          <a:fillRef idx="0"/>
+          <a:effectRef idx="0"/>
+          <a:fontRef idx="minor"/>
+        </p:style>
+        <p:txBody>
+          <a:bodyPr lIns="90000" rIns="90000" tIns="45000" bIns="45000"/>
+          <a:p>
+            <a:pPr marL="285840" indent="-285120">
               <a:lnSpc>
                 <a:spcPct val="100000"/>
               </a:lnSpc>
@@ -5195,10 +4760,7 @@
               <a:t>模型，半监督学习方式。先用准确数据训练一个模型，然后取没有标注的数据迭代式的分类并作为新的训练集。将得分高于某个阈值才作为训练集</a:t>
             </a:r>
             <a:endParaRPr b="0" lang="en-US" sz="2400" spc="-1" strike="noStrike">
-              <a:solidFill>
-                <a:srgbClr val="262626"/>
-              </a:solidFill>
-              <a:latin typeface="Garamond"/>
+              <a:latin typeface="Arial"/>
             </a:endParaRPr>
           </a:p>
           <a:p>
@@ -5214,10 +4776,7 @@
               </a:spcAft>
             </a:pPr>
             <a:endParaRPr b="0" lang="en-US" sz="2400" spc="-1" strike="noStrike">
-              <a:solidFill>
-                <a:srgbClr val="262626"/>
-              </a:solidFill>
-              <a:latin typeface="Garamond"/>
+              <a:latin typeface="Arial"/>
             </a:endParaRPr>
           </a:p>
         </p:txBody>
@@ -5273,14 +4832,14 @@
       </p:grpSpPr>
       <p:sp>
         <p:nvSpPr>
-          <p:cNvPr id="114" name="TextShape 1"/>
-          <p:cNvSpPr txBox="1"/>
+          <p:cNvPr id="108" name="CustomShape 1"/>
+          <p:cNvSpPr/>
           <p:nvPr/>
         </p:nvSpPr>
         <p:spPr>
           <a:xfrm>
             <a:off x="1295280" y="982080"/>
-            <a:ext cx="9600840" cy="1303560"/>
+            <a:ext cx="9600480" cy="1303200"/>
           </a:xfrm>
           <a:prstGeom prst="rect">
             <a:avLst/>
@@ -5290,8 +4849,14 @@
             <a:noFill/>
           </a:ln>
         </p:spPr>
-        <p:txBody>
-          <a:bodyPr anchor="ctr"/>
+        <p:style>
+          <a:lnRef idx="0"/>
+          <a:fillRef idx="0"/>
+          <a:effectRef idx="0"/>
+          <a:fontRef idx="minor"/>
+        </p:style>
+        <p:txBody>
+          <a:bodyPr lIns="90000" rIns="90000" tIns="45000" bIns="45000" anchor="ctr"/>
           <a:p>
             <a:pPr algn="ctr">
               <a:lnSpc>
@@ -5308,24 +4873,21 @@
               <a:t>实验</a:t>
             </a:r>
             <a:endParaRPr b="0" lang="en-US" sz="4400" spc="-1" strike="noStrike">
-              <a:solidFill>
-                <a:srgbClr val="000000"/>
-              </a:solidFill>
-              <a:latin typeface="Garamond"/>
-            </a:endParaRPr>
-          </a:p>
-        </p:txBody>
-      </p:sp>
-      <p:sp>
-        <p:nvSpPr>
-          <p:cNvPr id="115" name="TextShape 2"/>
-          <p:cNvSpPr txBox="1"/>
+              <a:latin typeface="Arial"/>
+            </a:endParaRPr>
+          </a:p>
+        </p:txBody>
+      </p:sp>
+      <p:sp>
+        <p:nvSpPr>
+          <p:cNvPr id="109" name="CustomShape 2"/>
+          <p:cNvSpPr/>
           <p:nvPr/>
         </p:nvSpPr>
         <p:spPr>
           <a:xfrm>
             <a:off x="1295280" y="2557080"/>
-            <a:ext cx="9600840" cy="3318480"/>
+            <a:ext cx="9600480" cy="3318120"/>
           </a:xfrm>
           <a:prstGeom prst="rect">
             <a:avLst/>
@@ -5335,10 +4897,16 @@
             <a:noFill/>
           </a:ln>
         </p:spPr>
-        <p:txBody>
-          <a:bodyPr/>
-          <a:p>
-            <a:pPr marL="285840" indent="-285480">
+        <p:style>
+          <a:lnRef idx="0"/>
+          <a:fillRef idx="0"/>
+          <a:effectRef idx="0"/>
+          <a:fontRef idx="minor"/>
+        </p:style>
+        <p:txBody>
+          <a:bodyPr lIns="90000" rIns="90000" tIns="45000" bIns="45000"/>
+          <a:p>
+            <a:pPr marL="285840" indent="-285120">
               <a:lnSpc>
                 <a:spcPct val="100000"/>
               </a:lnSpc>
@@ -5365,14 +4933,11 @@
               <a:t>验证规则匹配准确性</a:t>
             </a:r>
             <a:endParaRPr b="0" lang="en-US" sz="2400" spc="-1" strike="noStrike">
-              <a:solidFill>
-                <a:srgbClr val="262626"/>
-              </a:solidFill>
-              <a:latin typeface="Garamond"/>
-            </a:endParaRPr>
-          </a:p>
-          <a:p>
-            <a:pPr marL="285840" indent="-285480">
+              <a:latin typeface="Arial"/>
+            </a:endParaRPr>
+          </a:p>
+          <a:p>
+            <a:pPr marL="285840" indent="-285120">
               <a:lnSpc>
                 <a:spcPct val="100000"/>
               </a:lnSpc>
@@ -5417,14 +4982,11 @@
               <a:t>准确性  </a:t>
             </a:r>
             <a:endParaRPr b="0" lang="en-US" sz="2400" spc="-1" strike="noStrike">
-              <a:solidFill>
-                <a:srgbClr val="262626"/>
-              </a:solidFill>
-              <a:latin typeface="Garamond"/>
-            </a:endParaRPr>
-          </a:p>
-          <a:p>
-            <a:pPr marL="285840" indent="-285480">
+              <a:latin typeface="Arial"/>
+            </a:endParaRPr>
+          </a:p>
+          <a:p>
+            <a:pPr marL="285840" indent="-285120">
               <a:lnSpc>
                 <a:spcPct val="100000"/>
               </a:lnSpc>
@@ -5451,10 +5013,7 @@
               <a:t>验证整个框架的准确性</a:t>
             </a:r>
             <a:endParaRPr b="0" lang="en-US" sz="2400" spc="-1" strike="noStrike">
-              <a:solidFill>
-                <a:srgbClr val="262626"/>
-              </a:solidFill>
-              <a:latin typeface="Garamond"/>
+              <a:latin typeface="Arial"/>
             </a:endParaRPr>
           </a:p>
         </p:txBody>
@@ -5510,14 +5069,14 @@
       </p:grpSpPr>
       <p:sp>
         <p:nvSpPr>
-          <p:cNvPr id="116" name="TextShape 1"/>
-          <p:cNvSpPr txBox="1"/>
+          <p:cNvPr id="110" name="CustomShape 1"/>
+          <p:cNvSpPr/>
           <p:nvPr/>
         </p:nvSpPr>
         <p:spPr>
           <a:xfrm>
             <a:off x="1295280" y="982080"/>
-            <a:ext cx="9600840" cy="1303560"/>
+            <a:ext cx="9600480" cy="1303200"/>
           </a:xfrm>
           <a:prstGeom prst="rect">
             <a:avLst/>
@@ -5527,8 +5086,14 @@
             <a:noFill/>
           </a:ln>
         </p:spPr>
-        <p:txBody>
-          <a:bodyPr anchor="ctr"/>
+        <p:style>
+          <a:lnRef idx="0"/>
+          <a:fillRef idx="0"/>
+          <a:effectRef idx="0"/>
+          <a:fontRef idx="minor"/>
+        </p:style>
+        <p:txBody>
+          <a:bodyPr lIns="90000" rIns="90000" tIns="45000" bIns="45000" anchor="ctr"/>
           <a:p>
             <a:pPr algn="ctr">
               <a:lnSpc>
@@ -5545,24 +5110,21 @@
               <a:t>应用</a:t>
             </a:r>
             <a:endParaRPr b="0" lang="en-US" sz="4400" spc="-1" strike="noStrike">
-              <a:solidFill>
-                <a:srgbClr val="000000"/>
-              </a:solidFill>
-              <a:latin typeface="Garamond"/>
-            </a:endParaRPr>
-          </a:p>
-        </p:txBody>
-      </p:sp>
-      <p:sp>
-        <p:nvSpPr>
-          <p:cNvPr id="117" name="TextShape 2"/>
-          <p:cNvSpPr txBox="1"/>
+              <a:latin typeface="Arial"/>
+            </a:endParaRPr>
+          </a:p>
+        </p:txBody>
+      </p:sp>
+      <p:sp>
+        <p:nvSpPr>
+          <p:cNvPr id="111" name="CustomShape 2"/>
+          <p:cNvSpPr/>
           <p:nvPr/>
         </p:nvSpPr>
         <p:spPr>
           <a:xfrm>
             <a:off x="1295280" y="2557080"/>
-            <a:ext cx="9600840" cy="3318480"/>
+            <a:ext cx="9600480" cy="3318120"/>
           </a:xfrm>
           <a:prstGeom prst="rect">
             <a:avLst/>
@@ -5572,10 +5134,16 @@
             <a:noFill/>
           </a:ln>
         </p:spPr>
-        <p:txBody>
-          <a:bodyPr/>
-          <a:p>
-            <a:pPr marL="285840" indent="-285480">
+        <p:style>
+          <a:lnRef idx="0"/>
+          <a:fillRef idx="0"/>
+          <a:effectRef idx="0"/>
+          <a:fontRef idx="minor"/>
+        </p:style>
+        <p:txBody>
+          <a:bodyPr lIns="90000" rIns="90000" tIns="45000" bIns="45000"/>
+          <a:p>
+            <a:pPr marL="285840" indent="-285120">
               <a:lnSpc>
                 <a:spcPct val="100000"/>
               </a:lnSpc>
@@ -5611,14 +5179,11 @@
               <a:t>directive  </a:t>
             </a:r>
             <a:endParaRPr b="0" lang="en-US" sz="2400" spc="-1" strike="noStrike">
-              <a:solidFill>
-                <a:srgbClr val="262626"/>
-              </a:solidFill>
-              <a:latin typeface="Garamond"/>
-            </a:endParaRPr>
-          </a:p>
-          <a:p>
-            <a:pPr marL="285840" indent="-285480">
+              <a:latin typeface="Arial"/>
+            </a:endParaRPr>
+          </a:p>
+          <a:p>
+            <a:pPr marL="285840" indent="-285120">
               <a:lnSpc>
                 <a:spcPct val="100000"/>
               </a:lnSpc>
@@ -5654,10 +5219,199 @@
               <a:t>中总结简单的代码表达模式，验证代码准确性</a:t>
             </a:r>
             <a:endParaRPr b="0" lang="en-US" sz="2400" spc="-1" strike="noStrike">
-              <a:solidFill>
-                <a:srgbClr val="262626"/>
-              </a:solidFill>
-              <a:latin typeface="Garamond"/>
+              <a:latin typeface="Arial"/>
+            </a:endParaRPr>
+          </a:p>
+          <a:p>
+            <a:pPr lvl="1" marL="432000" indent="-216000">
+              <a:lnSpc>
+                <a:spcPct val="100000"/>
+              </a:lnSpc>
+              <a:spcBef>
+                <a:spcPts val="479"/>
+              </a:spcBef>
+              <a:spcAft>
+                <a:spcPts val="601"/>
+              </a:spcAft>
+              <a:buClr>
+                <a:srgbClr val="000000"/>
+              </a:buClr>
+              <a:buSzPct val="45000"/>
+              <a:buFont typeface="Wingdings" charset="2"/>
+              <a:buChar char=""/>
+            </a:pPr>
+            <a:r>
+              <a:rPr b="1" lang="en-US" sz="2400" spc="-1" strike="noStrike">
+                <a:solidFill>
+                  <a:srgbClr val="ff0000"/>
+                </a:solidFill>
+                <a:latin typeface="Garamond"/>
+              </a:rPr>
+              <a:t>pmd</a:t>
+            </a:r>
+            <a:r>
+              <a:rPr b="1" lang="en-US" sz="2400" spc="-1" strike="noStrike">
+                <a:solidFill>
+                  <a:srgbClr val="ff0000"/>
+                </a:solidFill>
+                <a:latin typeface="Garamond"/>
+              </a:rPr>
+              <a:t>，</a:t>
+            </a:r>
+            <a:r>
+              <a:rPr b="1" lang="en-US" sz="2400" spc="-1" strike="noStrike">
+                <a:solidFill>
+                  <a:srgbClr val="ff0000"/>
+                </a:solidFill>
+                <a:latin typeface="Garamond"/>
+              </a:rPr>
+              <a:t>jtest</a:t>
+            </a:r>
+            <a:r>
+              <a:rPr b="1" lang="en-US" sz="2400" spc="-1" strike="noStrike">
+                <a:solidFill>
+                  <a:srgbClr val="ff0000"/>
+                </a:solidFill>
+                <a:latin typeface="Garamond"/>
+              </a:rPr>
+              <a:t>，</a:t>
+            </a:r>
+            <a:r>
+              <a:rPr b="1" lang="en-US" sz="2400" spc="-1" strike="noStrike">
+                <a:solidFill>
+                  <a:srgbClr val="ff0000"/>
+                </a:solidFill>
+                <a:latin typeface="Garamond"/>
+              </a:rPr>
+              <a:t>findbugs</a:t>
+            </a:r>
+            <a:r>
+              <a:rPr b="1" lang="en-US" sz="2400" spc="-1" strike="noStrike">
+                <a:solidFill>
+                  <a:srgbClr val="ff0000"/>
+                </a:solidFill>
+                <a:latin typeface="Garamond"/>
+              </a:rPr>
+              <a:t>等静态分析工具的集成</a:t>
+            </a:r>
+            <a:endParaRPr b="0" lang="en-US" sz="2400" spc="-1" strike="noStrike">
+              <a:latin typeface="Arial"/>
+            </a:endParaRPr>
+          </a:p>
+          <a:p>
+            <a:pPr lvl="1" marL="432000" indent="-216000">
+              <a:lnSpc>
+                <a:spcPct val="100000"/>
+              </a:lnSpc>
+              <a:spcBef>
+                <a:spcPts val="479"/>
+              </a:spcBef>
+              <a:spcAft>
+                <a:spcPts val="601"/>
+              </a:spcAft>
+              <a:buClr>
+                <a:srgbClr val="000000"/>
+              </a:buClr>
+              <a:buSzPct val="45000"/>
+              <a:buFont typeface="Wingdings" charset="2"/>
+              <a:buChar char=""/>
+            </a:pPr>
+            <a:r>
+              <a:rPr b="1" lang="en-US" sz="2400" spc="-1" strike="noStrike">
+                <a:solidFill>
+                  <a:srgbClr val="ff0000"/>
+                </a:solidFill>
+                <a:latin typeface="Garamond"/>
+              </a:rPr>
+              <a:t>java</a:t>
+            </a:r>
+            <a:r>
+              <a:rPr b="1" lang="en-US" sz="2400" spc="-1" strike="noStrike">
+                <a:solidFill>
+                  <a:srgbClr val="ff0000"/>
+                </a:solidFill>
+                <a:latin typeface="Garamond"/>
+              </a:rPr>
+              <a:t>反射和代理机制，每次调用方法前进行检测，将检测好的参数传入真正的方法</a:t>
+            </a:r>
+            <a:endParaRPr b="0" lang="en-US" sz="2400" spc="-1" strike="noStrike">
+              <a:latin typeface="Arial"/>
+            </a:endParaRPr>
+          </a:p>
+          <a:p>
+            <a:pPr lvl="1" marL="432000" indent="-216000">
+              <a:lnSpc>
+                <a:spcPct val="100000"/>
+              </a:lnSpc>
+              <a:spcBef>
+                <a:spcPts val="479"/>
+              </a:spcBef>
+              <a:spcAft>
+                <a:spcPts val="601"/>
+              </a:spcAft>
+              <a:buClr>
+                <a:srgbClr val="000000"/>
+              </a:buClr>
+              <a:buSzPct val="45000"/>
+              <a:buFont typeface="Wingdings" charset="2"/>
+              <a:buChar char=""/>
+            </a:pPr>
+            <a:r>
+              <a:rPr b="1" lang="en-US" sz="2400" spc="-1" strike="noStrike">
+                <a:solidFill>
+                  <a:srgbClr val="ff0000"/>
+                </a:solidFill>
+                <a:latin typeface="Garamond"/>
+              </a:rPr>
+              <a:t>javaparser</a:t>
+            </a:r>
+            <a:r>
+              <a:rPr b="1" lang="en-US" sz="2400" spc="-1" strike="noStrike">
+                <a:solidFill>
+                  <a:srgbClr val="ff0000"/>
+                </a:solidFill>
+                <a:latin typeface="Garamond"/>
+              </a:rPr>
+              <a:t>，</a:t>
+            </a:r>
+            <a:r>
+              <a:rPr b="1" lang="en-US" sz="2400" spc="-1" strike="noStrike">
+                <a:solidFill>
+                  <a:srgbClr val="ff0000"/>
+                </a:solidFill>
+                <a:latin typeface="Garamond"/>
+              </a:rPr>
+              <a:t>javasymbolsolver</a:t>
+            </a:r>
+            <a:r>
+              <a:rPr b="1" lang="en-US" sz="2400" spc="-1" strike="noStrike">
+                <a:solidFill>
+                  <a:srgbClr val="ff0000"/>
+                </a:solidFill>
+                <a:latin typeface="Garamond"/>
+              </a:rPr>
+              <a:t>分析代码的</a:t>
+            </a:r>
+            <a:r>
+              <a:rPr b="1" lang="en-US" sz="2400" spc="-1" strike="noStrike">
+                <a:solidFill>
+                  <a:srgbClr val="ff0000"/>
+                </a:solidFill>
+                <a:latin typeface="Garamond"/>
+              </a:rPr>
+              <a:t>api</a:t>
+            </a:r>
+            <a:r>
+              <a:rPr b="1" lang="en-US" sz="2400" spc="-1" strike="noStrike">
+                <a:solidFill>
+                  <a:srgbClr val="ff0000"/>
+                </a:solidFill>
+                <a:latin typeface="Garamond"/>
+              </a:rPr>
+              <a:t>调用</a:t>
+            </a:r>
+            <a:endParaRPr b="0" lang="en-US" sz="2400" spc="-1" strike="noStrike">
+              <a:latin typeface="Arial"/>
             </a:endParaRPr>
           </a:p>
           <a:p>
@@ -5673,10 +5427,7 @@
               </a:spcAft>
             </a:pPr>
             <a:endParaRPr b="0" lang="en-US" sz="2400" spc="-1" strike="noStrike">
-              <a:solidFill>
-                <a:srgbClr val="262626"/>
-              </a:solidFill>
-              <a:latin typeface="Garamond"/>
+              <a:latin typeface="Arial"/>
             </a:endParaRPr>
           </a:p>
         </p:txBody>

--- a/directive_classification/directive相关/论文初步设想.pptx
+++ b/directive_classification/directive相关/论文初步设想.pptx
@@ -1,25 +1,121 @@
 
 <file path=ppt/presentation.xml><?xml version="1.0" encoding="utf-8"?>
-<p:presentation xmlns:a="http://schemas.openxmlformats.org/drawingml/2006/main" xmlns:p="http://schemas.openxmlformats.org/presentationml/2006/main" xmlns:r="http://schemas.openxmlformats.org/officeDocument/2006/relationships" xmlns:p14="http://schemas.microsoft.com/office/powerpoint/2010/main" xmlns:p15="http://schemas.microsoft.com/office/powerpoint/2012/main" xmlns:mc="http://schemas.openxmlformats.org/markup-compatibility/2006">
+<p:presentation xmlns:a="http://schemas.openxmlformats.org/drawingml/2006/main" xmlns:r="http://schemas.openxmlformats.org/officeDocument/2006/relationships" xmlns:p="http://schemas.openxmlformats.org/presentationml/2006/main">
   <p:sldMasterIdLst>
-    <p:sldMasterId id="2147483648" r:id="rId2"/>
-    <p:sldMasterId id="2147483661" r:id="rId3"/>
+    <p:sldMasterId id="2147483648" r:id="rId1"/>
+    <p:sldMasterId id="2147483661" r:id="rId2"/>
   </p:sldMasterIdLst>
   <p:sldIdLst>
-    <p:sldId id="256" r:id="rId4"/>
-    <p:sldId id="257" r:id="rId5"/>
-    <p:sldId id="258" r:id="rId6"/>
-    <p:sldId id="259" r:id="rId7"/>
-    <p:sldId id="260" r:id="rId8"/>
-    <p:sldId id="261" r:id="rId9"/>
+    <p:sldId id="256" r:id="rId3"/>
+    <p:sldId id="257" r:id="rId4"/>
+    <p:sldId id="258" r:id="rId5"/>
+    <p:sldId id="259" r:id="rId6"/>
+    <p:sldId id="260" r:id="rId7"/>
+    <p:sldId id="261" r:id="rId8"/>
+    <p:sldId id="262" r:id="rId9"/>
   </p:sldIdLst>
   <p:sldSz cx="12192000" cy="6858000"/>
-  <p:notesSz cx="7559675" cy="10691812"/>
+  <p:notesSz cx="7559675" cy="10691813"/>
+  <p:defaultTextStyle>
+    <a:defPPr>
+      <a:defRPr lang="zh-CN"/>
+    </a:defPPr>
+    <a:lvl1pPr marL="0" algn="l" defTabSz="914400" rtl="0" eaLnBrk="1" latinLnBrk="0" hangingPunct="1">
+      <a:defRPr sz="1800" kern="1200">
+        <a:solidFill>
+          <a:schemeClr val="tx1"/>
+        </a:solidFill>
+        <a:latin typeface="+mn-lt"/>
+        <a:ea typeface="+mn-ea"/>
+        <a:cs typeface="+mn-cs"/>
+      </a:defRPr>
+    </a:lvl1pPr>
+    <a:lvl2pPr marL="457200" algn="l" defTabSz="914400" rtl="0" eaLnBrk="1" latinLnBrk="0" hangingPunct="1">
+      <a:defRPr sz="1800" kern="1200">
+        <a:solidFill>
+          <a:schemeClr val="tx1"/>
+        </a:solidFill>
+        <a:latin typeface="+mn-lt"/>
+        <a:ea typeface="+mn-ea"/>
+        <a:cs typeface="+mn-cs"/>
+      </a:defRPr>
+    </a:lvl2pPr>
+    <a:lvl3pPr marL="914400" algn="l" defTabSz="914400" rtl="0" eaLnBrk="1" latinLnBrk="0" hangingPunct="1">
+      <a:defRPr sz="1800" kern="1200">
+        <a:solidFill>
+          <a:schemeClr val="tx1"/>
+        </a:solidFill>
+        <a:latin typeface="+mn-lt"/>
+        <a:ea typeface="+mn-ea"/>
+        <a:cs typeface="+mn-cs"/>
+      </a:defRPr>
+    </a:lvl3pPr>
+    <a:lvl4pPr marL="1371600" algn="l" defTabSz="914400" rtl="0" eaLnBrk="1" latinLnBrk="0" hangingPunct="1">
+      <a:defRPr sz="1800" kern="1200">
+        <a:solidFill>
+          <a:schemeClr val="tx1"/>
+        </a:solidFill>
+        <a:latin typeface="+mn-lt"/>
+        <a:ea typeface="+mn-ea"/>
+        <a:cs typeface="+mn-cs"/>
+      </a:defRPr>
+    </a:lvl4pPr>
+    <a:lvl5pPr marL="1828800" algn="l" defTabSz="914400" rtl="0" eaLnBrk="1" latinLnBrk="0" hangingPunct="1">
+      <a:defRPr sz="1800" kern="1200">
+        <a:solidFill>
+          <a:schemeClr val="tx1"/>
+        </a:solidFill>
+        <a:latin typeface="+mn-lt"/>
+        <a:ea typeface="+mn-ea"/>
+        <a:cs typeface="+mn-cs"/>
+      </a:defRPr>
+    </a:lvl5pPr>
+    <a:lvl6pPr marL="2286000" algn="l" defTabSz="914400" rtl="0" eaLnBrk="1" latinLnBrk="0" hangingPunct="1">
+      <a:defRPr sz="1800" kern="1200">
+        <a:solidFill>
+          <a:schemeClr val="tx1"/>
+        </a:solidFill>
+        <a:latin typeface="+mn-lt"/>
+        <a:ea typeface="+mn-ea"/>
+        <a:cs typeface="+mn-cs"/>
+      </a:defRPr>
+    </a:lvl6pPr>
+    <a:lvl7pPr marL="2743200" algn="l" defTabSz="914400" rtl="0" eaLnBrk="1" latinLnBrk="0" hangingPunct="1">
+      <a:defRPr sz="1800" kern="1200">
+        <a:solidFill>
+          <a:schemeClr val="tx1"/>
+        </a:solidFill>
+        <a:latin typeface="+mn-lt"/>
+        <a:ea typeface="+mn-ea"/>
+        <a:cs typeface="+mn-cs"/>
+      </a:defRPr>
+    </a:lvl7pPr>
+    <a:lvl8pPr marL="3200400" algn="l" defTabSz="914400" rtl="0" eaLnBrk="1" latinLnBrk="0" hangingPunct="1">
+      <a:defRPr sz="1800" kern="1200">
+        <a:solidFill>
+          <a:schemeClr val="tx1"/>
+        </a:solidFill>
+        <a:latin typeface="+mn-lt"/>
+        <a:ea typeface="+mn-ea"/>
+        <a:cs typeface="+mn-cs"/>
+      </a:defRPr>
+    </a:lvl8pPr>
+    <a:lvl9pPr marL="3657600" algn="l" defTabSz="914400" rtl="0" eaLnBrk="1" latinLnBrk="0" hangingPunct="1">
+      <a:defRPr sz="1800" kern="1200">
+        <a:solidFill>
+          <a:schemeClr val="tx1"/>
+        </a:solidFill>
+        <a:latin typeface="+mn-lt"/>
+        <a:ea typeface="+mn-ea"/>
+        <a:cs typeface="+mn-cs"/>
+      </a:defRPr>
+    </a:lvl9pPr>
+  </p:defaultTextStyle>
 </p:presentation>
 </file>
 
 <file path=ppt/slideLayouts/slideLayout1.xml><?xml version="1.0" encoding="utf-8"?>
-<p:sldLayout xmlns:a="http://schemas.openxmlformats.org/drawingml/2006/main" xmlns:p="http://schemas.openxmlformats.org/presentationml/2006/main" xmlns:r="http://schemas.openxmlformats.org/officeDocument/2006/relationships" xmlns:p14="http://schemas.microsoft.com/office/powerpoint/2010/main" xmlns:p15="http://schemas.microsoft.com/office/powerpoint/2012/main" xmlns:mc="http://schemas.openxmlformats.org/markup-compatibility/2006" type="blank" preserve="1">
+<p:sldLayout xmlns:a="http://schemas.openxmlformats.org/drawingml/2006/main" xmlns:r="http://schemas.openxmlformats.org/officeDocument/2006/relationships" xmlns:p="http://schemas.openxmlformats.org/presentationml/2006/main" type="blank" preserve="1">
   <p:cSld name="Blank Slide">
     <p:spTree>
       <p:nvGrpSpPr>
@@ -37,11 +133,14 @@
       </p:grpSpPr>
     </p:spTree>
   </p:cSld>
+  <p:clrMapOvr>
+    <a:masterClrMapping/>
+  </p:clrMapOvr>
 </p:sldLayout>
 </file>
 
 <file path=ppt/slideLayouts/slideLayout10.xml><?xml version="1.0" encoding="utf-8"?>
-<p:sldLayout xmlns:a="http://schemas.openxmlformats.org/drawingml/2006/main" xmlns:p="http://schemas.openxmlformats.org/presentationml/2006/main" xmlns:r="http://schemas.openxmlformats.org/officeDocument/2006/relationships" xmlns:p14="http://schemas.microsoft.com/office/powerpoint/2010/main" xmlns:p15="http://schemas.microsoft.com/office/powerpoint/2012/main" xmlns:mc="http://schemas.openxmlformats.org/markup-compatibility/2006" type="objOverTx" preserve="1">
+<p:sldLayout xmlns:a="http://schemas.openxmlformats.org/drawingml/2006/main" xmlns:r="http://schemas.openxmlformats.org/officeDocument/2006/relationships" xmlns:p="http://schemas.openxmlformats.org/presentationml/2006/main" type="objOverTx" preserve="1">
   <p:cSld name="Title, Content over Content">
     <p:spTree>
       <p:nvGrpSpPr>
@@ -77,10 +176,11 @@
           </a:prstGeom>
         </p:spPr>
         <p:txBody>
-          <a:bodyPr lIns="0" rIns="0" tIns="0" bIns="0" anchor="ctr"/>
+          <a:bodyPr lIns="0" tIns="0" rIns="0" bIns="0" anchor="ctr"/>
+          <a:lstStyle/>
           <a:p>
             <a:pPr algn="ctr"/>
-            <a:endParaRPr b="0" lang="en-US" sz="4400" spc="-1" strike="noStrike">
+            <a:endParaRPr lang="en-US" sz="4400" b="0" strike="noStrike" spc="-1">
               <a:latin typeface="Arial"/>
             </a:endParaRPr>
           </a:p>
@@ -106,11 +206,12 @@
           </a:prstGeom>
         </p:spPr>
         <p:txBody>
-          <a:bodyPr lIns="0" rIns="0" tIns="0" bIns="0">
+          <a:bodyPr lIns="0" tIns="0" rIns="0" bIns="0">
             <a:normAutofit/>
           </a:bodyPr>
-          <a:p>
-            <a:endParaRPr b="0" lang="en-US" sz="3200" spc="-1" strike="noStrike">
+          <a:lstStyle/>
+          <a:p>
+            <a:endParaRPr lang="en-US" sz="3200" b="0" strike="noStrike" spc="-1">
               <a:latin typeface="Arial"/>
             </a:endParaRPr>
           </a:p>
@@ -136,11 +237,12 @@
           </a:prstGeom>
         </p:spPr>
         <p:txBody>
-          <a:bodyPr lIns="0" rIns="0" tIns="0" bIns="0">
+          <a:bodyPr lIns="0" tIns="0" rIns="0" bIns="0">
             <a:normAutofit/>
           </a:bodyPr>
-          <a:p>
-            <a:endParaRPr b="0" lang="en-US" sz="3200" spc="-1" strike="noStrike">
+          <a:lstStyle/>
+          <a:p>
+            <a:endParaRPr lang="en-US" sz="3200" b="0" strike="noStrike" spc="-1">
               <a:latin typeface="Arial"/>
             </a:endParaRPr>
           </a:p>
@@ -148,11 +250,14 @@
       </p:sp>
     </p:spTree>
   </p:cSld>
+  <p:clrMapOvr>
+    <a:masterClrMapping/>
+  </p:clrMapOvr>
 </p:sldLayout>
 </file>
 
 <file path=ppt/slideLayouts/slideLayout11.xml><?xml version="1.0" encoding="utf-8"?>
-<p:sldLayout xmlns:a="http://schemas.openxmlformats.org/drawingml/2006/main" xmlns:p="http://schemas.openxmlformats.org/presentationml/2006/main" xmlns:r="http://schemas.openxmlformats.org/officeDocument/2006/relationships" xmlns:p14="http://schemas.microsoft.com/office/powerpoint/2010/main" xmlns:p15="http://schemas.microsoft.com/office/powerpoint/2012/main" xmlns:mc="http://schemas.openxmlformats.org/markup-compatibility/2006" type="fourObj" preserve="1">
+<p:sldLayout xmlns:a="http://schemas.openxmlformats.org/drawingml/2006/main" xmlns:r="http://schemas.openxmlformats.org/officeDocument/2006/relationships" xmlns:p="http://schemas.openxmlformats.org/presentationml/2006/main" type="fourObj" preserve="1">
   <p:cSld name="Title, 4 Content">
     <p:spTree>
       <p:nvGrpSpPr>
@@ -188,10 +293,11 @@
           </a:prstGeom>
         </p:spPr>
         <p:txBody>
-          <a:bodyPr lIns="0" rIns="0" tIns="0" bIns="0" anchor="ctr"/>
+          <a:bodyPr lIns="0" tIns="0" rIns="0" bIns="0" anchor="ctr"/>
+          <a:lstStyle/>
           <a:p>
             <a:pPr algn="ctr"/>
-            <a:endParaRPr b="0" lang="en-US" sz="4400" spc="-1" strike="noStrike">
+            <a:endParaRPr lang="en-US" sz="4400" b="0" strike="noStrike" spc="-1">
               <a:latin typeface="Arial"/>
             </a:endParaRPr>
           </a:p>
@@ -217,11 +323,12 @@
           </a:prstGeom>
         </p:spPr>
         <p:txBody>
-          <a:bodyPr lIns="0" rIns="0" tIns="0" bIns="0">
+          <a:bodyPr lIns="0" tIns="0" rIns="0" bIns="0">
             <a:normAutofit/>
           </a:bodyPr>
-          <a:p>
-            <a:endParaRPr b="0" lang="en-US" sz="3200" spc="-1" strike="noStrike">
+          <a:lstStyle/>
+          <a:p>
+            <a:endParaRPr lang="en-US" sz="3200" b="0" strike="noStrike" spc="-1">
               <a:latin typeface="Arial"/>
             </a:endParaRPr>
           </a:p>
@@ -247,11 +354,12 @@
           </a:prstGeom>
         </p:spPr>
         <p:txBody>
-          <a:bodyPr lIns="0" rIns="0" tIns="0" bIns="0">
+          <a:bodyPr lIns="0" tIns="0" rIns="0" bIns="0">
             <a:normAutofit/>
           </a:bodyPr>
-          <a:p>
-            <a:endParaRPr b="0" lang="en-US" sz="3200" spc="-1" strike="noStrike">
+          <a:lstStyle/>
+          <a:p>
+            <a:endParaRPr lang="en-US" sz="3200" b="0" strike="noStrike" spc="-1">
               <a:latin typeface="Arial"/>
             </a:endParaRPr>
           </a:p>
@@ -277,11 +385,12 @@
           </a:prstGeom>
         </p:spPr>
         <p:txBody>
-          <a:bodyPr lIns="0" rIns="0" tIns="0" bIns="0">
+          <a:bodyPr lIns="0" tIns="0" rIns="0" bIns="0">
             <a:normAutofit/>
           </a:bodyPr>
-          <a:p>
-            <a:endParaRPr b="0" lang="en-US" sz="3200" spc="-1" strike="noStrike">
+          <a:lstStyle/>
+          <a:p>
+            <a:endParaRPr lang="en-US" sz="3200" b="0" strike="noStrike" spc="-1">
               <a:latin typeface="Arial"/>
             </a:endParaRPr>
           </a:p>
@@ -307,11 +416,12 @@
           </a:prstGeom>
         </p:spPr>
         <p:txBody>
-          <a:bodyPr lIns="0" rIns="0" tIns="0" bIns="0">
+          <a:bodyPr lIns="0" tIns="0" rIns="0" bIns="0">
             <a:normAutofit/>
           </a:bodyPr>
-          <a:p>
-            <a:endParaRPr b="0" lang="en-US" sz="3200" spc="-1" strike="noStrike">
+          <a:lstStyle/>
+          <a:p>
+            <a:endParaRPr lang="en-US" sz="3200" b="0" strike="noStrike" spc="-1">
               <a:latin typeface="Arial"/>
             </a:endParaRPr>
           </a:p>
@@ -319,11 +429,14 @@
       </p:sp>
     </p:spTree>
   </p:cSld>
+  <p:clrMapOvr>
+    <a:masterClrMapping/>
+  </p:clrMapOvr>
 </p:sldLayout>
 </file>
 
 <file path=ppt/slideLayouts/slideLayout12.xml><?xml version="1.0" encoding="utf-8"?>
-<p:sldLayout xmlns:a="http://schemas.openxmlformats.org/drawingml/2006/main" xmlns:p="http://schemas.openxmlformats.org/presentationml/2006/main" xmlns:r="http://schemas.openxmlformats.org/officeDocument/2006/relationships" xmlns:p14="http://schemas.microsoft.com/office/powerpoint/2010/main" xmlns:p15="http://schemas.microsoft.com/office/powerpoint/2012/main" xmlns:mc="http://schemas.openxmlformats.org/markup-compatibility/2006" type="blank" preserve="1">
+<p:sldLayout xmlns:a="http://schemas.openxmlformats.org/drawingml/2006/main" xmlns:r="http://schemas.openxmlformats.org/officeDocument/2006/relationships" xmlns:p="http://schemas.openxmlformats.org/presentationml/2006/main" type="blank" preserve="1">
   <p:cSld name="Title, 6 Content">
     <p:spTree>
       <p:nvGrpSpPr>
@@ -359,10 +472,11 @@
           </a:prstGeom>
         </p:spPr>
         <p:txBody>
-          <a:bodyPr lIns="0" rIns="0" tIns="0" bIns="0" anchor="ctr"/>
+          <a:bodyPr lIns="0" tIns="0" rIns="0" bIns="0" anchor="ctr"/>
+          <a:lstStyle/>
           <a:p>
             <a:pPr algn="ctr"/>
-            <a:endParaRPr b="0" lang="en-US" sz="4400" spc="-1" strike="noStrike">
+            <a:endParaRPr lang="en-US" sz="4400" b="0" strike="noStrike" spc="-1">
               <a:latin typeface="Arial"/>
             </a:endParaRPr>
           </a:p>
@@ -388,11 +502,12 @@
           </a:prstGeom>
         </p:spPr>
         <p:txBody>
-          <a:bodyPr lIns="0" rIns="0" tIns="0" bIns="0">
+          <a:bodyPr lIns="0" tIns="0" rIns="0" bIns="0">
             <a:normAutofit/>
           </a:bodyPr>
-          <a:p>
-            <a:endParaRPr b="0" lang="en-US" sz="3200" spc="-1" strike="noStrike">
+          <a:lstStyle/>
+          <a:p>
+            <a:endParaRPr lang="en-US" sz="3200" b="0" strike="noStrike" spc="-1">
               <a:latin typeface="Arial"/>
             </a:endParaRPr>
           </a:p>
@@ -418,11 +533,12 @@
           </a:prstGeom>
         </p:spPr>
         <p:txBody>
-          <a:bodyPr lIns="0" rIns="0" tIns="0" bIns="0">
+          <a:bodyPr lIns="0" tIns="0" rIns="0" bIns="0">
             <a:normAutofit/>
           </a:bodyPr>
-          <a:p>
-            <a:endParaRPr b="0" lang="en-US" sz="3200" spc="-1" strike="noStrike">
+          <a:lstStyle/>
+          <a:p>
+            <a:endParaRPr lang="en-US" sz="3200" b="0" strike="noStrike" spc="-1">
               <a:latin typeface="Arial"/>
             </a:endParaRPr>
           </a:p>
@@ -448,11 +564,12 @@
           </a:prstGeom>
         </p:spPr>
         <p:txBody>
-          <a:bodyPr lIns="0" rIns="0" tIns="0" bIns="0">
+          <a:bodyPr lIns="0" tIns="0" rIns="0" bIns="0">
             <a:normAutofit/>
           </a:bodyPr>
-          <a:p>
-            <a:endParaRPr b="0" lang="en-US" sz="3200" spc="-1" strike="noStrike">
+          <a:lstStyle/>
+          <a:p>
+            <a:endParaRPr lang="en-US" sz="3200" b="0" strike="noStrike" spc="-1">
               <a:latin typeface="Arial"/>
             </a:endParaRPr>
           </a:p>
@@ -478,11 +595,12 @@
           </a:prstGeom>
         </p:spPr>
         <p:txBody>
-          <a:bodyPr lIns="0" rIns="0" tIns="0" bIns="0">
+          <a:bodyPr lIns="0" tIns="0" rIns="0" bIns="0">
             <a:normAutofit/>
           </a:bodyPr>
-          <a:p>
-            <a:endParaRPr b="0" lang="en-US" sz="3200" spc="-1" strike="noStrike">
+          <a:lstStyle/>
+          <a:p>
+            <a:endParaRPr lang="en-US" sz="3200" b="0" strike="noStrike" spc="-1">
               <a:latin typeface="Arial"/>
             </a:endParaRPr>
           </a:p>
@@ -508,11 +626,12 @@
           </a:prstGeom>
         </p:spPr>
         <p:txBody>
-          <a:bodyPr lIns="0" rIns="0" tIns="0" bIns="0">
+          <a:bodyPr lIns="0" tIns="0" rIns="0" bIns="0">
             <a:normAutofit/>
           </a:bodyPr>
-          <a:p>
-            <a:endParaRPr b="0" lang="en-US" sz="3200" spc="-1" strike="noStrike">
+          <a:lstStyle/>
+          <a:p>
+            <a:endParaRPr lang="en-US" sz="3200" b="0" strike="noStrike" spc="-1">
               <a:latin typeface="Arial"/>
             </a:endParaRPr>
           </a:p>
@@ -538,11 +657,12 @@
           </a:prstGeom>
         </p:spPr>
         <p:txBody>
-          <a:bodyPr lIns="0" rIns="0" tIns="0" bIns="0">
+          <a:bodyPr lIns="0" tIns="0" rIns="0" bIns="0">
             <a:normAutofit/>
           </a:bodyPr>
-          <a:p>
-            <a:endParaRPr b="0" lang="en-US" sz="3200" spc="-1" strike="noStrike">
+          <a:lstStyle/>
+          <a:p>
+            <a:endParaRPr lang="en-US" sz="3200" b="0" strike="noStrike" spc="-1">
               <a:latin typeface="Arial"/>
             </a:endParaRPr>
           </a:p>
@@ -550,11 +670,14 @@
       </p:sp>
     </p:spTree>
   </p:cSld>
+  <p:clrMapOvr>
+    <a:masterClrMapping/>
+  </p:clrMapOvr>
 </p:sldLayout>
 </file>
 
 <file path=ppt/slideLayouts/slideLayout13.xml><?xml version="1.0" encoding="utf-8"?>
-<p:sldLayout xmlns:a="http://schemas.openxmlformats.org/drawingml/2006/main" xmlns:p="http://schemas.openxmlformats.org/presentationml/2006/main" xmlns:r="http://schemas.openxmlformats.org/officeDocument/2006/relationships" xmlns:p14="http://schemas.microsoft.com/office/powerpoint/2010/main" xmlns:p15="http://schemas.microsoft.com/office/powerpoint/2012/main" xmlns:mc="http://schemas.openxmlformats.org/markup-compatibility/2006" type="blank" preserve="1">
+<p:sldLayout xmlns:a="http://schemas.openxmlformats.org/drawingml/2006/main" xmlns:r="http://schemas.openxmlformats.org/officeDocument/2006/relationships" xmlns:p="http://schemas.openxmlformats.org/presentationml/2006/main" type="blank" preserve="1">
   <p:cSld name="Blank Slide">
     <p:spTree>
       <p:nvGrpSpPr>
@@ -572,11 +695,14 @@
       </p:grpSpPr>
     </p:spTree>
   </p:cSld>
+  <p:clrMapOvr>
+    <a:masterClrMapping/>
+  </p:clrMapOvr>
 </p:sldLayout>
 </file>
 
 <file path=ppt/slideLayouts/slideLayout14.xml><?xml version="1.0" encoding="utf-8"?>
-<p:sldLayout xmlns:a="http://schemas.openxmlformats.org/drawingml/2006/main" xmlns:p="http://schemas.openxmlformats.org/presentationml/2006/main" xmlns:r="http://schemas.openxmlformats.org/officeDocument/2006/relationships" xmlns:p14="http://schemas.microsoft.com/office/powerpoint/2010/main" xmlns:p15="http://schemas.microsoft.com/office/powerpoint/2012/main" xmlns:mc="http://schemas.openxmlformats.org/markup-compatibility/2006" type="tx" preserve="1">
+<p:sldLayout xmlns:a="http://schemas.openxmlformats.org/drawingml/2006/main" xmlns:r="http://schemas.openxmlformats.org/officeDocument/2006/relationships" xmlns:p="http://schemas.openxmlformats.org/presentationml/2006/main" type="tx" preserve="1">
   <p:cSld name="Title Slide">
     <p:spTree>
       <p:nvGrpSpPr>
@@ -612,10 +738,11 @@
           </a:prstGeom>
         </p:spPr>
         <p:txBody>
-          <a:bodyPr lIns="0" rIns="0" tIns="0" bIns="0" anchor="ctr"/>
+          <a:bodyPr lIns="0" tIns="0" rIns="0" bIns="0" anchor="ctr"/>
+          <a:lstStyle/>
           <a:p>
             <a:pPr algn="ctr"/>
-            <a:endParaRPr b="0" lang="en-US" sz="4400" spc="-1" strike="noStrike">
+            <a:endParaRPr lang="en-US" sz="4400" b="0" strike="noStrike" spc="-1">
               <a:latin typeface="Arial"/>
             </a:endParaRPr>
           </a:p>
@@ -641,10 +768,11 @@
           </a:prstGeom>
         </p:spPr>
         <p:txBody>
-          <a:bodyPr lIns="0" rIns="0" tIns="0" bIns="0" anchor="ctr"/>
+          <a:bodyPr lIns="0" tIns="0" rIns="0" bIns="0" anchor="ctr"/>
+          <a:lstStyle/>
           <a:p>
             <a:pPr algn="ctr"/>
-            <a:endParaRPr b="0" lang="en-US" sz="3200" spc="-1" strike="noStrike">
+            <a:endParaRPr lang="en-US" sz="3200" b="0" strike="noStrike" spc="-1">
               <a:latin typeface="Arial"/>
             </a:endParaRPr>
           </a:p>
@@ -652,11 +780,14 @@
       </p:sp>
     </p:spTree>
   </p:cSld>
+  <p:clrMapOvr>
+    <a:masterClrMapping/>
+  </p:clrMapOvr>
 </p:sldLayout>
 </file>
 
 <file path=ppt/slideLayouts/slideLayout15.xml><?xml version="1.0" encoding="utf-8"?>
-<p:sldLayout xmlns:a="http://schemas.openxmlformats.org/drawingml/2006/main" xmlns:p="http://schemas.openxmlformats.org/presentationml/2006/main" xmlns:r="http://schemas.openxmlformats.org/officeDocument/2006/relationships" xmlns:p14="http://schemas.microsoft.com/office/powerpoint/2010/main" xmlns:p15="http://schemas.microsoft.com/office/powerpoint/2012/main" xmlns:mc="http://schemas.openxmlformats.org/markup-compatibility/2006" type="obj" preserve="1">
+<p:sldLayout xmlns:a="http://schemas.openxmlformats.org/drawingml/2006/main" xmlns:r="http://schemas.openxmlformats.org/officeDocument/2006/relationships" xmlns:p="http://schemas.openxmlformats.org/presentationml/2006/main" type="obj" preserve="1">
   <p:cSld name="Title, Content">
     <p:spTree>
       <p:nvGrpSpPr>
@@ -692,10 +823,11 @@
           </a:prstGeom>
         </p:spPr>
         <p:txBody>
-          <a:bodyPr lIns="0" rIns="0" tIns="0" bIns="0" anchor="ctr"/>
+          <a:bodyPr lIns="0" tIns="0" rIns="0" bIns="0" anchor="ctr"/>
+          <a:lstStyle/>
           <a:p>
             <a:pPr algn="ctr"/>
-            <a:endParaRPr b="0" lang="en-US" sz="4400" spc="-1" strike="noStrike">
+            <a:endParaRPr lang="en-US" sz="4400" b="0" strike="noStrike" spc="-1">
               <a:latin typeface="Arial"/>
             </a:endParaRPr>
           </a:p>
@@ -721,11 +853,12 @@
           </a:prstGeom>
         </p:spPr>
         <p:txBody>
-          <a:bodyPr lIns="0" rIns="0" tIns="0" bIns="0">
+          <a:bodyPr lIns="0" tIns="0" rIns="0" bIns="0">
             <a:normAutofit/>
           </a:bodyPr>
-          <a:p>
-            <a:endParaRPr b="0" lang="en-US" sz="3200" spc="-1" strike="noStrike">
+          <a:lstStyle/>
+          <a:p>
+            <a:endParaRPr lang="en-US" sz="3200" b="0" strike="noStrike" spc="-1">
               <a:latin typeface="Arial"/>
             </a:endParaRPr>
           </a:p>
@@ -733,11 +866,14 @@
       </p:sp>
     </p:spTree>
   </p:cSld>
+  <p:clrMapOvr>
+    <a:masterClrMapping/>
+  </p:clrMapOvr>
 </p:sldLayout>
 </file>
 
 <file path=ppt/slideLayouts/slideLayout16.xml><?xml version="1.0" encoding="utf-8"?>
-<p:sldLayout xmlns:a="http://schemas.openxmlformats.org/drawingml/2006/main" xmlns:p="http://schemas.openxmlformats.org/presentationml/2006/main" xmlns:r="http://schemas.openxmlformats.org/officeDocument/2006/relationships" xmlns:p14="http://schemas.microsoft.com/office/powerpoint/2010/main" xmlns:p15="http://schemas.microsoft.com/office/powerpoint/2012/main" xmlns:mc="http://schemas.openxmlformats.org/markup-compatibility/2006" type="twoObj" preserve="1">
+<p:sldLayout xmlns:a="http://schemas.openxmlformats.org/drawingml/2006/main" xmlns:r="http://schemas.openxmlformats.org/officeDocument/2006/relationships" xmlns:p="http://schemas.openxmlformats.org/presentationml/2006/main" type="twoObj" preserve="1">
   <p:cSld name="Title, 2 Content">
     <p:spTree>
       <p:nvGrpSpPr>
@@ -773,10 +909,11 @@
           </a:prstGeom>
         </p:spPr>
         <p:txBody>
-          <a:bodyPr lIns="0" rIns="0" tIns="0" bIns="0" anchor="ctr"/>
+          <a:bodyPr lIns="0" tIns="0" rIns="0" bIns="0" anchor="ctr"/>
+          <a:lstStyle/>
           <a:p>
             <a:pPr algn="ctr"/>
-            <a:endParaRPr b="0" lang="en-US" sz="4400" spc="-1" strike="noStrike">
+            <a:endParaRPr lang="en-US" sz="4400" b="0" strike="noStrike" spc="-1">
               <a:latin typeface="Arial"/>
             </a:endParaRPr>
           </a:p>
@@ -802,11 +939,12 @@
           </a:prstGeom>
         </p:spPr>
         <p:txBody>
-          <a:bodyPr lIns="0" rIns="0" tIns="0" bIns="0">
+          <a:bodyPr lIns="0" tIns="0" rIns="0" bIns="0">
             <a:normAutofit/>
           </a:bodyPr>
-          <a:p>
-            <a:endParaRPr b="0" lang="en-US" sz="3200" spc="-1" strike="noStrike">
+          <a:lstStyle/>
+          <a:p>
+            <a:endParaRPr lang="en-US" sz="3200" b="0" strike="noStrike" spc="-1">
               <a:latin typeface="Arial"/>
             </a:endParaRPr>
           </a:p>
@@ -832,11 +970,12 @@
           </a:prstGeom>
         </p:spPr>
         <p:txBody>
-          <a:bodyPr lIns="0" rIns="0" tIns="0" bIns="0">
+          <a:bodyPr lIns="0" tIns="0" rIns="0" bIns="0">
             <a:normAutofit/>
           </a:bodyPr>
-          <a:p>
-            <a:endParaRPr b="0" lang="en-US" sz="3200" spc="-1" strike="noStrike">
+          <a:lstStyle/>
+          <a:p>
+            <a:endParaRPr lang="en-US" sz="3200" b="0" strike="noStrike" spc="-1">
               <a:latin typeface="Arial"/>
             </a:endParaRPr>
           </a:p>
@@ -844,11 +983,14 @@
       </p:sp>
     </p:spTree>
   </p:cSld>
+  <p:clrMapOvr>
+    <a:masterClrMapping/>
+  </p:clrMapOvr>
 </p:sldLayout>
 </file>
 
 <file path=ppt/slideLayouts/slideLayout17.xml><?xml version="1.0" encoding="utf-8"?>
-<p:sldLayout xmlns:a="http://schemas.openxmlformats.org/drawingml/2006/main" xmlns:p="http://schemas.openxmlformats.org/presentationml/2006/main" xmlns:r="http://schemas.openxmlformats.org/officeDocument/2006/relationships" xmlns:p14="http://schemas.microsoft.com/office/powerpoint/2010/main" xmlns:p15="http://schemas.microsoft.com/office/powerpoint/2012/main" xmlns:mc="http://schemas.openxmlformats.org/markup-compatibility/2006" type="titleOnly" preserve="1">
+<p:sldLayout xmlns:a="http://schemas.openxmlformats.org/drawingml/2006/main" xmlns:r="http://schemas.openxmlformats.org/officeDocument/2006/relationships" xmlns:p="http://schemas.openxmlformats.org/presentationml/2006/main" type="titleOnly" preserve="1">
   <p:cSld name="Title Only">
     <p:spTree>
       <p:nvGrpSpPr>
@@ -884,10 +1026,11 @@
           </a:prstGeom>
         </p:spPr>
         <p:txBody>
-          <a:bodyPr lIns="0" rIns="0" tIns="0" bIns="0" anchor="ctr"/>
+          <a:bodyPr lIns="0" tIns="0" rIns="0" bIns="0" anchor="ctr"/>
+          <a:lstStyle/>
           <a:p>
             <a:pPr algn="ctr"/>
-            <a:endParaRPr b="0" lang="en-US" sz="4400" spc="-1" strike="noStrike">
+            <a:endParaRPr lang="en-US" sz="4400" b="0" strike="noStrike" spc="-1">
               <a:latin typeface="Arial"/>
             </a:endParaRPr>
           </a:p>
@@ -895,11 +1038,14 @@
       </p:sp>
     </p:spTree>
   </p:cSld>
+  <p:clrMapOvr>
+    <a:masterClrMapping/>
+  </p:clrMapOvr>
 </p:sldLayout>
 </file>
 
 <file path=ppt/slideLayouts/slideLayout18.xml><?xml version="1.0" encoding="utf-8"?>
-<p:sldLayout xmlns:a="http://schemas.openxmlformats.org/drawingml/2006/main" xmlns:p="http://schemas.openxmlformats.org/presentationml/2006/main" xmlns:r="http://schemas.openxmlformats.org/officeDocument/2006/relationships" xmlns:p14="http://schemas.microsoft.com/office/powerpoint/2010/main" xmlns:p15="http://schemas.microsoft.com/office/powerpoint/2012/main" xmlns:mc="http://schemas.openxmlformats.org/markup-compatibility/2006" type="objOnly" preserve="1">
+<p:sldLayout xmlns:a="http://schemas.openxmlformats.org/drawingml/2006/main" xmlns:r="http://schemas.openxmlformats.org/officeDocument/2006/relationships" xmlns:p="http://schemas.openxmlformats.org/presentationml/2006/main" type="objOnly" preserve="1">
   <p:cSld name="Centered Text">
     <p:spTree>
       <p:nvGrpSpPr>
@@ -935,10 +1081,11 @@
           </a:prstGeom>
         </p:spPr>
         <p:txBody>
-          <a:bodyPr lIns="0" rIns="0" tIns="0" bIns="0" anchor="ctr"/>
+          <a:bodyPr lIns="0" tIns="0" rIns="0" bIns="0" anchor="ctr"/>
+          <a:lstStyle/>
           <a:p>
             <a:pPr algn="ctr"/>
-            <a:endParaRPr b="0" lang="en-US" sz="3200" spc="-1" strike="noStrike">
+            <a:endParaRPr lang="en-US" sz="3200" b="0" strike="noStrike" spc="-1">
               <a:latin typeface="Arial"/>
             </a:endParaRPr>
           </a:p>
@@ -946,11 +1093,14 @@
       </p:sp>
     </p:spTree>
   </p:cSld>
+  <p:clrMapOvr>
+    <a:masterClrMapping/>
+  </p:clrMapOvr>
 </p:sldLayout>
 </file>
 
 <file path=ppt/slideLayouts/slideLayout19.xml><?xml version="1.0" encoding="utf-8"?>
-<p:sldLayout xmlns:a="http://schemas.openxmlformats.org/drawingml/2006/main" xmlns:p="http://schemas.openxmlformats.org/presentationml/2006/main" xmlns:r="http://schemas.openxmlformats.org/officeDocument/2006/relationships" xmlns:p14="http://schemas.microsoft.com/office/powerpoint/2010/main" xmlns:p15="http://schemas.microsoft.com/office/powerpoint/2012/main" xmlns:mc="http://schemas.openxmlformats.org/markup-compatibility/2006" type="twoObjAndObj" preserve="1">
+<p:sldLayout xmlns:a="http://schemas.openxmlformats.org/drawingml/2006/main" xmlns:r="http://schemas.openxmlformats.org/officeDocument/2006/relationships" xmlns:p="http://schemas.openxmlformats.org/presentationml/2006/main" type="twoObjAndObj" preserve="1">
   <p:cSld name="Title, 2 Content and Content">
     <p:spTree>
       <p:nvGrpSpPr>
@@ -986,10 +1136,11 @@
           </a:prstGeom>
         </p:spPr>
         <p:txBody>
-          <a:bodyPr lIns="0" rIns="0" tIns="0" bIns="0" anchor="ctr"/>
+          <a:bodyPr lIns="0" tIns="0" rIns="0" bIns="0" anchor="ctr"/>
+          <a:lstStyle/>
           <a:p>
             <a:pPr algn="ctr"/>
-            <a:endParaRPr b="0" lang="en-US" sz="4400" spc="-1" strike="noStrike">
+            <a:endParaRPr lang="en-US" sz="4400" b="0" strike="noStrike" spc="-1">
               <a:latin typeface="Arial"/>
             </a:endParaRPr>
           </a:p>
@@ -1015,11 +1166,12 @@
           </a:prstGeom>
         </p:spPr>
         <p:txBody>
-          <a:bodyPr lIns="0" rIns="0" tIns="0" bIns="0">
+          <a:bodyPr lIns="0" tIns="0" rIns="0" bIns="0">
             <a:normAutofit/>
           </a:bodyPr>
-          <a:p>
-            <a:endParaRPr b="0" lang="en-US" sz="3200" spc="-1" strike="noStrike">
+          <a:lstStyle/>
+          <a:p>
+            <a:endParaRPr lang="en-US" sz="3200" b="0" strike="noStrike" spc="-1">
               <a:latin typeface="Arial"/>
             </a:endParaRPr>
           </a:p>
@@ -1045,11 +1197,12 @@
           </a:prstGeom>
         </p:spPr>
         <p:txBody>
-          <a:bodyPr lIns="0" rIns="0" tIns="0" bIns="0">
+          <a:bodyPr lIns="0" tIns="0" rIns="0" bIns="0">
             <a:normAutofit/>
           </a:bodyPr>
-          <a:p>
-            <a:endParaRPr b="0" lang="en-US" sz="3200" spc="-1" strike="noStrike">
+          <a:lstStyle/>
+          <a:p>
+            <a:endParaRPr lang="en-US" sz="3200" b="0" strike="noStrike" spc="-1">
               <a:latin typeface="Arial"/>
             </a:endParaRPr>
           </a:p>
@@ -1075,11 +1228,12 @@
           </a:prstGeom>
         </p:spPr>
         <p:txBody>
-          <a:bodyPr lIns="0" rIns="0" tIns="0" bIns="0">
+          <a:bodyPr lIns="0" tIns="0" rIns="0" bIns="0">
             <a:normAutofit/>
           </a:bodyPr>
-          <a:p>
-            <a:endParaRPr b="0" lang="en-US" sz="3200" spc="-1" strike="noStrike">
+          <a:lstStyle/>
+          <a:p>
+            <a:endParaRPr lang="en-US" sz="3200" b="0" strike="noStrike" spc="-1">
               <a:latin typeface="Arial"/>
             </a:endParaRPr>
           </a:p>
@@ -1087,11 +1241,14 @@
       </p:sp>
     </p:spTree>
   </p:cSld>
+  <p:clrMapOvr>
+    <a:masterClrMapping/>
+  </p:clrMapOvr>
 </p:sldLayout>
 </file>
 
 <file path=ppt/slideLayouts/slideLayout2.xml><?xml version="1.0" encoding="utf-8"?>
-<p:sldLayout xmlns:a="http://schemas.openxmlformats.org/drawingml/2006/main" xmlns:p="http://schemas.openxmlformats.org/presentationml/2006/main" xmlns:r="http://schemas.openxmlformats.org/officeDocument/2006/relationships" xmlns:p14="http://schemas.microsoft.com/office/powerpoint/2010/main" xmlns:p15="http://schemas.microsoft.com/office/powerpoint/2012/main" xmlns:mc="http://schemas.openxmlformats.org/markup-compatibility/2006" type="tx" preserve="1">
+<p:sldLayout xmlns:a="http://schemas.openxmlformats.org/drawingml/2006/main" xmlns:r="http://schemas.openxmlformats.org/officeDocument/2006/relationships" xmlns:p="http://schemas.openxmlformats.org/presentationml/2006/main" type="tx" preserve="1">
   <p:cSld name="Title Slide">
     <p:spTree>
       <p:nvGrpSpPr>
@@ -1127,10 +1284,11 @@
           </a:prstGeom>
         </p:spPr>
         <p:txBody>
-          <a:bodyPr lIns="0" rIns="0" tIns="0" bIns="0" anchor="ctr"/>
+          <a:bodyPr lIns="0" tIns="0" rIns="0" bIns="0" anchor="ctr"/>
+          <a:lstStyle/>
           <a:p>
             <a:pPr algn="ctr"/>
-            <a:endParaRPr b="0" lang="en-US" sz="4400" spc="-1" strike="noStrike">
+            <a:endParaRPr lang="en-US" sz="4400" b="0" strike="noStrike" spc="-1">
               <a:latin typeface="Arial"/>
             </a:endParaRPr>
           </a:p>
@@ -1156,10 +1314,11 @@
           </a:prstGeom>
         </p:spPr>
         <p:txBody>
-          <a:bodyPr lIns="0" rIns="0" tIns="0" bIns="0" anchor="ctr"/>
+          <a:bodyPr lIns="0" tIns="0" rIns="0" bIns="0" anchor="ctr"/>
+          <a:lstStyle/>
           <a:p>
             <a:pPr algn="ctr"/>
-            <a:endParaRPr b="0" lang="en-US" sz="3200" spc="-1" strike="noStrike">
+            <a:endParaRPr lang="en-US" sz="3200" b="0" strike="noStrike" spc="-1">
               <a:latin typeface="Arial"/>
             </a:endParaRPr>
           </a:p>
@@ -1167,11 +1326,14 @@
       </p:sp>
     </p:spTree>
   </p:cSld>
+  <p:clrMapOvr>
+    <a:masterClrMapping/>
+  </p:clrMapOvr>
 </p:sldLayout>
 </file>
 
 <file path=ppt/slideLayouts/slideLayout20.xml><?xml version="1.0" encoding="utf-8"?>
-<p:sldLayout xmlns:a="http://schemas.openxmlformats.org/drawingml/2006/main" xmlns:p="http://schemas.openxmlformats.org/presentationml/2006/main" xmlns:r="http://schemas.openxmlformats.org/officeDocument/2006/relationships" xmlns:p14="http://schemas.microsoft.com/office/powerpoint/2010/main" xmlns:p15="http://schemas.microsoft.com/office/powerpoint/2012/main" xmlns:mc="http://schemas.openxmlformats.org/markup-compatibility/2006" type="objAndTwoObj" preserve="1">
+<p:sldLayout xmlns:a="http://schemas.openxmlformats.org/drawingml/2006/main" xmlns:r="http://schemas.openxmlformats.org/officeDocument/2006/relationships" xmlns:p="http://schemas.openxmlformats.org/presentationml/2006/main" type="objAndTwoObj" preserve="1">
   <p:cSld name="Title Content and 2 Content">
     <p:spTree>
       <p:nvGrpSpPr>
@@ -1207,10 +1369,11 @@
           </a:prstGeom>
         </p:spPr>
         <p:txBody>
-          <a:bodyPr lIns="0" rIns="0" tIns="0" bIns="0" anchor="ctr"/>
+          <a:bodyPr lIns="0" tIns="0" rIns="0" bIns="0" anchor="ctr"/>
+          <a:lstStyle/>
           <a:p>
             <a:pPr algn="ctr"/>
-            <a:endParaRPr b="0" lang="en-US" sz="4400" spc="-1" strike="noStrike">
+            <a:endParaRPr lang="en-US" sz="4400" b="0" strike="noStrike" spc="-1">
               <a:latin typeface="Arial"/>
             </a:endParaRPr>
           </a:p>
@@ -1236,11 +1399,12 @@
           </a:prstGeom>
         </p:spPr>
         <p:txBody>
-          <a:bodyPr lIns="0" rIns="0" tIns="0" bIns="0">
+          <a:bodyPr lIns="0" tIns="0" rIns="0" bIns="0">
             <a:normAutofit/>
           </a:bodyPr>
-          <a:p>
-            <a:endParaRPr b="0" lang="en-US" sz="3200" spc="-1" strike="noStrike">
+          <a:lstStyle/>
+          <a:p>
+            <a:endParaRPr lang="en-US" sz="3200" b="0" strike="noStrike" spc="-1">
               <a:latin typeface="Arial"/>
             </a:endParaRPr>
           </a:p>
@@ -1266,11 +1430,12 @@
           </a:prstGeom>
         </p:spPr>
         <p:txBody>
-          <a:bodyPr lIns="0" rIns="0" tIns="0" bIns="0">
+          <a:bodyPr lIns="0" tIns="0" rIns="0" bIns="0">
             <a:normAutofit/>
           </a:bodyPr>
-          <a:p>
-            <a:endParaRPr b="0" lang="en-US" sz="3200" spc="-1" strike="noStrike">
+          <a:lstStyle/>
+          <a:p>
+            <a:endParaRPr lang="en-US" sz="3200" b="0" strike="noStrike" spc="-1">
               <a:latin typeface="Arial"/>
             </a:endParaRPr>
           </a:p>
@@ -1296,11 +1461,12 @@
           </a:prstGeom>
         </p:spPr>
         <p:txBody>
-          <a:bodyPr lIns="0" rIns="0" tIns="0" bIns="0">
+          <a:bodyPr lIns="0" tIns="0" rIns="0" bIns="0">
             <a:normAutofit/>
           </a:bodyPr>
-          <a:p>
-            <a:endParaRPr b="0" lang="en-US" sz="3200" spc="-1" strike="noStrike">
+          <a:lstStyle/>
+          <a:p>
+            <a:endParaRPr lang="en-US" sz="3200" b="0" strike="noStrike" spc="-1">
               <a:latin typeface="Arial"/>
             </a:endParaRPr>
           </a:p>
@@ -1308,11 +1474,14 @@
       </p:sp>
     </p:spTree>
   </p:cSld>
+  <p:clrMapOvr>
+    <a:masterClrMapping/>
+  </p:clrMapOvr>
 </p:sldLayout>
 </file>
 
 <file path=ppt/slideLayouts/slideLayout21.xml><?xml version="1.0" encoding="utf-8"?>
-<p:sldLayout xmlns:a="http://schemas.openxmlformats.org/drawingml/2006/main" xmlns:p="http://schemas.openxmlformats.org/presentationml/2006/main" xmlns:r="http://schemas.openxmlformats.org/officeDocument/2006/relationships" xmlns:p14="http://schemas.microsoft.com/office/powerpoint/2010/main" xmlns:p15="http://schemas.microsoft.com/office/powerpoint/2012/main" xmlns:mc="http://schemas.openxmlformats.org/markup-compatibility/2006" type="twoObjOverTx" preserve="1">
+<p:sldLayout xmlns:a="http://schemas.openxmlformats.org/drawingml/2006/main" xmlns:r="http://schemas.openxmlformats.org/officeDocument/2006/relationships" xmlns:p="http://schemas.openxmlformats.org/presentationml/2006/main" type="twoObjOverTx" preserve="1">
   <p:cSld name="Title, 2 Content over Content">
     <p:spTree>
       <p:nvGrpSpPr>
@@ -1348,10 +1517,11 @@
           </a:prstGeom>
         </p:spPr>
         <p:txBody>
-          <a:bodyPr lIns="0" rIns="0" tIns="0" bIns="0" anchor="ctr"/>
+          <a:bodyPr lIns="0" tIns="0" rIns="0" bIns="0" anchor="ctr"/>
+          <a:lstStyle/>
           <a:p>
             <a:pPr algn="ctr"/>
-            <a:endParaRPr b="0" lang="en-US" sz="4400" spc="-1" strike="noStrike">
+            <a:endParaRPr lang="en-US" sz="4400" b="0" strike="noStrike" spc="-1">
               <a:latin typeface="Arial"/>
             </a:endParaRPr>
           </a:p>
@@ -1377,11 +1547,12 @@
           </a:prstGeom>
         </p:spPr>
         <p:txBody>
-          <a:bodyPr lIns="0" rIns="0" tIns="0" bIns="0">
+          <a:bodyPr lIns="0" tIns="0" rIns="0" bIns="0">
             <a:normAutofit/>
           </a:bodyPr>
-          <a:p>
-            <a:endParaRPr b="0" lang="en-US" sz="3200" spc="-1" strike="noStrike">
+          <a:lstStyle/>
+          <a:p>
+            <a:endParaRPr lang="en-US" sz="3200" b="0" strike="noStrike" spc="-1">
               <a:latin typeface="Arial"/>
             </a:endParaRPr>
           </a:p>
@@ -1407,11 +1578,12 @@
           </a:prstGeom>
         </p:spPr>
         <p:txBody>
-          <a:bodyPr lIns="0" rIns="0" tIns="0" bIns="0">
+          <a:bodyPr lIns="0" tIns="0" rIns="0" bIns="0">
             <a:normAutofit/>
           </a:bodyPr>
-          <a:p>
-            <a:endParaRPr b="0" lang="en-US" sz="3200" spc="-1" strike="noStrike">
+          <a:lstStyle/>
+          <a:p>
+            <a:endParaRPr lang="en-US" sz="3200" b="0" strike="noStrike" spc="-1">
               <a:latin typeface="Arial"/>
             </a:endParaRPr>
           </a:p>
@@ -1437,11 +1609,12 @@
           </a:prstGeom>
         </p:spPr>
         <p:txBody>
-          <a:bodyPr lIns="0" rIns="0" tIns="0" bIns="0">
+          <a:bodyPr lIns="0" tIns="0" rIns="0" bIns="0">
             <a:normAutofit/>
           </a:bodyPr>
-          <a:p>
-            <a:endParaRPr b="0" lang="en-US" sz="3200" spc="-1" strike="noStrike">
+          <a:lstStyle/>
+          <a:p>
+            <a:endParaRPr lang="en-US" sz="3200" b="0" strike="noStrike" spc="-1">
               <a:latin typeface="Arial"/>
             </a:endParaRPr>
           </a:p>
@@ -1449,11 +1622,14 @@
       </p:sp>
     </p:spTree>
   </p:cSld>
+  <p:clrMapOvr>
+    <a:masterClrMapping/>
+  </p:clrMapOvr>
 </p:sldLayout>
 </file>
 
 <file path=ppt/slideLayouts/slideLayout22.xml><?xml version="1.0" encoding="utf-8"?>
-<p:sldLayout xmlns:a="http://schemas.openxmlformats.org/drawingml/2006/main" xmlns:p="http://schemas.openxmlformats.org/presentationml/2006/main" xmlns:r="http://schemas.openxmlformats.org/officeDocument/2006/relationships" xmlns:p14="http://schemas.microsoft.com/office/powerpoint/2010/main" xmlns:p15="http://schemas.microsoft.com/office/powerpoint/2012/main" xmlns:mc="http://schemas.openxmlformats.org/markup-compatibility/2006" type="objOverTx" preserve="1">
+<p:sldLayout xmlns:a="http://schemas.openxmlformats.org/drawingml/2006/main" xmlns:r="http://schemas.openxmlformats.org/officeDocument/2006/relationships" xmlns:p="http://schemas.openxmlformats.org/presentationml/2006/main" type="objOverTx" preserve="1">
   <p:cSld name="Title, Content over Content">
     <p:spTree>
       <p:nvGrpSpPr>
@@ -1489,10 +1665,11 @@
           </a:prstGeom>
         </p:spPr>
         <p:txBody>
-          <a:bodyPr lIns="0" rIns="0" tIns="0" bIns="0" anchor="ctr"/>
+          <a:bodyPr lIns="0" tIns="0" rIns="0" bIns="0" anchor="ctr"/>
+          <a:lstStyle/>
           <a:p>
             <a:pPr algn="ctr"/>
-            <a:endParaRPr b="0" lang="en-US" sz="4400" spc="-1" strike="noStrike">
+            <a:endParaRPr lang="en-US" sz="4400" b="0" strike="noStrike" spc="-1">
               <a:latin typeface="Arial"/>
             </a:endParaRPr>
           </a:p>
@@ -1518,11 +1695,12 @@
           </a:prstGeom>
         </p:spPr>
         <p:txBody>
-          <a:bodyPr lIns="0" rIns="0" tIns="0" bIns="0">
+          <a:bodyPr lIns="0" tIns="0" rIns="0" bIns="0">
             <a:normAutofit/>
           </a:bodyPr>
-          <a:p>
-            <a:endParaRPr b="0" lang="en-US" sz="3200" spc="-1" strike="noStrike">
+          <a:lstStyle/>
+          <a:p>
+            <a:endParaRPr lang="en-US" sz="3200" b="0" strike="noStrike" spc="-1">
               <a:latin typeface="Arial"/>
             </a:endParaRPr>
           </a:p>
@@ -1548,11 +1726,12 @@
           </a:prstGeom>
         </p:spPr>
         <p:txBody>
-          <a:bodyPr lIns="0" rIns="0" tIns="0" bIns="0">
+          <a:bodyPr lIns="0" tIns="0" rIns="0" bIns="0">
             <a:normAutofit/>
           </a:bodyPr>
-          <a:p>
-            <a:endParaRPr b="0" lang="en-US" sz="3200" spc="-1" strike="noStrike">
+          <a:lstStyle/>
+          <a:p>
+            <a:endParaRPr lang="en-US" sz="3200" b="0" strike="noStrike" spc="-1">
               <a:latin typeface="Arial"/>
             </a:endParaRPr>
           </a:p>
@@ -1560,11 +1739,14 @@
       </p:sp>
     </p:spTree>
   </p:cSld>
+  <p:clrMapOvr>
+    <a:masterClrMapping/>
+  </p:clrMapOvr>
 </p:sldLayout>
 </file>
 
 <file path=ppt/slideLayouts/slideLayout23.xml><?xml version="1.0" encoding="utf-8"?>
-<p:sldLayout xmlns:a="http://schemas.openxmlformats.org/drawingml/2006/main" xmlns:p="http://schemas.openxmlformats.org/presentationml/2006/main" xmlns:r="http://schemas.openxmlformats.org/officeDocument/2006/relationships" xmlns:p14="http://schemas.microsoft.com/office/powerpoint/2010/main" xmlns:p15="http://schemas.microsoft.com/office/powerpoint/2012/main" xmlns:mc="http://schemas.openxmlformats.org/markup-compatibility/2006" type="fourObj" preserve="1">
+<p:sldLayout xmlns:a="http://schemas.openxmlformats.org/drawingml/2006/main" xmlns:r="http://schemas.openxmlformats.org/officeDocument/2006/relationships" xmlns:p="http://schemas.openxmlformats.org/presentationml/2006/main" type="fourObj" preserve="1">
   <p:cSld name="Title, 4 Content">
     <p:spTree>
       <p:nvGrpSpPr>
@@ -1600,10 +1782,11 @@
           </a:prstGeom>
         </p:spPr>
         <p:txBody>
-          <a:bodyPr lIns="0" rIns="0" tIns="0" bIns="0" anchor="ctr"/>
+          <a:bodyPr lIns="0" tIns="0" rIns="0" bIns="0" anchor="ctr"/>
+          <a:lstStyle/>
           <a:p>
             <a:pPr algn="ctr"/>
-            <a:endParaRPr b="0" lang="en-US" sz="4400" spc="-1" strike="noStrike">
+            <a:endParaRPr lang="en-US" sz="4400" b="0" strike="noStrike" spc="-1">
               <a:latin typeface="Arial"/>
             </a:endParaRPr>
           </a:p>
@@ -1629,11 +1812,12 @@
           </a:prstGeom>
         </p:spPr>
         <p:txBody>
-          <a:bodyPr lIns="0" rIns="0" tIns="0" bIns="0">
+          <a:bodyPr lIns="0" tIns="0" rIns="0" bIns="0">
             <a:normAutofit/>
           </a:bodyPr>
-          <a:p>
-            <a:endParaRPr b="0" lang="en-US" sz="3200" spc="-1" strike="noStrike">
+          <a:lstStyle/>
+          <a:p>
+            <a:endParaRPr lang="en-US" sz="3200" b="0" strike="noStrike" spc="-1">
               <a:latin typeface="Arial"/>
             </a:endParaRPr>
           </a:p>
@@ -1659,11 +1843,12 @@
           </a:prstGeom>
         </p:spPr>
         <p:txBody>
-          <a:bodyPr lIns="0" rIns="0" tIns="0" bIns="0">
+          <a:bodyPr lIns="0" tIns="0" rIns="0" bIns="0">
             <a:normAutofit/>
           </a:bodyPr>
-          <a:p>
-            <a:endParaRPr b="0" lang="en-US" sz="3200" spc="-1" strike="noStrike">
+          <a:lstStyle/>
+          <a:p>
+            <a:endParaRPr lang="en-US" sz="3200" b="0" strike="noStrike" spc="-1">
               <a:latin typeface="Arial"/>
             </a:endParaRPr>
           </a:p>
@@ -1689,11 +1874,12 @@
           </a:prstGeom>
         </p:spPr>
         <p:txBody>
-          <a:bodyPr lIns="0" rIns="0" tIns="0" bIns="0">
+          <a:bodyPr lIns="0" tIns="0" rIns="0" bIns="0">
             <a:normAutofit/>
           </a:bodyPr>
-          <a:p>
-            <a:endParaRPr b="0" lang="en-US" sz="3200" spc="-1" strike="noStrike">
+          <a:lstStyle/>
+          <a:p>
+            <a:endParaRPr lang="en-US" sz="3200" b="0" strike="noStrike" spc="-1">
               <a:latin typeface="Arial"/>
             </a:endParaRPr>
           </a:p>
@@ -1719,11 +1905,12 @@
           </a:prstGeom>
         </p:spPr>
         <p:txBody>
-          <a:bodyPr lIns="0" rIns="0" tIns="0" bIns="0">
+          <a:bodyPr lIns="0" tIns="0" rIns="0" bIns="0">
             <a:normAutofit/>
           </a:bodyPr>
-          <a:p>
-            <a:endParaRPr b="0" lang="en-US" sz="3200" spc="-1" strike="noStrike">
+          <a:lstStyle/>
+          <a:p>
+            <a:endParaRPr lang="en-US" sz="3200" b="0" strike="noStrike" spc="-1">
               <a:latin typeface="Arial"/>
             </a:endParaRPr>
           </a:p>
@@ -1731,11 +1918,14 @@
       </p:sp>
     </p:spTree>
   </p:cSld>
+  <p:clrMapOvr>
+    <a:masterClrMapping/>
+  </p:clrMapOvr>
 </p:sldLayout>
 </file>
 
 <file path=ppt/slideLayouts/slideLayout24.xml><?xml version="1.0" encoding="utf-8"?>
-<p:sldLayout xmlns:a="http://schemas.openxmlformats.org/drawingml/2006/main" xmlns:p="http://schemas.openxmlformats.org/presentationml/2006/main" xmlns:r="http://schemas.openxmlformats.org/officeDocument/2006/relationships" xmlns:p14="http://schemas.microsoft.com/office/powerpoint/2010/main" xmlns:p15="http://schemas.microsoft.com/office/powerpoint/2012/main" xmlns:mc="http://schemas.openxmlformats.org/markup-compatibility/2006" type="blank" preserve="1">
+<p:sldLayout xmlns:a="http://schemas.openxmlformats.org/drawingml/2006/main" xmlns:r="http://schemas.openxmlformats.org/officeDocument/2006/relationships" xmlns:p="http://schemas.openxmlformats.org/presentationml/2006/main" type="blank" preserve="1">
   <p:cSld name="Title, 6 Content">
     <p:spTree>
       <p:nvGrpSpPr>
@@ -1771,10 +1961,11 @@
           </a:prstGeom>
         </p:spPr>
         <p:txBody>
-          <a:bodyPr lIns="0" rIns="0" tIns="0" bIns="0" anchor="ctr"/>
+          <a:bodyPr lIns="0" tIns="0" rIns="0" bIns="0" anchor="ctr"/>
+          <a:lstStyle/>
           <a:p>
             <a:pPr algn="ctr"/>
-            <a:endParaRPr b="0" lang="en-US" sz="4400" spc="-1" strike="noStrike">
+            <a:endParaRPr lang="en-US" sz="4400" b="0" strike="noStrike" spc="-1">
               <a:latin typeface="Arial"/>
             </a:endParaRPr>
           </a:p>
@@ -1800,11 +1991,12 @@
           </a:prstGeom>
         </p:spPr>
         <p:txBody>
-          <a:bodyPr lIns="0" rIns="0" tIns="0" bIns="0">
+          <a:bodyPr lIns="0" tIns="0" rIns="0" bIns="0">
             <a:normAutofit/>
           </a:bodyPr>
-          <a:p>
-            <a:endParaRPr b="0" lang="en-US" sz="3200" spc="-1" strike="noStrike">
+          <a:lstStyle/>
+          <a:p>
+            <a:endParaRPr lang="en-US" sz="3200" b="0" strike="noStrike" spc="-1">
               <a:latin typeface="Arial"/>
             </a:endParaRPr>
           </a:p>
@@ -1830,11 +2022,12 @@
           </a:prstGeom>
         </p:spPr>
         <p:txBody>
-          <a:bodyPr lIns="0" rIns="0" tIns="0" bIns="0">
+          <a:bodyPr lIns="0" tIns="0" rIns="0" bIns="0">
             <a:normAutofit/>
           </a:bodyPr>
-          <a:p>
-            <a:endParaRPr b="0" lang="en-US" sz="3200" spc="-1" strike="noStrike">
+          <a:lstStyle/>
+          <a:p>
+            <a:endParaRPr lang="en-US" sz="3200" b="0" strike="noStrike" spc="-1">
               <a:latin typeface="Arial"/>
             </a:endParaRPr>
           </a:p>
@@ -1860,11 +2053,12 @@
           </a:prstGeom>
         </p:spPr>
         <p:txBody>
-          <a:bodyPr lIns="0" rIns="0" tIns="0" bIns="0">
+          <a:bodyPr lIns="0" tIns="0" rIns="0" bIns="0">
             <a:normAutofit/>
           </a:bodyPr>
-          <a:p>
-            <a:endParaRPr b="0" lang="en-US" sz="3200" spc="-1" strike="noStrike">
+          <a:lstStyle/>
+          <a:p>
+            <a:endParaRPr lang="en-US" sz="3200" b="0" strike="noStrike" spc="-1">
               <a:latin typeface="Arial"/>
             </a:endParaRPr>
           </a:p>
@@ -1890,11 +2084,12 @@
           </a:prstGeom>
         </p:spPr>
         <p:txBody>
-          <a:bodyPr lIns="0" rIns="0" tIns="0" bIns="0">
+          <a:bodyPr lIns="0" tIns="0" rIns="0" bIns="0">
             <a:normAutofit/>
           </a:bodyPr>
-          <a:p>
-            <a:endParaRPr b="0" lang="en-US" sz="3200" spc="-1" strike="noStrike">
+          <a:lstStyle/>
+          <a:p>
+            <a:endParaRPr lang="en-US" sz="3200" b="0" strike="noStrike" spc="-1">
               <a:latin typeface="Arial"/>
             </a:endParaRPr>
           </a:p>
@@ -1920,11 +2115,12 @@
           </a:prstGeom>
         </p:spPr>
         <p:txBody>
-          <a:bodyPr lIns="0" rIns="0" tIns="0" bIns="0">
+          <a:bodyPr lIns="0" tIns="0" rIns="0" bIns="0">
             <a:normAutofit/>
           </a:bodyPr>
-          <a:p>
-            <a:endParaRPr b="0" lang="en-US" sz="3200" spc="-1" strike="noStrike">
+          <a:lstStyle/>
+          <a:p>
+            <a:endParaRPr lang="en-US" sz="3200" b="0" strike="noStrike" spc="-1">
               <a:latin typeface="Arial"/>
             </a:endParaRPr>
           </a:p>
@@ -1950,11 +2146,12 @@
           </a:prstGeom>
         </p:spPr>
         <p:txBody>
-          <a:bodyPr lIns="0" rIns="0" tIns="0" bIns="0">
+          <a:bodyPr lIns="0" tIns="0" rIns="0" bIns="0">
             <a:normAutofit/>
           </a:bodyPr>
-          <a:p>
-            <a:endParaRPr b="0" lang="en-US" sz="3200" spc="-1" strike="noStrike">
+          <a:lstStyle/>
+          <a:p>
+            <a:endParaRPr lang="en-US" sz="3200" b="0" strike="noStrike" spc="-1">
               <a:latin typeface="Arial"/>
             </a:endParaRPr>
           </a:p>
@@ -1962,11 +2159,14 @@
       </p:sp>
     </p:spTree>
   </p:cSld>
+  <p:clrMapOvr>
+    <a:masterClrMapping/>
+  </p:clrMapOvr>
 </p:sldLayout>
 </file>
 
 <file path=ppt/slideLayouts/slideLayout3.xml><?xml version="1.0" encoding="utf-8"?>
-<p:sldLayout xmlns:a="http://schemas.openxmlformats.org/drawingml/2006/main" xmlns:p="http://schemas.openxmlformats.org/presentationml/2006/main" xmlns:r="http://schemas.openxmlformats.org/officeDocument/2006/relationships" xmlns:p14="http://schemas.microsoft.com/office/powerpoint/2010/main" xmlns:p15="http://schemas.microsoft.com/office/powerpoint/2012/main" xmlns:mc="http://schemas.openxmlformats.org/markup-compatibility/2006" type="obj" preserve="1">
+<p:sldLayout xmlns:a="http://schemas.openxmlformats.org/drawingml/2006/main" xmlns:r="http://schemas.openxmlformats.org/officeDocument/2006/relationships" xmlns:p="http://schemas.openxmlformats.org/presentationml/2006/main" type="obj" preserve="1">
   <p:cSld name="Title, Content">
     <p:spTree>
       <p:nvGrpSpPr>
@@ -2002,10 +2202,11 @@
           </a:prstGeom>
         </p:spPr>
         <p:txBody>
-          <a:bodyPr lIns="0" rIns="0" tIns="0" bIns="0" anchor="ctr"/>
+          <a:bodyPr lIns="0" tIns="0" rIns="0" bIns="0" anchor="ctr"/>
+          <a:lstStyle/>
           <a:p>
             <a:pPr algn="ctr"/>
-            <a:endParaRPr b="0" lang="en-US" sz="4400" spc="-1" strike="noStrike">
+            <a:endParaRPr lang="en-US" sz="4400" b="0" strike="noStrike" spc="-1">
               <a:latin typeface="Arial"/>
             </a:endParaRPr>
           </a:p>
@@ -2031,11 +2232,12 @@
           </a:prstGeom>
         </p:spPr>
         <p:txBody>
-          <a:bodyPr lIns="0" rIns="0" tIns="0" bIns="0">
+          <a:bodyPr lIns="0" tIns="0" rIns="0" bIns="0">
             <a:normAutofit/>
           </a:bodyPr>
-          <a:p>
-            <a:endParaRPr b="0" lang="en-US" sz="3200" spc="-1" strike="noStrike">
+          <a:lstStyle/>
+          <a:p>
+            <a:endParaRPr lang="en-US" sz="3200" b="0" strike="noStrike" spc="-1">
               <a:latin typeface="Arial"/>
             </a:endParaRPr>
           </a:p>
@@ -2043,11 +2245,14 @@
       </p:sp>
     </p:spTree>
   </p:cSld>
+  <p:clrMapOvr>
+    <a:masterClrMapping/>
+  </p:clrMapOvr>
 </p:sldLayout>
 </file>
 
 <file path=ppt/slideLayouts/slideLayout4.xml><?xml version="1.0" encoding="utf-8"?>
-<p:sldLayout xmlns:a="http://schemas.openxmlformats.org/drawingml/2006/main" xmlns:p="http://schemas.openxmlformats.org/presentationml/2006/main" xmlns:r="http://schemas.openxmlformats.org/officeDocument/2006/relationships" xmlns:p14="http://schemas.microsoft.com/office/powerpoint/2010/main" xmlns:p15="http://schemas.microsoft.com/office/powerpoint/2012/main" xmlns:mc="http://schemas.openxmlformats.org/markup-compatibility/2006" type="twoObj" preserve="1">
+<p:sldLayout xmlns:a="http://schemas.openxmlformats.org/drawingml/2006/main" xmlns:r="http://schemas.openxmlformats.org/officeDocument/2006/relationships" xmlns:p="http://schemas.openxmlformats.org/presentationml/2006/main" type="twoObj" preserve="1">
   <p:cSld name="Title, 2 Content">
     <p:spTree>
       <p:nvGrpSpPr>
@@ -2083,10 +2288,11 @@
           </a:prstGeom>
         </p:spPr>
         <p:txBody>
-          <a:bodyPr lIns="0" rIns="0" tIns="0" bIns="0" anchor="ctr"/>
+          <a:bodyPr lIns="0" tIns="0" rIns="0" bIns="0" anchor="ctr"/>
+          <a:lstStyle/>
           <a:p>
             <a:pPr algn="ctr"/>
-            <a:endParaRPr b="0" lang="en-US" sz="4400" spc="-1" strike="noStrike">
+            <a:endParaRPr lang="en-US" sz="4400" b="0" strike="noStrike" spc="-1">
               <a:latin typeface="Arial"/>
             </a:endParaRPr>
           </a:p>
@@ -2112,11 +2318,12 @@
           </a:prstGeom>
         </p:spPr>
         <p:txBody>
-          <a:bodyPr lIns="0" rIns="0" tIns="0" bIns="0">
+          <a:bodyPr lIns="0" tIns="0" rIns="0" bIns="0">
             <a:normAutofit/>
           </a:bodyPr>
-          <a:p>
-            <a:endParaRPr b="0" lang="en-US" sz="3200" spc="-1" strike="noStrike">
+          <a:lstStyle/>
+          <a:p>
+            <a:endParaRPr lang="en-US" sz="3200" b="0" strike="noStrike" spc="-1">
               <a:latin typeface="Arial"/>
             </a:endParaRPr>
           </a:p>
@@ -2142,11 +2349,12 @@
           </a:prstGeom>
         </p:spPr>
         <p:txBody>
-          <a:bodyPr lIns="0" rIns="0" tIns="0" bIns="0">
+          <a:bodyPr lIns="0" tIns="0" rIns="0" bIns="0">
             <a:normAutofit/>
           </a:bodyPr>
-          <a:p>
-            <a:endParaRPr b="0" lang="en-US" sz="3200" spc="-1" strike="noStrike">
+          <a:lstStyle/>
+          <a:p>
+            <a:endParaRPr lang="en-US" sz="3200" b="0" strike="noStrike" spc="-1">
               <a:latin typeface="Arial"/>
             </a:endParaRPr>
           </a:p>
@@ -2154,11 +2362,14 @@
       </p:sp>
     </p:spTree>
   </p:cSld>
+  <p:clrMapOvr>
+    <a:masterClrMapping/>
+  </p:clrMapOvr>
 </p:sldLayout>
 </file>
 
 <file path=ppt/slideLayouts/slideLayout5.xml><?xml version="1.0" encoding="utf-8"?>
-<p:sldLayout xmlns:a="http://schemas.openxmlformats.org/drawingml/2006/main" xmlns:p="http://schemas.openxmlformats.org/presentationml/2006/main" xmlns:r="http://schemas.openxmlformats.org/officeDocument/2006/relationships" xmlns:p14="http://schemas.microsoft.com/office/powerpoint/2010/main" xmlns:p15="http://schemas.microsoft.com/office/powerpoint/2012/main" xmlns:mc="http://schemas.openxmlformats.org/markup-compatibility/2006" type="titleOnly" preserve="1">
+<p:sldLayout xmlns:a="http://schemas.openxmlformats.org/drawingml/2006/main" xmlns:r="http://schemas.openxmlformats.org/officeDocument/2006/relationships" xmlns:p="http://schemas.openxmlformats.org/presentationml/2006/main" type="titleOnly" preserve="1">
   <p:cSld name="Title Only">
     <p:spTree>
       <p:nvGrpSpPr>
@@ -2194,10 +2405,11 @@
           </a:prstGeom>
         </p:spPr>
         <p:txBody>
-          <a:bodyPr lIns="0" rIns="0" tIns="0" bIns="0" anchor="ctr"/>
+          <a:bodyPr lIns="0" tIns="0" rIns="0" bIns="0" anchor="ctr"/>
+          <a:lstStyle/>
           <a:p>
             <a:pPr algn="ctr"/>
-            <a:endParaRPr b="0" lang="en-US" sz="4400" spc="-1" strike="noStrike">
+            <a:endParaRPr lang="en-US" sz="4400" b="0" strike="noStrike" spc="-1">
               <a:latin typeface="Arial"/>
             </a:endParaRPr>
           </a:p>
@@ -2205,11 +2417,14 @@
       </p:sp>
     </p:spTree>
   </p:cSld>
+  <p:clrMapOvr>
+    <a:masterClrMapping/>
+  </p:clrMapOvr>
 </p:sldLayout>
 </file>
 
 <file path=ppt/slideLayouts/slideLayout6.xml><?xml version="1.0" encoding="utf-8"?>
-<p:sldLayout xmlns:a="http://schemas.openxmlformats.org/drawingml/2006/main" xmlns:p="http://schemas.openxmlformats.org/presentationml/2006/main" xmlns:r="http://schemas.openxmlformats.org/officeDocument/2006/relationships" xmlns:p14="http://schemas.microsoft.com/office/powerpoint/2010/main" xmlns:p15="http://schemas.microsoft.com/office/powerpoint/2012/main" xmlns:mc="http://schemas.openxmlformats.org/markup-compatibility/2006" type="objOnly" preserve="1">
+<p:sldLayout xmlns:a="http://schemas.openxmlformats.org/drawingml/2006/main" xmlns:r="http://schemas.openxmlformats.org/officeDocument/2006/relationships" xmlns:p="http://schemas.openxmlformats.org/presentationml/2006/main" type="objOnly" preserve="1">
   <p:cSld name="Centered Text">
     <p:spTree>
       <p:nvGrpSpPr>
@@ -2245,10 +2460,11 @@
           </a:prstGeom>
         </p:spPr>
         <p:txBody>
-          <a:bodyPr lIns="0" rIns="0" tIns="0" bIns="0" anchor="ctr"/>
+          <a:bodyPr lIns="0" tIns="0" rIns="0" bIns="0" anchor="ctr"/>
+          <a:lstStyle/>
           <a:p>
             <a:pPr algn="ctr"/>
-            <a:endParaRPr b="0" lang="en-US" sz="3200" spc="-1" strike="noStrike">
+            <a:endParaRPr lang="en-US" sz="3200" b="0" strike="noStrike" spc="-1">
               <a:latin typeface="Arial"/>
             </a:endParaRPr>
           </a:p>
@@ -2256,11 +2472,14 @@
       </p:sp>
     </p:spTree>
   </p:cSld>
+  <p:clrMapOvr>
+    <a:masterClrMapping/>
+  </p:clrMapOvr>
 </p:sldLayout>
 </file>
 
 <file path=ppt/slideLayouts/slideLayout7.xml><?xml version="1.0" encoding="utf-8"?>
-<p:sldLayout xmlns:a="http://schemas.openxmlformats.org/drawingml/2006/main" xmlns:p="http://schemas.openxmlformats.org/presentationml/2006/main" xmlns:r="http://schemas.openxmlformats.org/officeDocument/2006/relationships" xmlns:p14="http://schemas.microsoft.com/office/powerpoint/2010/main" xmlns:p15="http://schemas.microsoft.com/office/powerpoint/2012/main" xmlns:mc="http://schemas.openxmlformats.org/markup-compatibility/2006" type="twoObjAndObj" preserve="1">
+<p:sldLayout xmlns:a="http://schemas.openxmlformats.org/drawingml/2006/main" xmlns:r="http://schemas.openxmlformats.org/officeDocument/2006/relationships" xmlns:p="http://schemas.openxmlformats.org/presentationml/2006/main" type="twoObjAndObj" preserve="1">
   <p:cSld name="Title, 2 Content and Content">
     <p:spTree>
       <p:nvGrpSpPr>
@@ -2296,10 +2515,11 @@
           </a:prstGeom>
         </p:spPr>
         <p:txBody>
-          <a:bodyPr lIns="0" rIns="0" tIns="0" bIns="0" anchor="ctr"/>
+          <a:bodyPr lIns="0" tIns="0" rIns="0" bIns="0" anchor="ctr"/>
+          <a:lstStyle/>
           <a:p>
             <a:pPr algn="ctr"/>
-            <a:endParaRPr b="0" lang="en-US" sz="4400" spc="-1" strike="noStrike">
+            <a:endParaRPr lang="en-US" sz="4400" b="0" strike="noStrike" spc="-1">
               <a:latin typeface="Arial"/>
             </a:endParaRPr>
           </a:p>
@@ -2325,11 +2545,12 @@
           </a:prstGeom>
         </p:spPr>
         <p:txBody>
-          <a:bodyPr lIns="0" rIns="0" tIns="0" bIns="0">
+          <a:bodyPr lIns="0" tIns="0" rIns="0" bIns="0">
             <a:normAutofit/>
           </a:bodyPr>
-          <a:p>
-            <a:endParaRPr b="0" lang="en-US" sz="3200" spc="-1" strike="noStrike">
+          <a:lstStyle/>
+          <a:p>
+            <a:endParaRPr lang="en-US" sz="3200" b="0" strike="noStrike" spc="-1">
               <a:latin typeface="Arial"/>
             </a:endParaRPr>
           </a:p>
@@ -2355,11 +2576,12 @@
           </a:prstGeom>
         </p:spPr>
         <p:txBody>
-          <a:bodyPr lIns="0" rIns="0" tIns="0" bIns="0">
+          <a:bodyPr lIns="0" tIns="0" rIns="0" bIns="0">
             <a:normAutofit/>
           </a:bodyPr>
-          <a:p>
-            <a:endParaRPr b="0" lang="en-US" sz="3200" spc="-1" strike="noStrike">
+          <a:lstStyle/>
+          <a:p>
+            <a:endParaRPr lang="en-US" sz="3200" b="0" strike="noStrike" spc="-1">
               <a:latin typeface="Arial"/>
             </a:endParaRPr>
           </a:p>
@@ -2385,11 +2607,12 @@
           </a:prstGeom>
         </p:spPr>
         <p:txBody>
-          <a:bodyPr lIns="0" rIns="0" tIns="0" bIns="0">
+          <a:bodyPr lIns="0" tIns="0" rIns="0" bIns="0">
             <a:normAutofit/>
           </a:bodyPr>
-          <a:p>
-            <a:endParaRPr b="0" lang="en-US" sz="3200" spc="-1" strike="noStrike">
+          <a:lstStyle/>
+          <a:p>
+            <a:endParaRPr lang="en-US" sz="3200" b="0" strike="noStrike" spc="-1">
               <a:latin typeface="Arial"/>
             </a:endParaRPr>
           </a:p>
@@ -2397,11 +2620,14 @@
       </p:sp>
     </p:spTree>
   </p:cSld>
+  <p:clrMapOvr>
+    <a:masterClrMapping/>
+  </p:clrMapOvr>
 </p:sldLayout>
 </file>
 
 <file path=ppt/slideLayouts/slideLayout8.xml><?xml version="1.0" encoding="utf-8"?>
-<p:sldLayout xmlns:a="http://schemas.openxmlformats.org/drawingml/2006/main" xmlns:p="http://schemas.openxmlformats.org/presentationml/2006/main" xmlns:r="http://schemas.openxmlformats.org/officeDocument/2006/relationships" xmlns:p14="http://schemas.microsoft.com/office/powerpoint/2010/main" xmlns:p15="http://schemas.microsoft.com/office/powerpoint/2012/main" xmlns:mc="http://schemas.openxmlformats.org/markup-compatibility/2006" type="objAndTwoObj" preserve="1">
+<p:sldLayout xmlns:a="http://schemas.openxmlformats.org/drawingml/2006/main" xmlns:r="http://schemas.openxmlformats.org/officeDocument/2006/relationships" xmlns:p="http://schemas.openxmlformats.org/presentationml/2006/main" type="objAndTwoObj" preserve="1">
   <p:cSld name="Title Content and 2 Content">
     <p:spTree>
       <p:nvGrpSpPr>
@@ -2437,10 +2663,11 @@
           </a:prstGeom>
         </p:spPr>
         <p:txBody>
-          <a:bodyPr lIns="0" rIns="0" tIns="0" bIns="0" anchor="ctr"/>
+          <a:bodyPr lIns="0" tIns="0" rIns="0" bIns="0" anchor="ctr"/>
+          <a:lstStyle/>
           <a:p>
             <a:pPr algn="ctr"/>
-            <a:endParaRPr b="0" lang="en-US" sz="4400" spc="-1" strike="noStrike">
+            <a:endParaRPr lang="en-US" sz="4400" b="0" strike="noStrike" spc="-1">
               <a:latin typeface="Arial"/>
             </a:endParaRPr>
           </a:p>
@@ -2466,11 +2693,12 @@
           </a:prstGeom>
         </p:spPr>
         <p:txBody>
-          <a:bodyPr lIns="0" rIns="0" tIns="0" bIns="0">
+          <a:bodyPr lIns="0" tIns="0" rIns="0" bIns="0">
             <a:normAutofit/>
           </a:bodyPr>
-          <a:p>
-            <a:endParaRPr b="0" lang="en-US" sz="3200" spc="-1" strike="noStrike">
+          <a:lstStyle/>
+          <a:p>
+            <a:endParaRPr lang="en-US" sz="3200" b="0" strike="noStrike" spc="-1">
               <a:latin typeface="Arial"/>
             </a:endParaRPr>
           </a:p>
@@ -2496,11 +2724,12 @@
           </a:prstGeom>
         </p:spPr>
         <p:txBody>
-          <a:bodyPr lIns="0" rIns="0" tIns="0" bIns="0">
+          <a:bodyPr lIns="0" tIns="0" rIns="0" bIns="0">
             <a:normAutofit/>
           </a:bodyPr>
-          <a:p>
-            <a:endParaRPr b="0" lang="en-US" sz="3200" spc="-1" strike="noStrike">
+          <a:lstStyle/>
+          <a:p>
+            <a:endParaRPr lang="en-US" sz="3200" b="0" strike="noStrike" spc="-1">
               <a:latin typeface="Arial"/>
             </a:endParaRPr>
           </a:p>
@@ -2526,11 +2755,12 @@
           </a:prstGeom>
         </p:spPr>
         <p:txBody>
-          <a:bodyPr lIns="0" rIns="0" tIns="0" bIns="0">
+          <a:bodyPr lIns="0" tIns="0" rIns="0" bIns="0">
             <a:normAutofit/>
           </a:bodyPr>
-          <a:p>
-            <a:endParaRPr b="0" lang="en-US" sz="3200" spc="-1" strike="noStrike">
+          <a:lstStyle/>
+          <a:p>
+            <a:endParaRPr lang="en-US" sz="3200" b="0" strike="noStrike" spc="-1">
               <a:latin typeface="Arial"/>
             </a:endParaRPr>
           </a:p>
@@ -2538,11 +2768,14 @@
       </p:sp>
     </p:spTree>
   </p:cSld>
+  <p:clrMapOvr>
+    <a:masterClrMapping/>
+  </p:clrMapOvr>
 </p:sldLayout>
 </file>
 
 <file path=ppt/slideLayouts/slideLayout9.xml><?xml version="1.0" encoding="utf-8"?>
-<p:sldLayout xmlns:a="http://schemas.openxmlformats.org/drawingml/2006/main" xmlns:p="http://schemas.openxmlformats.org/presentationml/2006/main" xmlns:r="http://schemas.openxmlformats.org/officeDocument/2006/relationships" xmlns:p14="http://schemas.microsoft.com/office/powerpoint/2010/main" xmlns:p15="http://schemas.microsoft.com/office/powerpoint/2012/main" xmlns:mc="http://schemas.openxmlformats.org/markup-compatibility/2006" type="twoObjOverTx" preserve="1">
+<p:sldLayout xmlns:a="http://schemas.openxmlformats.org/drawingml/2006/main" xmlns:r="http://schemas.openxmlformats.org/officeDocument/2006/relationships" xmlns:p="http://schemas.openxmlformats.org/presentationml/2006/main" type="twoObjOverTx" preserve="1">
   <p:cSld name="Title, 2 Content over Content">
     <p:spTree>
       <p:nvGrpSpPr>
@@ -2578,10 +2811,11 @@
           </a:prstGeom>
         </p:spPr>
         <p:txBody>
-          <a:bodyPr lIns="0" rIns="0" tIns="0" bIns="0" anchor="ctr"/>
+          <a:bodyPr lIns="0" tIns="0" rIns="0" bIns="0" anchor="ctr"/>
+          <a:lstStyle/>
           <a:p>
             <a:pPr algn="ctr"/>
-            <a:endParaRPr b="0" lang="en-US" sz="4400" spc="-1" strike="noStrike">
+            <a:endParaRPr lang="en-US" sz="4400" b="0" strike="noStrike" spc="-1">
               <a:latin typeface="Arial"/>
             </a:endParaRPr>
           </a:p>
@@ -2607,11 +2841,12 @@
           </a:prstGeom>
         </p:spPr>
         <p:txBody>
-          <a:bodyPr lIns="0" rIns="0" tIns="0" bIns="0">
+          <a:bodyPr lIns="0" tIns="0" rIns="0" bIns="0">
             <a:normAutofit/>
           </a:bodyPr>
-          <a:p>
-            <a:endParaRPr b="0" lang="en-US" sz="3200" spc="-1" strike="noStrike">
+          <a:lstStyle/>
+          <a:p>
+            <a:endParaRPr lang="en-US" sz="3200" b="0" strike="noStrike" spc="-1">
               <a:latin typeface="Arial"/>
             </a:endParaRPr>
           </a:p>
@@ -2637,11 +2872,12 @@
           </a:prstGeom>
         </p:spPr>
         <p:txBody>
-          <a:bodyPr lIns="0" rIns="0" tIns="0" bIns="0">
+          <a:bodyPr lIns="0" tIns="0" rIns="0" bIns="0">
             <a:normAutofit/>
           </a:bodyPr>
-          <a:p>
-            <a:endParaRPr b="0" lang="en-US" sz="3200" spc="-1" strike="noStrike">
+          <a:lstStyle/>
+          <a:p>
+            <a:endParaRPr lang="en-US" sz="3200" b="0" strike="noStrike" spc="-1">
               <a:latin typeface="Arial"/>
             </a:endParaRPr>
           </a:p>
@@ -2667,11 +2903,12 @@
           </a:prstGeom>
         </p:spPr>
         <p:txBody>
-          <a:bodyPr lIns="0" rIns="0" tIns="0" bIns="0">
+          <a:bodyPr lIns="0" tIns="0" rIns="0" bIns="0">
             <a:normAutofit/>
           </a:bodyPr>
-          <a:p>
-            <a:endParaRPr b="0" lang="en-US" sz="3200" spc="-1" strike="noStrike">
+          <a:lstStyle/>
+          <a:p>
+            <a:endParaRPr lang="en-US" sz="3200" b="0" strike="noStrike" spc="-1">
               <a:latin typeface="Arial"/>
             </a:endParaRPr>
           </a:p>
@@ -2679,20 +2916,24 @@
       </p:sp>
     </p:spTree>
   </p:cSld>
+  <p:clrMapOvr>
+    <a:masterClrMapping/>
+  </p:clrMapOvr>
 </p:sldLayout>
 </file>
 
 <file path=ppt/slideMasters/slideMaster1.xml><?xml version="1.0" encoding="utf-8"?>
-<p:sldMaster xmlns:a="http://schemas.openxmlformats.org/drawingml/2006/main" xmlns:p="http://schemas.openxmlformats.org/presentationml/2006/main" xmlns:r="http://schemas.openxmlformats.org/officeDocument/2006/relationships" xmlns:p14="http://schemas.microsoft.com/office/powerpoint/2010/main" xmlns:p15="http://schemas.microsoft.com/office/powerpoint/2012/main" xmlns:mc="http://schemas.openxmlformats.org/markup-compatibility/2006">
+<p:sldMaster xmlns:a="http://schemas.openxmlformats.org/drawingml/2006/main" xmlns:r="http://schemas.openxmlformats.org/officeDocument/2006/relationships" xmlns:p="http://schemas.openxmlformats.org/presentationml/2006/main">
   <p:cSld>
     <p:bg>
       <p:bgPr>
         <a:blipFill rotWithShape="0">
-          <a:blip r:embed="rId2"/>
+          <a:blip r:embed="rId14"/>
           <a:stretch>
             <a:fillRect/>
           </a:stretch>
         </a:blipFill>
+        <a:effectLst/>
       </p:bgPr>
     </p:bg>
     <p:spTree>
@@ -2711,7 +2952,7 @@
       </p:grpSpPr>
       <p:grpSp>
         <p:nvGrpSpPr>
-          <p:cNvPr id="0" name="Group 1"/>
+          <p:cNvPr id="13" name="Group 1"/>
           <p:cNvGrpSpPr/>
           <p:nvPr/>
         </p:nvGrpSpPr>
@@ -2725,12 +2966,12 @@
         </p:grpSpPr>
         <p:pic>
           <p:nvPicPr>
-            <p:cNvPr id="1" name="Picture 7" descr=""/>
+            <p:cNvPr id="14" name="Picture 7"/>
             <p:cNvPicPr/>
             <p:nvPr/>
           </p:nvPicPr>
           <p:blipFill>
-            <a:blip r:embed="rId3"/>
+            <a:blip r:embed="rId15"/>
             <a:stretch/>
           </p:blipFill>
           <p:spPr>
@@ -2768,7 +3009,7 @@
               <a:miter/>
             </a:ln>
             <a:effectLst>
-              <a:innerShdw blurRad="25400" dir="13500000" dist="12700">
+              <a:innerShdw blurRad="25400" dist="12700" dir="13500000">
                 <a:srgbClr val="000000">
                   <a:alpha val="45000"/>
                 </a:srgbClr>
@@ -2790,12 +3031,12 @@
         </p:sp>
         <p:pic>
           <p:nvPicPr>
-            <p:cNvPr id="3" name="Picture 9" descr=""/>
+            <p:cNvPr id="3" name="Picture 9"/>
             <p:cNvPicPr/>
             <p:nvPr/>
           </p:nvPicPr>
           <p:blipFill>
-            <a:blip r:embed="rId4"/>
+            <a:blip r:embed="rId16"/>
             <a:stretch/>
           </p:blipFill>
           <p:spPr>
@@ -2813,12 +3054,12 @@
         </p:pic>
         <p:pic>
           <p:nvPicPr>
-            <p:cNvPr id="4" name="Picture 10" descr=""/>
+            <p:cNvPr id="4" name="Picture 10"/>
             <p:cNvPicPr/>
             <p:nvPr/>
           </p:nvPicPr>
           <p:blipFill>
-            <a:blip r:embed="rId5"/>
+            <a:blip r:embed="rId16"/>
             <a:stretch/>
           </p:blipFill>
           <p:spPr>
@@ -2851,12 +3092,12 @@
         </p:grpSpPr>
         <p:pic>
           <p:nvPicPr>
-            <p:cNvPr id="6" name="Picture 15" descr=""/>
+            <p:cNvPr id="6" name="Picture 15"/>
             <p:cNvPicPr/>
             <p:nvPr/>
           </p:nvPicPr>
           <p:blipFill>
-            <a:blip r:embed="rId6"/>
+            <a:blip r:embed="rId17"/>
             <a:stretch/>
           </p:blipFill>
           <p:spPr>
@@ -2894,7 +3135,7 @@
               <a:miter/>
             </a:ln>
             <a:effectLst>
-              <a:innerShdw blurRad="25400" dir="13500000" dist="12700">
+              <a:innerShdw blurRad="25400" dist="12700" dir="13500000">
                 <a:srgbClr val="000000">
                   <a:alpha val="45000"/>
                 </a:srgbClr>
@@ -2916,12 +3157,12 @@
         </p:sp>
         <p:pic>
           <p:nvPicPr>
-            <p:cNvPr id="8" name="Picture 16" descr=""/>
+            <p:cNvPr id="8" name="Picture 16"/>
             <p:cNvPicPr/>
             <p:nvPr/>
           </p:nvPicPr>
           <p:blipFill>
-            <a:blip r:embed="rId7"/>
+            <a:blip r:embed="rId18"/>
             <a:stretch/>
           </p:blipFill>
           <p:spPr>
@@ -2939,12 +3180,12 @@
         </p:pic>
         <p:pic>
           <p:nvPicPr>
-            <p:cNvPr id="9" name="Picture 19" descr=""/>
+            <p:cNvPr id="9" name="Picture 19"/>
             <p:cNvPicPr/>
             <p:nvPr/>
           </p:nvPicPr>
           <p:blipFill>
-            <a:blip r:embed="rId8"/>
+            <a:blip r:embed="rId18"/>
             <a:stretch/>
           </p:blipFill>
           <p:spPr>
@@ -3012,17 +3253,15 @@
           </a:prstGeom>
         </p:spPr>
         <p:txBody>
-          <a:bodyPr lIns="0" rIns="0" tIns="0" bIns="0" anchor="ctr"/>
+          <a:bodyPr lIns="0" tIns="0" rIns="0" bIns="0" anchor="ctr"/>
+          <a:lstStyle/>
           <a:p>
             <a:r>
-              <a:rPr b="0" lang="en-US" sz="1800" spc="-1" strike="noStrike">
+              <a:rPr lang="en-US" sz="1800" b="0" strike="noStrike" spc="-1">
                 <a:latin typeface="Arial"/>
               </a:rPr>
               <a:t>单击鼠标编辑标题文字格式</a:t>
             </a:r>
-            <a:endParaRPr b="0" lang="en-US" sz="1800" spc="-1" strike="noStrike">
-              <a:latin typeface="Arial"/>
-            </a:endParaRPr>
           </a:p>
         </p:txBody>
       </p:sp>
@@ -3046,9 +3285,10 @@
           </a:prstGeom>
         </p:spPr>
         <p:txBody>
-          <a:bodyPr lIns="0" rIns="0" tIns="0" bIns="0">
+          <a:bodyPr lIns="0" tIns="0" rIns="0" bIns="0">
             <a:normAutofit/>
           </a:bodyPr>
+          <a:lstStyle/>
           <a:p>
             <a:pPr marL="432000" indent="-324000">
               <a:spcBef>
@@ -3062,17 +3302,14 @@
               <a:buChar char=""/>
             </a:pPr>
             <a:r>
-              <a:rPr b="0" lang="en-US" sz="3200" spc="-1" strike="noStrike">
+              <a:rPr lang="en-US" sz="3200" b="0" strike="noStrike" spc="-1">
                 <a:latin typeface="Arial"/>
               </a:rPr>
               <a:t>单击鼠标编辑大纲文字格式</a:t>
             </a:r>
-            <a:endParaRPr b="0" lang="en-US" sz="3200" spc="-1" strike="noStrike">
-              <a:latin typeface="Arial"/>
-            </a:endParaRPr>
-          </a:p>
-          <a:p>
-            <a:pPr lvl="1" marL="864000" indent="-324000">
+          </a:p>
+          <a:p>
+            <a:pPr marL="864000" lvl="1" indent="-324000">
               <a:spcBef>
                 <a:spcPts val="1134"/>
               </a:spcBef>
@@ -3084,17 +3321,14 @@
               <a:buChar char=""/>
             </a:pPr>
             <a:r>
-              <a:rPr b="0" lang="en-US" sz="2800" spc="-1" strike="noStrike">
+              <a:rPr lang="en-US" sz="2800" b="0" strike="noStrike" spc="-1">
                 <a:latin typeface="Arial"/>
               </a:rPr>
               <a:t>第二个大纲级</a:t>
             </a:r>
-            <a:endParaRPr b="0" lang="en-US" sz="2800" spc="-1" strike="noStrike">
-              <a:latin typeface="Arial"/>
-            </a:endParaRPr>
-          </a:p>
-          <a:p>
-            <a:pPr lvl="2" marL="1296000" indent="-288000">
+          </a:p>
+          <a:p>
+            <a:pPr marL="1296000" lvl="2" indent="-288000">
               <a:spcBef>
                 <a:spcPts val="850"/>
               </a:spcBef>
@@ -3106,17 +3340,14 @@
               <a:buChar char=""/>
             </a:pPr>
             <a:r>
-              <a:rPr b="0" lang="en-US" sz="2400" spc="-1" strike="noStrike">
+              <a:rPr lang="en-US" sz="2400" b="0" strike="noStrike" spc="-1">
                 <a:latin typeface="Arial"/>
               </a:rPr>
               <a:t>第三大纲级别</a:t>
             </a:r>
-            <a:endParaRPr b="0" lang="en-US" sz="2400" spc="-1" strike="noStrike">
-              <a:latin typeface="Arial"/>
-            </a:endParaRPr>
-          </a:p>
-          <a:p>
-            <a:pPr lvl="3" marL="1728000" indent="-216000">
+          </a:p>
+          <a:p>
+            <a:pPr marL="1728000" lvl="3" indent="-216000">
               <a:spcBef>
                 <a:spcPts val="567"/>
               </a:spcBef>
@@ -3128,17 +3359,14 @@
               <a:buChar char=""/>
             </a:pPr>
             <a:r>
-              <a:rPr b="0" lang="en-US" sz="2000" spc="-1" strike="noStrike">
+              <a:rPr lang="en-US" sz="2000" b="0" strike="noStrike" spc="-1">
                 <a:latin typeface="Arial"/>
               </a:rPr>
               <a:t>第四大纲级别</a:t>
             </a:r>
-            <a:endParaRPr b="0" lang="en-US" sz="2000" spc="-1" strike="noStrike">
-              <a:latin typeface="Arial"/>
-            </a:endParaRPr>
-          </a:p>
-          <a:p>
-            <a:pPr lvl="4" marL="2160000" indent="-216000">
+          </a:p>
+          <a:p>
+            <a:pPr marL="2160000" lvl="4" indent="-216000">
               <a:spcBef>
                 <a:spcPts val="283"/>
               </a:spcBef>
@@ -3150,17 +3378,14 @@
               <a:buChar char=""/>
             </a:pPr>
             <a:r>
-              <a:rPr b="0" lang="en-US" sz="2000" spc="-1" strike="noStrike">
+              <a:rPr lang="en-US" sz="2000" b="0" strike="noStrike" spc="-1">
                 <a:latin typeface="Arial"/>
               </a:rPr>
               <a:t>第五大纲级别</a:t>
             </a:r>
-            <a:endParaRPr b="0" lang="en-US" sz="2000" spc="-1" strike="noStrike">
-              <a:latin typeface="Arial"/>
-            </a:endParaRPr>
-          </a:p>
-          <a:p>
-            <a:pPr lvl="5" marL="2592000" indent="-216000">
+          </a:p>
+          <a:p>
+            <a:pPr marL="2592000" lvl="5" indent="-216000">
               <a:spcBef>
                 <a:spcPts val="283"/>
               </a:spcBef>
@@ -3172,17 +3397,14 @@
               <a:buChar char=""/>
             </a:pPr>
             <a:r>
-              <a:rPr b="0" lang="en-US" sz="2000" spc="-1" strike="noStrike">
+              <a:rPr lang="en-US" sz="2000" b="0" strike="noStrike" spc="-1">
                 <a:latin typeface="Arial"/>
               </a:rPr>
               <a:t>第六大纲级别</a:t>
             </a:r>
-            <a:endParaRPr b="0" lang="en-US" sz="2000" spc="-1" strike="noStrike">
-              <a:latin typeface="Arial"/>
-            </a:endParaRPr>
-          </a:p>
-          <a:p>
-            <a:pPr lvl="6" marL="3024000" indent="-216000">
+          </a:p>
+          <a:p>
+            <a:pPr marL="3024000" lvl="6" indent="-216000">
               <a:spcBef>
                 <a:spcPts val="283"/>
               </a:spcBef>
@@ -3194,48 +3416,326 @@
               <a:buChar char=""/>
             </a:pPr>
             <a:r>
-              <a:rPr b="0" lang="en-US" sz="2000" spc="-1" strike="noStrike">
+              <a:rPr lang="en-US" sz="2000" b="0" strike="noStrike" spc="-1">
                 <a:latin typeface="Arial"/>
               </a:rPr>
               <a:t>第七大纲级别</a:t>
             </a:r>
-            <a:endParaRPr b="0" lang="en-US" sz="2000" spc="-1" strike="noStrike">
-              <a:latin typeface="Arial"/>
-            </a:endParaRPr>
           </a:p>
         </p:txBody>
       </p:sp>
     </p:spTree>
   </p:cSld>
-  <p:clrMap bg1="lt1" bg2="lt2" tx1="dk1" tx2="dk2" accent1="accent1" accent2="accent2" accent3="accent3" accent4="accent4" accent5="accent5" accent6="accent6" hlink="hlink" folHlink="folHlink"/>
+  <p:clrMap bg1="lt1" tx1="dk1" bg2="lt2" tx2="dk2" accent1="accent1" accent2="accent2" accent3="accent3" accent4="accent4" accent5="accent5" accent6="accent6" hlink="hlink" folHlink="folHlink"/>
   <p:sldLayoutIdLst>
-    <p:sldLayoutId id="2147483649" r:id="rId9"/>
-    <p:sldLayoutId id="2147483650" r:id="rId10"/>
-    <p:sldLayoutId id="2147483651" r:id="rId11"/>
-    <p:sldLayoutId id="2147483652" r:id="rId12"/>
-    <p:sldLayoutId id="2147483653" r:id="rId13"/>
-    <p:sldLayoutId id="2147483654" r:id="rId14"/>
-    <p:sldLayoutId id="2147483655" r:id="rId15"/>
-    <p:sldLayoutId id="2147483656" r:id="rId16"/>
-    <p:sldLayoutId id="2147483657" r:id="rId17"/>
-    <p:sldLayoutId id="2147483658" r:id="rId18"/>
-    <p:sldLayoutId id="2147483659" r:id="rId19"/>
-    <p:sldLayoutId id="2147483660" r:id="rId20"/>
+    <p:sldLayoutId id="2147483649" r:id="rId1"/>
+    <p:sldLayoutId id="2147483650" r:id="rId2"/>
+    <p:sldLayoutId id="2147483651" r:id="rId3"/>
+    <p:sldLayoutId id="2147483652" r:id="rId4"/>
+    <p:sldLayoutId id="2147483653" r:id="rId5"/>
+    <p:sldLayoutId id="2147483654" r:id="rId6"/>
+    <p:sldLayoutId id="2147483655" r:id="rId7"/>
+    <p:sldLayoutId id="2147483656" r:id="rId8"/>
+    <p:sldLayoutId id="2147483657" r:id="rId9"/>
+    <p:sldLayoutId id="2147483658" r:id="rId10"/>
+    <p:sldLayoutId id="2147483659" r:id="rId11"/>
+    <p:sldLayoutId id="2147483660" r:id="rId12"/>
   </p:sldLayoutIdLst>
+  <p:txStyles>
+    <p:titleStyle>
+      <a:lvl1pPr algn="l" defTabSz="914400" rtl="0" eaLnBrk="1" latinLnBrk="0" hangingPunct="1">
+        <a:lnSpc>
+          <a:spcPct val="90000"/>
+        </a:lnSpc>
+        <a:spcBef>
+          <a:spcPct val="0"/>
+        </a:spcBef>
+        <a:buNone/>
+        <a:defRPr sz="4400" kern="1200">
+          <a:solidFill>
+            <a:schemeClr val="tx1"/>
+          </a:solidFill>
+          <a:latin typeface="+mj-lt"/>
+          <a:ea typeface="+mj-ea"/>
+          <a:cs typeface="+mj-cs"/>
+        </a:defRPr>
+      </a:lvl1pPr>
+    </p:titleStyle>
+    <p:bodyStyle>
+      <a:lvl1pPr marL="228600" indent="-228600" algn="l" defTabSz="914400" rtl="0" eaLnBrk="1" latinLnBrk="0" hangingPunct="1">
+        <a:lnSpc>
+          <a:spcPct val="90000"/>
+        </a:lnSpc>
+        <a:spcBef>
+          <a:spcPts val="1000"/>
+        </a:spcBef>
+        <a:buFont typeface="Arial" panose="020B0604020202020204" pitchFamily="34" charset="0"/>
+        <a:buChar char="•"/>
+        <a:defRPr sz="2800" kern="1200">
+          <a:solidFill>
+            <a:schemeClr val="tx1"/>
+          </a:solidFill>
+          <a:latin typeface="+mn-lt"/>
+          <a:ea typeface="+mn-ea"/>
+          <a:cs typeface="+mn-cs"/>
+        </a:defRPr>
+      </a:lvl1pPr>
+      <a:lvl2pPr marL="685800" indent="-228600" algn="l" defTabSz="914400" rtl="0" eaLnBrk="1" latinLnBrk="0" hangingPunct="1">
+        <a:lnSpc>
+          <a:spcPct val="90000"/>
+        </a:lnSpc>
+        <a:spcBef>
+          <a:spcPts val="500"/>
+        </a:spcBef>
+        <a:buFont typeface="Arial" panose="020B0604020202020204" pitchFamily="34" charset="0"/>
+        <a:buChar char="•"/>
+        <a:defRPr sz="2400" kern="1200">
+          <a:solidFill>
+            <a:schemeClr val="tx1"/>
+          </a:solidFill>
+          <a:latin typeface="+mn-lt"/>
+          <a:ea typeface="+mn-ea"/>
+          <a:cs typeface="+mn-cs"/>
+        </a:defRPr>
+      </a:lvl2pPr>
+      <a:lvl3pPr marL="1143000" indent="-228600" algn="l" defTabSz="914400" rtl="0" eaLnBrk="1" latinLnBrk="0" hangingPunct="1">
+        <a:lnSpc>
+          <a:spcPct val="90000"/>
+        </a:lnSpc>
+        <a:spcBef>
+          <a:spcPts val="500"/>
+        </a:spcBef>
+        <a:buFont typeface="Arial" panose="020B0604020202020204" pitchFamily="34" charset="0"/>
+        <a:buChar char="•"/>
+        <a:defRPr sz="2000" kern="1200">
+          <a:solidFill>
+            <a:schemeClr val="tx1"/>
+          </a:solidFill>
+          <a:latin typeface="+mn-lt"/>
+          <a:ea typeface="+mn-ea"/>
+          <a:cs typeface="+mn-cs"/>
+        </a:defRPr>
+      </a:lvl3pPr>
+      <a:lvl4pPr marL="1600200" indent="-228600" algn="l" defTabSz="914400" rtl="0" eaLnBrk="1" latinLnBrk="0" hangingPunct="1">
+        <a:lnSpc>
+          <a:spcPct val="90000"/>
+        </a:lnSpc>
+        <a:spcBef>
+          <a:spcPts val="500"/>
+        </a:spcBef>
+        <a:buFont typeface="Arial" panose="020B0604020202020204" pitchFamily="34" charset="0"/>
+        <a:buChar char="•"/>
+        <a:defRPr sz="1800" kern="1200">
+          <a:solidFill>
+            <a:schemeClr val="tx1"/>
+          </a:solidFill>
+          <a:latin typeface="+mn-lt"/>
+          <a:ea typeface="+mn-ea"/>
+          <a:cs typeface="+mn-cs"/>
+        </a:defRPr>
+      </a:lvl4pPr>
+      <a:lvl5pPr marL="2057400" indent="-228600" algn="l" defTabSz="914400" rtl="0" eaLnBrk="1" latinLnBrk="0" hangingPunct="1">
+        <a:lnSpc>
+          <a:spcPct val="90000"/>
+        </a:lnSpc>
+        <a:spcBef>
+          <a:spcPts val="500"/>
+        </a:spcBef>
+        <a:buFont typeface="Arial" panose="020B0604020202020204" pitchFamily="34" charset="0"/>
+        <a:buChar char="•"/>
+        <a:defRPr sz="1800" kern="1200">
+          <a:solidFill>
+            <a:schemeClr val="tx1"/>
+          </a:solidFill>
+          <a:latin typeface="+mn-lt"/>
+          <a:ea typeface="+mn-ea"/>
+          <a:cs typeface="+mn-cs"/>
+        </a:defRPr>
+      </a:lvl5pPr>
+      <a:lvl6pPr marL="2514600" indent="-228600" algn="l" defTabSz="914400" rtl="0" eaLnBrk="1" latinLnBrk="0" hangingPunct="1">
+        <a:lnSpc>
+          <a:spcPct val="90000"/>
+        </a:lnSpc>
+        <a:spcBef>
+          <a:spcPts val="500"/>
+        </a:spcBef>
+        <a:buFont typeface="Arial" panose="020B0604020202020204" pitchFamily="34" charset="0"/>
+        <a:buChar char="•"/>
+        <a:defRPr sz="1800" kern="1200">
+          <a:solidFill>
+            <a:schemeClr val="tx1"/>
+          </a:solidFill>
+          <a:latin typeface="+mn-lt"/>
+          <a:ea typeface="+mn-ea"/>
+          <a:cs typeface="+mn-cs"/>
+        </a:defRPr>
+      </a:lvl6pPr>
+      <a:lvl7pPr marL="2971800" indent="-228600" algn="l" defTabSz="914400" rtl="0" eaLnBrk="1" latinLnBrk="0" hangingPunct="1">
+        <a:lnSpc>
+          <a:spcPct val="90000"/>
+        </a:lnSpc>
+        <a:spcBef>
+          <a:spcPts val="500"/>
+        </a:spcBef>
+        <a:buFont typeface="Arial" panose="020B0604020202020204" pitchFamily="34" charset="0"/>
+        <a:buChar char="•"/>
+        <a:defRPr sz="1800" kern="1200">
+          <a:solidFill>
+            <a:schemeClr val="tx1"/>
+          </a:solidFill>
+          <a:latin typeface="+mn-lt"/>
+          <a:ea typeface="+mn-ea"/>
+          <a:cs typeface="+mn-cs"/>
+        </a:defRPr>
+      </a:lvl7pPr>
+      <a:lvl8pPr marL="3429000" indent="-228600" algn="l" defTabSz="914400" rtl="0" eaLnBrk="1" latinLnBrk="0" hangingPunct="1">
+        <a:lnSpc>
+          <a:spcPct val="90000"/>
+        </a:lnSpc>
+        <a:spcBef>
+          <a:spcPts val="500"/>
+        </a:spcBef>
+        <a:buFont typeface="Arial" panose="020B0604020202020204" pitchFamily="34" charset="0"/>
+        <a:buChar char="•"/>
+        <a:defRPr sz="1800" kern="1200">
+          <a:solidFill>
+            <a:schemeClr val="tx1"/>
+          </a:solidFill>
+          <a:latin typeface="+mn-lt"/>
+          <a:ea typeface="+mn-ea"/>
+          <a:cs typeface="+mn-cs"/>
+        </a:defRPr>
+      </a:lvl8pPr>
+      <a:lvl9pPr marL="3886200" indent="-228600" algn="l" defTabSz="914400" rtl="0" eaLnBrk="1" latinLnBrk="0" hangingPunct="1">
+        <a:lnSpc>
+          <a:spcPct val="90000"/>
+        </a:lnSpc>
+        <a:spcBef>
+          <a:spcPts val="500"/>
+        </a:spcBef>
+        <a:buFont typeface="Arial" panose="020B0604020202020204" pitchFamily="34" charset="0"/>
+        <a:buChar char="•"/>
+        <a:defRPr sz="1800" kern="1200">
+          <a:solidFill>
+            <a:schemeClr val="tx1"/>
+          </a:solidFill>
+          <a:latin typeface="+mn-lt"/>
+          <a:ea typeface="+mn-ea"/>
+          <a:cs typeface="+mn-cs"/>
+        </a:defRPr>
+      </a:lvl9pPr>
+    </p:bodyStyle>
+    <p:otherStyle>
+      <a:defPPr>
+        <a:defRPr lang="zh-CN"/>
+      </a:defPPr>
+      <a:lvl1pPr marL="0" algn="l" defTabSz="914400" rtl="0" eaLnBrk="1" latinLnBrk="0" hangingPunct="1">
+        <a:defRPr sz="1800" kern="1200">
+          <a:solidFill>
+            <a:schemeClr val="tx1"/>
+          </a:solidFill>
+          <a:latin typeface="+mn-lt"/>
+          <a:ea typeface="+mn-ea"/>
+          <a:cs typeface="+mn-cs"/>
+        </a:defRPr>
+      </a:lvl1pPr>
+      <a:lvl2pPr marL="457200" algn="l" defTabSz="914400" rtl="0" eaLnBrk="1" latinLnBrk="0" hangingPunct="1">
+        <a:defRPr sz="1800" kern="1200">
+          <a:solidFill>
+            <a:schemeClr val="tx1"/>
+          </a:solidFill>
+          <a:latin typeface="+mn-lt"/>
+          <a:ea typeface="+mn-ea"/>
+          <a:cs typeface="+mn-cs"/>
+        </a:defRPr>
+      </a:lvl2pPr>
+      <a:lvl3pPr marL="914400" algn="l" defTabSz="914400" rtl="0" eaLnBrk="1" latinLnBrk="0" hangingPunct="1">
+        <a:defRPr sz="1800" kern="1200">
+          <a:solidFill>
+            <a:schemeClr val="tx1"/>
+          </a:solidFill>
+          <a:latin typeface="+mn-lt"/>
+          <a:ea typeface="+mn-ea"/>
+          <a:cs typeface="+mn-cs"/>
+        </a:defRPr>
+      </a:lvl3pPr>
+      <a:lvl4pPr marL="1371600" algn="l" defTabSz="914400" rtl="0" eaLnBrk="1" latinLnBrk="0" hangingPunct="1">
+        <a:defRPr sz="1800" kern="1200">
+          <a:solidFill>
+            <a:schemeClr val="tx1"/>
+          </a:solidFill>
+          <a:latin typeface="+mn-lt"/>
+          <a:ea typeface="+mn-ea"/>
+          <a:cs typeface="+mn-cs"/>
+        </a:defRPr>
+      </a:lvl4pPr>
+      <a:lvl5pPr marL="1828800" algn="l" defTabSz="914400" rtl="0" eaLnBrk="1" latinLnBrk="0" hangingPunct="1">
+        <a:defRPr sz="1800" kern="1200">
+          <a:solidFill>
+            <a:schemeClr val="tx1"/>
+          </a:solidFill>
+          <a:latin typeface="+mn-lt"/>
+          <a:ea typeface="+mn-ea"/>
+          <a:cs typeface="+mn-cs"/>
+        </a:defRPr>
+      </a:lvl5pPr>
+      <a:lvl6pPr marL="2286000" algn="l" defTabSz="914400" rtl="0" eaLnBrk="1" latinLnBrk="0" hangingPunct="1">
+        <a:defRPr sz="1800" kern="1200">
+          <a:solidFill>
+            <a:schemeClr val="tx1"/>
+          </a:solidFill>
+          <a:latin typeface="+mn-lt"/>
+          <a:ea typeface="+mn-ea"/>
+          <a:cs typeface="+mn-cs"/>
+        </a:defRPr>
+      </a:lvl6pPr>
+      <a:lvl7pPr marL="2743200" algn="l" defTabSz="914400" rtl="0" eaLnBrk="1" latinLnBrk="0" hangingPunct="1">
+        <a:defRPr sz="1800" kern="1200">
+          <a:solidFill>
+            <a:schemeClr val="tx1"/>
+          </a:solidFill>
+          <a:latin typeface="+mn-lt"/>
+          <a:ea typeface="+mn-ea"/>
+          <a:cs typeface="+mn-cs"/>
+        </a:defRPr>
+      </a:lvl7pPr>
+      <a:lvl8pPr marL="3200400" algn="l" defTabSz="914400" rtl="0" eaLnBrk="1" latinLnBrk="0" hangingPunct="1">
+        <a:defRPr sz="1800" kern="1200">
+          <a:solidFill>
+            <a:schemeClr val="tx1"/>
+          </a:solidFill>
+          <a:latin typeface="+mn-lt"/>
+          <a:ea typeface="+mn-ea"/>
+          <a:cs typeface="+mn-cs"/>
+        </a:defRPr>
+      </a:lvl8pPr>
+      <a:lvl9pPr marL="3657600" algn="l" defTabSz="914400" rtl="0" eaLnBrk="1" latinLnBrk="0" hangingPunct="1">
+        <a:defRPr sz="1800" kern="1200">
+          <a:solidFill>
+            <a:schemeClr val="tx1"/>
+          </a:solidFill>
+          <a:latin typeface="+mn-lt"/>
+          <a:ea typeface="+mn-ea"/>
+          <a:cs typeface="+mn-cs"/>
+        </a:defRPr>
+      </a:lvl9pPr>
+    </p:otherStyle>
+  </p:txStyles>
 </p:sldMaster>
 </file>
 
 <file path=ppt/slideMasters/slideMaster2.xml><?xml version="1.0" encoding="utf-8"?>
-<p:sldMaster xmlns:a="http://schemas.openxmlformats.org/drawingml/2006/main" xmlns:p="http://schemas.openxmlformats.org/presentationml/2006/main" xmlns:r="http://schemas.openxmlformats.org/officeDocument/2006/relationships" xmlns:p14="http://schemas.microsoft.com/office/powerpoint/2010/main" xmlns:p15="http://schemas.microsoft.com/office/powerpoint/2012/main" xmlns:mc="http://schemas.openxmlformats.org/markup-compatibility/2006">
+<p:sldMaster xmlns:a="http://schemas.openxmlformats.org/drawingml/2006/main" xmlns:r="http://schemas.openxmlformats.org/officeDocument/2006/relationships" xmlns:p="http://schemas.openxmlformats.org/presentationml/2006/main">
   <p:cSld>
     <p:bg>
       <p:bgPr>
         <a:blipFill rotWithShape="0">
-          <a:blip r:embed="rId2"/>
+          <a:blip r:embed="rId14"/>
           <a:stretch>
             <a:fillRect/>
           </a:stretch>
         </a:blipFill>
+        <a:effectLst/>
       </p:bgPr>
     </p:bg>
     <p:spTree>
@@ -3268,12 +3768,12 @@
         </p:grpSpPr>
         <p:pic>
           <p:nvPicPr>
-            <p:cNvPr id="50" name="Picture 7" descr=""/>
+            <p:cNvPr id="50" name="Picture 7"/>
             <p:cNvPicPr/>
             <p:nvPr/>
           </p:nvPicPr>
           <p:blipFill>
-            <a:blip r:embed="rId3"/>
+            <a:blip r:embed="rId15"/>
             <a:stretch/>
           </p:blipFill>
           <p:spPr>
@@ -3306,12 +3806,12 @@
             <a:noFill/>
             <a:ln w="15840">
               <a:solidFill>
-                <a:srgbClr val="4a7ebb"/>
+                <a:srgbClr val="4A7EBB"/>
               </a:solidFill>
               <a:miter/>
             </a:ln>
             <a:effectLst>
-              <a:innerShdw blurRad="25400" dir="13500000" dist="12700">
+              <a:innerShdw blurRad="25400" dist="12700" dir="13500000">
                 <a:srgbClr val="000000">
                   <a:alpha val="45000"/>
                 </a:srgbClr>
@@ -3333,12 +3833,12 @@
         </p:sp>
         <p:pic>
           <p:nvPicPr>
-            <p:cNvPr id="52" name="Picture 9" descr=""/>
+            <p:cNvPr id="52" name="Picture 9"/>
             <p:cNvPicPr/>
             <p:nvPr/>
           </p:nvPicPr>
           <p:blipFill>
-            <a:blip r:embed="rId4"/>
+            <a:blip r:embed="rId16"/>
             <a:stretch/>
           </p:blipFill>
           <p:spPr>
@@ -3356,12 +3856,12 @@
         </p:pic>
         <p:pic>
           <p:nvPicPr>
-            <p:cNvPr id="53" name="Picture 10" descr=""/>
+            <p:cNvPr id="53" name="Picture 10"/>
             <p:cNvPicPr/>
             <p:nvPr/>
           </p:nvPicPr>
           <p:blipFill>
-            <a:blip r:embed="rId5"/>
+            <a:blip r:embed="rId16"/>
             <a:stretch/>
           </p:blipFill>
           <p:spPr>
@@ -3429,18 +3929,16 @@
           </a:prstGeom>
         </p:spPr>
         <p:txBody>
-          <a:bodyPr lIns="0" rIns="0" tIns="0" bIns="0" anchor="ctr"/>
+          <a:bodyPr lIns="0" tIns="0" rIns="0" bIns="0" anchor="ctr"/>
+          <a:lstStyle/>
           <a:p>
             <a:pPr algn="ctr"/>
             <a:r>
-              <a:rPr b="0" lang="en-US" sz="4400" spc="-1" strike="noStrike">
+              <a:rPr lang="en-US" sz="4400" b="0" strike="noStrike" spc="-1">
                 <a:latin typeface="Arial"/>
               </a:rPr>
               <a:t>单击鼠标编辑标题文字格式</a:t>
             </a:r>
-            <a:endParaRPr b="0" lang="en-US" sz="4400" spc="-1" strike="noStrike">
-              <a:latin typeface="Arial"/>
-            </a:endParaRPr>
           </a:p>
         </p:txBody>
       </p:sp>
@@ -3464,9 +3962,10 @@
           </a:prstGeom>
         </p:spPr>
         <p:txBody>
-          <a:bodyPr lIns="0" rIns="0" tIns="0" bIns="0">
+          <a:bodyPr lIns="0" tIns="0" rIns="0" bIns="0">
             <a:normAutofit/>
           </a:bodyPr>
+          <a:lstStyle/>
           <a:p>
             <a:pPr marL="432000" indent="-324000">
               <a:spcBef>
@@ -3480,17 +3979,14 @@
               <a:buChar char=""/>
             </a:pPr>
             <a:r>
-              <a:rPr b="0" lang="en-US" sz="3200" spc="-1" strike="noStrike">
+              <a:rPr lang="en-US" sz="3200" b="0" strike="noStrike" spc="-1">
                 <a:latin typeface="Arial"/>
               </a:rPr>
               <a:t>单击鼠标编辑大纲文字格式</a:t>
             </a:r>
-            <a:endParaRPr b="0" lang="en-US" sz="3200" spc="-1" strike="noStrike">
-              <a:latin typeface="Arial"/>
-            </a:endParaRPr>
-          </a:p>
-          <a:p>
-            <a:pPr lvl="1" marL="864000" indent="-324000">
+          </a:p>
+          <a:p>
+            <a:pPr marL="864000" lvl="1" indent="-324000">
               <a:spcBef>
                 <a:spcPts val="1134"/>
               </a:spcBef>
@@ -3502,17 +3998,14 @@
               <a:buChar char=""/>
             </a:pPr>
             <a:r>
-              <a:rPr b="0" lang="en-US" sz="2800" spc="-1" strike="noStrike">
+              <a:rPr lang="en-US" sz="2800" b="0" strike="noStrike" spc="-1">
                 <a:latin typeface="Arial"/>
               </a:rPr>
               <a:t>第二个大纲级</a:t>
             </a:r>
-            <a:endParaRPr b="0" lang="en-US" sz="2800" spc="-1" strike="noStrike">
-              <a:latin typeface="Arial"/>
-            </a:endParaRPr>
-          </a:p>
-          <a:p>
-            <a:pPr lvl="2" marL="1296000" indent="-288000">
+          </a:p>
+          <a:p>
+            <a:pPr marL="1296000" lvl="2" indent="-288000">
               <a:spcBef>
                 <a:spcPts val="850"/>
               </a:spcBef>
@@ -3524,17 +4017,14 @@
               <a:buChar char=""/>
             </a:pPr>
             <a:r>
-              <a:rPr b="0" lang="en-US" sz="2400" spc="-1" strike="noStrike">
+              <a:rPr lang="en-US" sz="2400" b="0" strike="noStrike" spc="-1">
                 <a:latin typeface="Arial"/>
               </a:rPr>
               <a:t>第三大纲级别</a:t>
             </a:r>
-            <a:endParaRPr b="0" lang="en-US" sz="2400" spc="-1" strike="noStrike">
-              <a:latin typeface="Arial"/>
-            </a:endParaRPr>
-          </a:p>
-          <a:p>
-            <a:pPr lvl="3" marL="1728000" indent="-216000">
+          </a:p>
+          <a:p>
+            <a:pPr marL="1728000" lvl="3" indent="-216000">
               <a:spcBef>
                 <a:spcPts val="567"/>
               </a:spcBef>
@@ -3546,17 +4036,14 @@
               <a:buChar char=""/>
             </a:pPr>
             <a:r>
-              <a:rPr b="0" lang="en-US" sz="2000" spc="-1" strike="noStrike">
+              <a:rPr lang="en-US" sz="2000" b="0" strike="noStrike" spc="-1">
                 <a:latin typeface="Arial"/>
               </a:rPr>
               <a:t>第四大纲级别</a:t>
             </a:r>
-            <a:endParaRPr b="0" lang="en-US" sz="2000" spc="-1" strike="noStrike">
-              <a:latin typeface="Arial"/>
-            </a:endParaRPr>
-          </a:p>
-          <a:p>
-            <a:pPr lvl="4" marL="2160000" indent="-216000">
+          </a:p>
+          <a:p>
+            <a:pPr marL="2160000" lvl="4" indent="-216000">
               <a:spcBef>
                 <a:spcPts val="283"/>
               </a:spcBef>
@@ -3568,17 +4055,14 @@
               <a:buChar char=""/>
             </a:pPr>
             <a:r>
-              <a:rPr b="0" lang="en-US" sz="2000" spc="-1" strike="noStrike">
+              <a:rPr lang="en-US" sz="2000" b="0" strike="noStrike" spc="-1">
                 <a:latin typeface="Arial"/>
               </a:rPr>
               <a:t>第五大纲级别</a:t>
             </a:r>
-            <a:endParaRPr b="0" lang="en-US" sz="2000" spc="-1" strike="noStrike">
-              <a:latin typeface="Arial"/>
-            </a:endParaRPr>
-          </a:p>
-          <a:p>
-            <a:pPr lvl="5" marL="2592000" indent="-216000">
+          </a:p>
+          <a:p>
+            <a:pPr marL="2592000" lvl="5" indent="-216000">
               <a:spcBef>
                 <a:spcPts val="283"/>
               </a:spcBef>
@@ -3590,17 +4074,14 @@
               <a:buChar char=""/>
             </a:pPr>
             <a:r>
-              <a:rPr b="0" lang="en-US" sz="2000" spc="-1" strike="noStrike">
+              <a:rPr lang="en-US" sz="2000" b="0" strike="noStrike" spc="-1">
                 <a:latin typeface="Arial"/>
               </a:rPr>
               <a:t>第六大纲级别</a:t>
             </a:r>
-            <a:endParaRPr b="0" lang="en-US" sz="2000" spc="-1" strike="noStrike">
-              <a:latin typeface="Arial"/>
-            </a:endParaRPr>
-          </a:p>
-          <a:p>
-            <a:pPr lvl="6" marL="3024000" indent="-216000">
+          </a:p>
+          <a:p>
+            <a:pPr marL="3024000" lvl="6" indent="-216000">
               <a:spcBef>
                 <a:spcPts val="283"/>
               </a:spcBef>
@@ -3612,39 +4093,316 @@
               <a:buChar char=""/>
             </a:pPr>
             <a:r>
-              <a:rPr b="0" lang="en-US" sz="2000" spc="-1" strike="noStrike">
+              <a:rPr lang="en-US" sz="2000" b="0" strike="noStrike" spc="-1">
                 <a:latin typeface="Arial"/>
               </a:rPr>
               <a:t>第七大纲级别</a:t>
             </a:r>
-            <a:endParaRPr b="0" lang="en-US" sz="2000" spc="-1" strike="noStrike">
-              <a:latin typeface="Arial"/>
-            </a:endParaRPr>
           </a:p>
         </p:txBody>
       </p:sp>
     </p:spTree>
   </p:cSld>
-  <p:clrMap bg1="lt1" bg2="lt2" tx1="dk1" tx2="dk2" accent1="accent1" accent2="accent2" accent3="accent3" accent4="accent4" accent5="accent5" accent6="accent6" hlink="hlink" folHlink="folHlink"/>
+  <p:clrMap bg1="lt1" tx1="dk1" bg2="lt2" tx2="dk2" accent1="accent1" accent2="accent2" accent3="accent3" accent4="accent4" accent5="accent5" accent6="accent6" hlink="hlink" folHlink="folHlink"/>
   <p:sldLayoutIdLst>
-    <p:sldLayoutId id="2147483662" r:id="rId6"/>
-    <p:sldLayoutId id="2147483663" r:id="rId7"/>
-    <p:sldLayoutId id="2147483664" r:id="rId8"/>
-    <p:sldLayoutId id="2147483665" r:id="rId9"/>
-    <p:sldLayoutId id="2147483666" r:id="rId10"/>
-    <p:sldLayoutId id="2147483667" r:id="rId11"/>
-    <p:sldLayoutId id="2147483668" r:id="rId12"/>
-    <p:sldLayoutId id="2147483669" r:id="rId13"/>
-    <p:sldLayoutId id="2147483670" r:id="rId14"/>
-    <p:sldLayoutId id="2147483671" r:id="rId15"/>
-    <p:sldLayoutId id="2147483672" r:id="rId16"/>
-    <p:sldLayoutId id="2147483673" r:id="rId17"/>
+    <p:sldLayoutId id="2147483662" r:id="rId1"/>
+    <p:sldLayoutId id="2147483663" r:id="rId2"/>
+    <p:sldLayoutId id="2147483664" r:id="rId3"/>
+    <p:sldLayoutId id="2147483665" r:id="rId4"/>
+    <p:sldLayoutId id="2147483666" r:id="rId5"/>
+    <p:sldLayoutId id="2147483667" r:id="rId6"/>
+    <p:sldLayoutId id="2147483668" r:id="rId7"/>
+    <p:sldLayoutId id="2147483669" r:id="rId8"/>
+    <p:sldLayoutId id="2147483670" r:id="rId9"/>
+    <p:sldLayoutId id="2147483671" r:id="rId10"/>
+    <p:sldLayoutId id="2147483672" r:id="rId11"/>
+    <p:sldLayoutId id="2147483673" r:id="rId12"/>
   </p:sldLayoutIdLst>
+  <p:txStyles>
+    <p:titleStyle>
+      <a:lvl1pPr algn="l" defTabSz="914400" rtl="0" eaLnBrk="1" latinLnBrk="0" hangingPunct="1">
+        <a:lnSpc>
+          <a:spcPct val="90000"/>
+        </a:lnSpc>
+        <a:spcBef>
+          <a:spcPct val="0"/>
+        </a:spcBef>
+        <a:buNone/>
+        <a:defRPr sz="4400" kern="1200">
+          <a:solidFill>
+            <a:schemeClr val="tx1"/>
+          </a:solidFill>
+          <a:latin typeface="+mj-lt"/>
+          <a:ea typeface="+mj-ea"/>
+          <a:cs typeface="+mj-cs"/>
+        </a:defRPr>
+      </a:lvl1pPr>
+    </p:titleStyle>
+    <p:bodyStyle>
+      <a:lvl1pPr marL="228600" indent="-228600" algn="l" defTabSz="914400" rtl="0" eaLnBrk="1" latinLnBrk="0" hangingPunct="1">
+        <a:lnSpc>
+          <a:spcPct val="90000"/>
+        </a:lnSpc>
+        <a:spcBef>
+          <a:spcPts val="1000"/>
+        </a:spcBef>
+        <a:buFont typeface="Arial" panose="020B0604020202020204" pitchFamily="34" charset="0"/>
+        <a:buChar char="•"/>
+        <a:defRPr sz="2800" kern="1200">
+          <a:solidFill>
+            <a:schemeClr val="tx1"/>
+          </a:solidFill>
+          <a:latin typeface="+mn-lt"/>
+          <a:ea typeface="+mn-ea"/>
+          <a:cs typeface="+mn-cs"/>
+        </a:defRPr>
+      </a:lvl1pPr>
+      <a:lvl2pPr marL="685800" indent="-228600" algn="l" defTabSz="914400" rtl="0" eaLnBrk="1" latinLnBrk="0" hangingPunct="1">
+        <a:lnSpc>
+          <a:spcPct val="90000"/>
+        </a:lnSpc>
+        <a:spcBef>
+          <a:spcPts val="500"/>
+        </a:spcBef>
+        <a:buFont typeface="Arial" panose="020B0604020202020204" pitchFamily="34" charset="0"/>
+        <a:buChar char="•"/>
+        <a:defRPr sz="2400" kern="1200">
+          <a:solidFill>
+            <a:schemeClr val="tx1"/>
+          </a:solidFill>
+          <a:latin typeface="+mn-lt"/>
+          <a:ea typeface="+mn-ea"/>
+          <a:cs typeface="+mn-cs"/>
+        </a:defRPr>
+      </a:lvl2pPr>
+      <a:lvl3pPr marL="1143000" indent="-228600" algn="l" defTabSz="914400" rtl="0" eaLnBrk="1" latinLnBrk="0" hangingPunct="1">
+        <a:lnSpc>
+          <a:spcPct val="90000"/>
+        </a:lnSpc>
+        <a:spcBef>
+          <a:spcPts val="500"/>
+        </a:spcBef>
+        <a:buFont typeface="Arial" panose="020B0604020202020204" pitchFamily="34" charset="0"/>
+        <a:buChar char="•"/>
+        <a:defRPr sz="2000" kern="1200">
+          <a:solidFill>
+            <a:schemeClr val="tx1"/>
+          </a:solidFill>
+          <a:latin typeface="+mn-lt"/>
+          <a:ea typeface="+mn-ea"/>
+          <a:cs typeface="+mn-cs"/>
+        </a:defRPr>
+      </a:lvl3pPr>
+      <a:lvl4pPr marL="1600200" indent="-228600" algn="l" defTabSz="914400" rtl="0" eaLnBrk="1" latinLnBrk="0" hangingPunct="1">
+        <a:lnSpc>
+          <a:spcPct val="90000"/>
+        </a:lnSpc>
+        <a:spcBef>
+          <a:spcPts val="500"/>
+        </a:spcBef>
+        <a:buFont typeface="Arial" panose="020B0604020202020204" pitchFamily="34" charset="0"/>
+        <a:buChar char="•"/>
+        <a:defRPr sz="1800" kern="1200">
+          <a:solidFill>
+            <a:schemeClr val="tx1"/>
+          </a:solidFill>
+          <a:latin typeface="+mn-lt"/>
+          <a:ea typeface="+mn-ea"/>
+          <a:cs typeface="+mn-cs"/>
+        </a:defRPr>
+      </a:lvl4pPr>
+      <a:lvl5pPr marL="2057400" indent="-228600" algn="l" defTabSz="914400" rtl="0" eaLnBrk="1" latinLnBrk="0" hangingPunct="1">
+        <a:lnSpc>
+          <a:spcPct val="90000"/>
+        </a:lnSpc>
+        <a:spcBef>
+          <a:spcPts val="500"/>
+        </a:spcBef>
+        <a:buFont typeface="Arial" panose="020B0604020202020204" pitchFamily="34" charset="0"/>
+        <a:buChar char="•"/>
+        <a:defRPr sz="1800" kern="1200">
+          <a:solidFill>
+            <a:schemeClr val="tx1"/>
+          </a:solidFill>
+          <a:latin typeface="+mn-lt"/>
+          <a:ea typeface="+mn-ea"/>
+          <a:cs typeface="+mn-cs"/>
+        </a:defRPr>
+      </a:lvl5pPr>
+      <a:lvl6pPr marL="2514600" indent="-228600" algn="l" defTabSz="914400" rtl="0" eaLnBrk="1" latinLnBrk="0" hangingPunct="1">
+        <a:lnSpc>
+          <a:spcPct val="90000"/>
+        </a:lnSpc>
+        <a:spcBef>
+          <a:spcPts val="500"/>
+        </a:spcBef>
+        <a:buFont typeface="Arial" panose="020B0604020202020204" pitchFamily="34" charset="0"/>
+        <a:buChar char="•"/>
+        <a:defRPr sz="1800" kern="1200">
+          <a:solidFill>
+            <a:schemeClr val="tx1"/>
+          </a:solidFill>
+          <a:latin typeface="+mn-lt"/>
+          <a:ea typeface="+mn-ea"/>
+          <a:cs typeface="+mn-cs"/>
+        </a:defRPr>
+      </a:lvl6pPr>
+      <a:lvl7pPr marL="2971800" indent="-228600" algn="l" defTabSz="914400" rtl="0" eaLnBrk="1" latinLnBrk="0" hangingPunct="1">
+        <a:lnSpc>
+          <a:spcPct val="90000"/>
+        </a:lnSpc>
+        <a:spcBef>
+          <a:spcPts val="500"/>
+        </a:spcBef>
+        <a:buFont typeface="Arial" panose="020B0604020202020204" pitchFamily="34" charset="0"/>
+        <a:buChar char="•"/>
+        <a:defRPr sz="1800" kern="1200">
+          <a:solidFill>
+            <a:schemeClr val="tx1"/>
+          </a:solidFill>
+          <a:latin typeface="+mn-lt"/>
+          <a:ea typeface="+mn-ea"/>
+          <a:cs typeface="+mn-cs"/>
+        </a:defRPr>
+      </a:lvl7pPr>
+      <a:lvl8pPr marL="3429000" indent="-228600" algn="l" defTabSz="914400" rtl="0" eaLnBrk="1" latinLnBrk="0" hangingPunct="1">
+        <a:lnSpc>
+          <a:spcPct val="90000"/>
+        </a:lnSpc>
+        <a:spcBef>
+          <a:spcPts val="500"/>
+        </a:spcBef>
+        <a:buFont typeface="Arial" panose="020B0604020202020204" pitchFamily="34" charset="0"/>
+        <a:buChar char="•"/>
+        <a:defRPr sz="1800" kern="1200">
+          <a:solidFill>
+            <a:schemeClr val="tx1"/>
+          </a:solidFill>
+          <a:latin typeface="+mn-lt"/>
+          <a:ea typeface="+mn-ea"/>
+          <a:cs typeface="+mn-cs"/>
+        </a:defRPr>
+      </a:lvl8pPr>
+      <a:lvl9pPr marL="3886200" indent="-228600" algn="l" defTabSz="914400" rtl="0" eaLnBrk="1" latinLnBrk="0" hangingPunct="1">
+        <a:lnSpc>
+          <a:spcPct val="90000"/>
+        </a:lnSpc>
+        <a:spcBef>
+          <a:spcPts val="500"/>
+        </a:spcBef>
+        <a:buFont typeface="Arial" panose="020B0604020202020204" pitchFamily="34" charset="0"/>
+        <a:buChar char="•"/>
+        <a:defRPr sz="1800" kern="1200">
+          <a:solidFill>
+            <a:schemeClr val="tx1"/>
+          </a:solidFill>
+          <a:latin typeface="+mn-lt"/>
+          <a:ea typeface="+mn-ea"/>
+          <a:cs typeface="+mn-cs"/>
+        </a:defRPr>
+      </a:lvl9pPr>
+    </p:bodyStyle>
+    <p:otherStyle>
+      <a:defPPr>
+        <a:defRPr lang="zh-CN"/>
+      </a:defPPr>
+      <a:lvl1pPr marL="0" algn="l" defTabSz="914400" rtl="0" eaLnBrk="1" latinLnBrk="0" hangingPunct="1">
+        <a:defRPr sz="1800" kern="1200">
+          <a:solidFill>
+            <a:schemeClr val="tx1"/>
+          </a:solidFill>
+          <a:latin typeface="+mn-lt"/>
+          <a:ea typeface="+mn-ea"/>
+          <a:cs typeface="+mn-cs"/>
+        </a:defRPr>
+      </a:lvl1pPr>
+      <a:lvl2pPr marL="457200" algn="l" defTabSz="914400" rtl="0" eaLnBrk="1" latinLnBrk="0" hangingPunct="1">
+        <a:defRPr sz="1800" kern="1200">
+          <a:solidFill>
+            <a:schemeClr val="tx1"/>
+          </a:solidFill>
+          <a:latin typeface="+mn-lt"/>
+          <a:ea typeface="+mn-ea"/>
+          <a:cs typeface="+mn-cs"/>
+        </a:defRPr>
+      </a:lvl2pPr>
+      <a:lvl3pPr marL="914400" algn="l" defTabSz="914400" rtl="0" eaLnBrk="1" latinLnBrk="0" hangingPunct="1">
+        <a:defRPr sz="1800" kern="1200">
+          <a:solidFill>
+            <a:schemeClr val="tx1"/>
+          </a:solidFill>
+          <a:latin typeface="+mn-lt"/>
+          <a:ea typeface="+mn-ea"/>
+          <a:cs typeface="+mn-cs"/>
+        </a:defRPr>
+      </a:lvl3pPr>
+      <a:lvl4pPr marL="1371600" algn="l" defTabSz="914400" rtl="0" eaLnBrk="1" latinLnBrk="0" hangingPunct="1">
+        <a:defRPr sz="1800" kern="1200">
+          <a:solidFill>
+            <a:schemeClr val="tx1"/>
+          </a:solidFill>
+          <a:latin typeface="+mn-lt"/>
+          <a:ea typeface="+mn-ea"/>
+          <a:cs typeface="+mn-cs"/>
+        </a:defRPr>
+      </a:lvl4pPr>
+      <a:lvl5pPr marL="1828800" algn="l" defTabSz="914400" rtl="0" eaLnBrk="1" latinLnBrk="0" hangingPunct="1">
+        <a:defRPr sz="1800" kern="1200">
+          <a:solidFill>
+            <a:schemeClr val="tx1"/>
+          </a:solidFill>
+          <a:latin typeface="+mn-lt"/>
+          <a:ea typeface="+mn-ea"/>
+          <a:cs typeface="+mn-cs"/>
+        </a:defRPr>
+      </a:lvl5pPr>
+      <a:lvl6pPr marL="2286000" algn="l" defTabSz="914400" rtl="0" eaLnBrk="1" latinLnBrk="0" hangingPunct="1">
+        <a:defRPr sz="1800" kern="1200">
+          <a:solidFill>
+            <a:schemeClr val="tx1"/>
+          </a:solidFill>
+          <a:latin typeface="+mn-lt"/>
+          <a:ea typeface="+mn-ea"/>
+          <a:cs typeface="+mn-cs"/>
+        </a:defRPr>
+      </a:lvl6pPr>
+      <a:lvl7pPr marL="2743200" algn="l" defTabSz="914400" rtl="0" eaLnBrk="1" latinLnBrk="0" hangingPunct="1">
+        <a:defRPr sz="1800" kern="1200">
+          <a:solidFill>
+            <a:schemeClr val="tx1"/>
+          </a:solidFill>
+          <a:latin typeface="+mn-lt"/>
+          <a:ea typeface="+mn-ea"/>
+          <a:cs typeface="+mn-cs"/>
+        </a:defRPr>
+      </a:lvl7pPr>
+      <a:lvl8pPr marL="3200400" algn="l" defTabSz="914400" rtl="0" eaLnBrk="1" latinLnBrk="0" hangingPunct="1">
+        <a:defRPr sz="1800" kern="1200">
+          <a:solidFill>
+            <a:schemeClr val="tx1"/>
+          </a:solidFill>
+          <a:latin typeface="+mn-lt"/>
+          <a:ea typeface="+mn-ea"/>
+          <a:cs typeface="+mn-cs"/>
+        </a:defRPr>
+      </a:lvl8pPr>
+      <a:lvl9pPr marL="3657600" algn="l" defTabSz="914400" rtl="0" eaLnBrk="1" latinLnBrk="0" hangingPunct="1">
+        <a:defRPr sz="1800" kern="1200">
+          <a:solidFill>
+            <a:schemeClr val="tx1"/>
+          </a:solidFill>
+          <a:latin typeface="+mn-lt"/>
+          <a:ea typeface="+mn-ea"/>
+          <a:cs typeface="+mn-cs"/>
+        </a:defRPr>
+      </a:lvl9pPr>
+    </p:otherStyle>
+  </p:txStyles>
 </p:sldMaster>
 </file>
 
 <file path=ppt/slides/slide1.xml><?xml version="1.0" encoding="utf-8"?>
-<p:sld xmlns:a="http://schemas.openxmlformats.org/drawingml/2006/main" xmlns:p="http://schemas.openxmlformats.org/presentationml/2006/main" xmlns:r="http://schemas.openxmlformats.org/officeDocument/2006/relationships" xmlns:p14="http://schemas.microsoft.com/office/powerpoint/2010/main" xmlns:p15="http://schemas.microsoft.com/office/powerpoint/2012/main" xmlns:mc="http://schemas.openxmlformats.org/markup-compatibility/2006">
+<p:sld xmlns:a="http://schemas.openxmlformats.org/drawingml/2006/main" xmlns:r="http://schemas.openxmlformats.org/officeDocument/2006/relationships" xmlns:p="http://schemas.openxmlformats.org/presentationml/2006/main">
   <p:cSld>
     <p:spTree>
       <p:nvGrpSpPr>
@@ -3680,13 +4438,20 @@
           </a:ln>
         </p:spPr>
         <p:style>
-          <a:lnRef idx="0"/>
-          <a:fillRef idx="0"/>
-          <a:effectRef idx="0"/>
+          <a:lnRef idx="0">
+            <a:scrgbClr r="0" g="0" b="0"/>
+          </a:lnRef>
+          <a:fillRef idx="0">
+            <a:scrgbClr r="0" g="0" b="0"/>
+          </a:fillRef>
+          <a:effectRef idx="0">
+            <a:scrgbClr r="0" g="0" b="0"/>
+          </a:effectRef>
           <a:fontRef idx="minor"/>
         </p:style>
         <p:txBody>
-          <a:bodyPr lIns="90000" rIns="90000" tIns="45000" bIns="45000" anchor="b"/>
+          <a:bodyPr lIns="90000" tIns="45000" rIns="90000" bIns="45000" anchor="b"/>
+          <a:lstStyle/>
           <a:p>
             <a:pPr algn="ctr">
               <a:lnSpc>
@@ -3694,7 +4459,7 @@
               </a:lnSpc>
             </a:pPr>
             <a:r>
-              <a:rPr b="0" lang="en-US" sz="5400" spc="-1" strike="noStrike">
+              <a:rPr lang="en-US" sz="5400" b="0" strike="noStrike" spc="-1">
                 <a:solidFill>
                   <a:srgbClr val="262626"/>
                 </a:solidFill>
@@ -3702,7 +4467,7 @@
               </a:rPr>
               <a:t>句子分类</a:t>
             </a:r>
-            <a:endParaRPr b="0" lang="en-US" sz="5400" spc="-1" strike="noStrike">
+            <a:endParaRPr lang="en-US" sz="5400" b="0" strike="noStrike" spc="-1">
               <a:latin typeface="Arial"/>
             </a:endParaRPr>
           </a:p>
@@ -3728,13 +4493,20 @@
           </a:ln>
         </p:spPr>
         <p:style>
-          <a:lnRef idx="0"/>
-          <a:fillRef idx="0"/>
-          <a:effectRef idx="0"/>
+          <a:lnRef idx="0">
+            <a:scrgbClr r="0" g="0" b="0"/>
+          </a:lnRef>
+          <a:fillRef idx="0">
+            <a:scrgbClr r="0" g="0" b="0"/>
+          </a:fillRef>
+          <a:effectRef idx="0">
+            <a:scrgbClr r="0" g="0" b="0"/>
+          </a:effectRef>
           <a:fontRef idx="minor"/>
         </p:style>
         <p:txBody>
-          <a:bodyPr lIns="90000" rIns="90000" tIns="45000" bIns="45000"/>
+          <a:bodyPr lIns="90000" tIns="45000" rIns="90000" bIns="45000"/>
+          <a:lstStyle/>
           <a:p>
             <a:pPr algn="ctr">
               <a:lnSpc>
@@ -3748,7 +4520,7 @@
               </a:spcAft>
             </a:pPr>
             <a:r>
-              <a:rPr b="0" lang="en-US" sz="2100" spc="-1" strike="noStrike">
+              <a:rPr lang="en-US" sz="2100" b="0" strike="noStrike" spc="-1">
                 <a:solidFill>
                   <a:srgbClr val="000000"/>
                 </a:solidFill>
@@ -3756,7 +4528,7 @@
               </a:rPr>
               <a:t>张凯</a:t>
             </a:r>
-            <a:endParaRPr b="0" lang="en-US" sz="2100" spc="-1" strike="noStrike">
+            <a:endParaRPr lang="en-US" sz="2100" b="0" strike="noStrike" spc="-1">
               <a:latin typeface="Arial"/>
             </a:endParaRPr>
           </a:p>
@@ -3764,6 +4536,9 @@
       </p:sp>
     </p:spTree>
   </p:cSld>
+  <p:clrMapOvr>
+    <a:masterClrMapping/>
+  </p:clrMapOvr>
   <p:timing>
     <p:tnLst>
       <p:par>
@@ -3772,14 +4547,14 @@
             <p:seq>
               <p:cTn id="2" dur="indefinite" nodeType="mainSeq"/>
               <p:prevCondLst>
-                <p:cond delay="0" evt="onPrev">
+                <p:cond evt="onPrev" delay="0">
                   <p:tgtEl>
                     <p:sldTgt/>
                   </p:tgtEl>
                 </p:cond>
               </p:prevCondLst>
               <p:nextCondLst>
-                <p:cond delay="0" evt="onNext">
+                <p:cond evt="onNext" delay="0">
                   <p:tgtEl>
                     <p:sldTgt/>
                   </p:tgtEl>
@@ -3795,7 +4570,7 @@
 </file>
 
 <file path=ppt/slides/slide2.xml><?xml version="1.0" encoding="utf-8"?>
-<p:sld xmlns:a="http://schemas.openxmlformats.org/drawingml/2006/main" xmlns:p="http://schemas.openxmlformats.org/presentationml/2006/main" xmlns:r="http://schemas.openxmlformats.org/officeDocument/2006/relationships" xmlns:p14="http://schemas.microsoft.com/office/powerpoint/2010/main" xmlns:p15="http://schemas.microsoft.com/office/powerpoint/2012/main" xmlns:mc="http://schemas.openxmlformats.org/markup-compatibility/2006">
+<p:sld xmlns:a="http://schemas.openxmlformats.org/drawingml/2006/main" xmlns:r="http://schemas.openxmlformats.org/officeDocument/2006/relationships" xmlns:p="http://schemas.openxmlformats.org/presentationml/2006/main">
   <p:cSld>
     <p:spTree>
       <p:nvGrpSpPr>
@@ -3831,13 +4606,20 @@
           </a:ln>
         </p:spPr>
         <p:style>
-          <a:lnRef idx="0"/>
-          <a:fillRef idx="0"/>
-          <a:effectRef idx="0"/>
+          <a:lnRef idx="0">
+            <a:scrgbClr r="0" g="0" b="0"/>
+          </a:lnRef>
+          <a:fillRef idx="0">
+            <a:scrgbClr r="0" g="0" b="0"/>
+          </a:fillRef>
+          <a:effectRef idx="0">
+            <a:scrgbClr r="0" g="0" b="0"/>
+          </a:effectRef>
           <a:fontRef idx="minor"/>
         </p:style>
         <p:txBody>
-          <a:bodyPr lIns="90000" rIns="90000" tIns="45000" bIns="45000" anchor="ctr"/>
+          <a:bodyPr lIns="90000" tIns="45000" rIns="90000" bIns="45000" anchor="ctr"/>
+          <a:lstStyle/>
           <a:p>
             <a:pPr algn="ctr">
               <a:lnSpc>
@@ -3845,7 +4627,7 @@
               </a:lnSpc>
             </a:pPr>
             <a:r>
-              <a:rPr b="0" lang="en-US" sz="4400" spc="-1" strike="noStrike">
+              <a:rPr lang="en-US" sz="4400" b="0" strike="noStrike" spc="-1">
                 <a:solidFill>
                   <a:srgbClr val="262626"/>
                 </a:solidFill>
@@ -3853,7 +4635,7 @@
               </a:rPr>
               <a:t>类别与数据源</a:t>
             </a:r>
-            <a:endParaRPr b="0" lang="en-US" sz="4400" spc="-1" strike="noStrike">
+            <a:endParaRPr lang="en-US" sz="4400" b="0" strike="noStrike" spc="-1">
               <a:latin typeface="Arial"/>
             </a:endParaRPr>
           </a:p>
@@ -3879,13 +4661,20 @@
           </a:ln>
         </p:spPr>
         <p:style>
-          <a:lnRef idx="0"/>
-          <a:fillRef idx="0"/>
-          <a:effectRef idx="0"/>
+          <a:lnRef idx="0">
+            <a:scrgbClr r="0" g="0" b="0"/>
+          </a:lnRef>
+          <a:fillRef idx="0">
+            <a:scrgbClr r="0" g="0" b="0"/>
+          </a:fillRef>
+          <a:effectRef idx="0">
+            <a:scrgbClr r="0" g="0" b="0"/>
+          </a:effectRef>
           <a:fontRef idx="minor"/>
         </p:style>
         <p:txBody>
-          <a:bodyPr lIns="90000" rIns="90000" tIns="45000" bIns="45000"/>
+          <a:bodyPr lIns="90000" tIns="45000" rIns="90000" bIns="45000"/>
+          <a:lstStyle/>
           <a:p>
             <a:pPr marL="285840" indent="-285120">
               <a:lnSpc>
@@ -3898,14 +4687,14 @@
                 <a:spcPts val="601"/>
               </a:spcAft>
               <a:buClr>
-                <a:srgbClr val="83992a"/>
+                <a:srgbClr val="83992A"/>
               </a:buClr>
               <a:buSzPct val="115000"/>
               <a:buFont typeface="Arial"/>
               <a:buChar char="•"/>
             </a:pPr>
             <a:r>
-              <a:rPr b="0" lang="en-US" sz="2400" spc="-1" strike="noStrike">
+              <a:rPr lang="en-US" sz="2400" b="0" strike="noStrike" spc="-1">
                 <a:solidFill>
                   <a:srgbClr val="262626"/>
                 </a:solidFill>
@@ -3913,7 +4702,7 @@
               </a:rPr>
               <a:t>Method Call Directive, Subclassing Directive, Miscellaneous Directive, Others</a:t>
             </a:r>
-            <a:endParaRPr b="0" lang="en-US" sz="2400" spc="-1" strike="noStrike">
+            <a:endParaRPr lang="en-US" sz="2400" b="0" strike="noStrike" spc="-1">
               <a:latin typeface="Arial"/>
             </a:endParaRPr>
           </a:p>
@@ -3929,59 +4718,32 @@
                 <a:spcPts val="601"/>
               </a:spcAft>
               <a:buClr>
-                <a:srgbClr val="83992a"/>
+                <a:srgbClr val="83992A"/>
               </a:buClr>
               <a:buSzPct val="115000"/>
               <a:buFont typeface="Arial"/>
               <a:buChar char="•"/>
             </a:pPr>
             <a:r>
-              <a:rPr b="0" lang="en-US" sz="2400" spc="-1" strike="noStrike">
+              <a:rPr lang="en-US" sz="2400" b="0" strike="noStrike" spc="-1">
                 <a:solidFill>
                   <a:srgbClr val="262626"/>
                 </a:solidFill>
                 <a:latin typeface="Garamond"/>
               </a:rPr>
-              <a:t>《</a:t>
+              <a:t>《What Should Developers Be Aware Of? An Empirical Study on the Directives of API Documentation 》文章中的标注数据，</a:t>
             </a:r>
             <a:r>
-              <a:rPr b="0" lang="en-US" sz="2400" spc="-1" strike="noStrike">
+              <a:rPr lang="en-US" sz="2400" b="0" strike="noStrike" spc="-1">
                 <a:solidFill>
-                  <a:srgbClr val="262626"/>
+                  <a:srgbClr val="FF0000"/>
                 </a:solidFill>
                 <a:latin typeface="Garamond"/>
               </a:rPr>
-              <a:t>What Should Developers Be Aware Of? An Empirical Study on the Directives of API Documentation </a:t>
+              <a:t>4253条</a:t>
             </a:r>
             <a:r>
-              <a:rPr b="0" lang="en-US" sz="2400" spc="-1" strike="noStrike">
-                <a:solidFill>
-                  <a:srgbClr val="262626"/>
-                </a:solidFill>
-                <a:latin typeface="Garamond"/>
-              </a:rPr>
-              <a:t>》文章中的标注数据，</a:t>
-            </a:r>
-            <a:r>
-              <a:rPr b="0" lang="en-US" sz="2400" spc="-1" strike="noStrike">
-                <a:solidFill>
-                  <a:srgbClr val="ff0000"/>
-                </a:solidFill>
-                <a:latin typeface="Garamond"/>
-              </a:rPr>
-              <a:t>4253</a:t>
-            </a:r>
-            <a:r>
-              <a:rPr b="0" lang="en-US" sz="2400" spc="-1" strike="noStrike">
-                <a:solidFill>
-                  <a:srgbClr val="ff0000"/>
-                </a:solidFill>
-                <a:latin typeface="Garamond"/>
-              </a:rPr>
-              <a:t>条</a:t>
-            </a:r>
-            <a:r>
-              <a:rPr b="0" lang="en-US" sz="2400" spc="-1" strike="noStrike">
+              <a:rPr lang="en-US" sz="2400" b="0" strike="noStrike" spc="-1">
                 <a:solidFill>
                   <a:srgbClr val="262626"/>
                 </a:solidFill>
@@ -3989,7 +4751,7 @@
               </a:rPr>
               <a:t>具体分类</a:t>
             </a:r>
-            <a:endParaRPr b="0" lang="en-US" sz="2400" spc="-1" strike="noStrike">
+            <a:endParaRPr lang="en-US" sz="2400" b="0" strike="noStrike" spc="-1">
               <a:latin typeface="Arial"/>
             </a:endParaRPr>
           </a:p>
@@ -3997,22 +4759,25 @@
       </p:sp>
     </p:spTree>
   </p:cSld>
+  <p:clrMapOvr>
+    <a:masterClrMapping/>
+  </p:clrMapOvr>
   <p:timing>
     <p:tnLst>
       <p:par>
-        <p:cTn id="3" dur="indefinite" restart="never" nodeType="tmRoot">
+        <p:cTn id="1" dur="indefinite" restart="never" nodeType="tmRoot">
           <p:childTnLst>
             <p:seq>
-              <p:cTn id="4" dur="indefinite" nodeType="mainSeq"/>
+              <p:cTn id="2" dur="indefinite" nodeType="mainSeq"/>
               <p:prevCondLst>
-                <p:cond delay="0" evt="onPrev">
+                <p:cond evt="onPrev" delay="0">
                   <p:tgtEl>
                     <p:sldTgt/>
                   </p:tgtEl>
                 </p:cond>
               </p:prevCondLst>
               <p:nextCondLst>
-                <p:cond delay="0" evt="onNext">
+                <p:cond evt="onNext" delay="0">
                   <p:tgtEl>
                     <p:sldTgt/>
                   </p:tgtEl>
@@ -4028,7 +4793,7 @@
 </file>
 
 <file path=ppt/slides/slide3.xml><?xml version="1.0" encoding="utf-8"?>
-<p:sld xmlns:a="http://schemas.openxmlformats.org/drawingml/2006/main" xmlns:p="http://schemas.openxmlformats.org/presentationml/2006/main" xmlns:r="http://schemas.openxmlformats.org/officeDocument/2006/relationships" xmlns:p14="http://schemas.microsoft.com/office/powerpoint/2010/main" xmlns:p15="http://schemas.microsoft.com/office/powerpoint/2012/main" xmlns:mc="http://schemas.openxmlformats.org/markup-compatibility/2006">
+<p:sld xmlns:a="http://schemas.openxmlformats.org/drawingml/2006/main" xmlns:r="http://schemas.openxmlformats.org/officeDocument/2006/relationships" xmlns:p="http://schemas.openxmlformats.org/presentationml/2006/main">
   <p:cSld>
     <p:spTree>
       <p:nvGrpSpPr>
@@ -4064,13 +4829,20 @@
           </a:ln>
         </p:spPr>
         <p:style>
-          <a:lnRef idx="0"/>
-          <a:fillRef idx="0"/>
-          <a:effectRef idx="0"/>
+          <a:lnRef idx="0">
+            <a:scrgbClr r="0" g="0" b="0"/>
+          </a:lnRef>
+          <a:fillRef idx="0">
+            <a:scrgbClr r="0" g="0" b="0"/>
+          </a:fillRef>
+          <a:effectRef idx="0">
+            <a:scrgbClr r="0" g="0" b="0"/>
+          </a:effectRef>
           <a:fontRef idx="minor"/>
         </p:style>
         <p:txBody>
-          <a:bodyPr lIns="90000" rIns="90000" tIns="45000" bIns="45000" anchor="ctr"/>
+          <a:bodyPr lIns="90000" tIns="45000" rIns="90000" bIns="45000" anchor="ctr"/>
+          <a:lstStyle/>
           <a:p>
             <a:pPr algn="ctr">
               <a:lnSpc>
@@ -4078,7 +4850,7 @@
               </a:lnSpc>
             </a:pPr>
             <a:r>
-              <a:rPr b="0" lang="en-US" sz="4400" spc="-1" strike="noStrike">
+              <a:rPr lang="en-US" sz="4400" b="0" strike="noStrike" spc="-1">
                 <a:solidFill>
                   <a:srgbClr val="262626"/>
                 </a:solidFill>
@@ -4086,7 +4858,7 @@
               </a:rPr>
               <a:t>整体框架</a:t>
             </a:r>
-            <a:endParaRPr b="0" lang="en-US" sz="4400" spc="-1" strike="noStrike">
+            <a:endParaRPr lang="en-US" sz="4400" b="0" strike="noStrike" spc="-1">
               <a:latin typeface="Arial"/>
             </a:endParaRPr>
           </a:p>
@@ -4112,13 +4884,20 @@
           </a:ln>
         </p:spPr>
         <p:style>
-          <a:lnRef idx="0"/>
-          <a:fillRef idx="0"/>
-          <a:effectRef idx="0"/>
+          <a:lnRef idx="0">
+            <a:scrgbClr r="0" g="0" b="0"/>
+          </a:lnRef>
+          <a:fillRef idx="0">
+            <a:scrgbClr r="0" g="0" b="0"/>
+          </a:fillRef>
+          <a:effectRef idx="0">
+            <a:scrgbClr r="0" g="0" b="0"/>
+          </a:effectRef>
           <a:fontRef idx="minor"/>
         </p:style>
         <p:txBody>
-          <a:bodyPr lIns="90000" rIns="90000" tIns="45000" bIns="45000"/>
+          <a:bodyPr lIns="90000" tIns="45000" rIns="90000" bIns="45000"/>
+          <a:lstStyle/>
           <a:p>
             <a:pPr marL="285840" indent="-285120">
               <a:lnSpc>
@@ -4131,76 +4910,22 @@
                 <a:spcPts val="601"/>
               </a:spcAft>
               <a:buClr>
-                <a:srgbClr val="83992a"/>
+                <a:srgbClr val="83992A"/>
               </a:buClr>
               <a:buSzPct val="115000"/>
               <a:buFont typeface="Arial"/>
               <a:buChar char="•"/>
             </a:pPr>
             <a:r>
-              <a:rPr b="0" lang="en-US" sz="2400" spc="-1" strike="noStrike">
+              <a:rPr lang="en-US" sz="2400" b="0" strike="noStrike" spc="-1">
                 <a:solidFill>
                   <a:srgbClr val="262626"/>
                 </a:solidFill>
                 <a:latin typeface="Garamond"/>
               </a:rPr>
-              <a:t>先分大类是为了区别大类之间相似的匹配规则（如</a:t>
+              <a:t>先分大类是为了区别大类之间相似的匹配规则（如subclass of可以匹配param type，也可在subclassing中存在）</a:t>
             </a:r>
-            <a:r>
-              <a:rPr b="0" lang="en-US" sz="2400" spc="-1" strike="noStrike">
-                <a:solidFill>
-                  <a:srgbClr val="262626"/>
-                </a:solidFill>
-                <a:latin typeface="Garamond"/>
-              </a:rPr>
-              <a:t>subclass of</a:t>
-            </a:r>
-            <a:r>
-              <a:rPr b="0" lang="en-US" sz="2400" spc="-1" strike="noStrike">
-                <a:solidFill>
-                  <a:srgbClr val="262626"/>
-                </a:solidFill>
-                <a:latin typeface="Garamond"/>
-              </a:rPr>
-              <a:t>可以匹配</a:t>
-            </a:r>
-            <a:r>
-              <a:rPr b="0" lang="en-US" sz="2400" spc="-1" strike="noStrike">
-                <a:solidFill>
-                  <a:srgbClr val="262626"/>
-                </a:solidFill>
-                <a:latin typeface="Garamond"/>
-              </a:rPr>
-              <a:t>param type</a:t>
-            </a:r>
-            <a:r>
-              <a:rPr b="0" lang="en-US" sz="2400" spc="-1" strike="noStrike">
-                <a:solidFill>
-                  <a:srgbClr val="262626"/>
-                </a:solidFill>
-                <a:latin typeface="Garamond"/>
-              </a:rPr>
-              <a:t>，也可在</a:t>
-            </a:r>
-            <a:r>
-              <a:rPr b="0" lang="en-US" sz="2400" spc="-1" strike="noStrike">
-                <a:solidFill>
-                  <a:srgbClr val="262626"/>
-                </a:solidFill>
-                <a:latin typeface="Garamond"/>
-              </a:rPr>
-              <a:t>subclassing</a:t>
-            </a:r>
-            <a:r>
-              <a:rPr b="0" lang="en-US" sz="2400" spc="-1" strike="noStrike">
-                <a:solidFill>
-                  <a:srgbClr val="262626"/>
-                </a:solidFill>
-                <a:latin typeface="Garamond"/>
-              </a:rPr>
-              <a:t>中存在）</a:t>
-            </a:r>
-            <a:endParaRPr b="0" lang="en-US" sz="2400" spc="-1" strike="noStrike">
+            <a:endParaRPr lang="en-US" sz="2400" b="0" strike="noStrike" spc="-1">
               <a:latin typeface="Arial"/>
             </a:endParaRPr>
           </a:p>
@@ -4241,7 +4966,8 @@
           <a:fontRef idx="minor"/>
         </p:style>
         <p:txBody>
-          <a:bodyPr lIns="90000" rIns="90000" tIns="45000" bIns="45000" anchor="ctr"/>
+          <a:bodyPr lIns="90000" tIns="45000" rIns="90000" bIns="45000" anchor="ctr"/>
+          <a:lstStyle/>
           <a:p>
             <a:pPr algn="ctr">
               <a:lnSpc>
@@ -4249,16 +4975,16 @@
               </a:lnSpc>
             </a:pPr>
             <a:r>
-              <a:rPr b="0" lang="en-US" sz="2400" spc="-1" strike="noStrike">
+              <a:rPr lang="en-US" sz="2400" b="0" strike="noStrike" spc="-1">
                 <a:solidFill>
-                  <a:srgbClr val="ffffff"/>
+                  <a:srgbClr val="FFFFFF"/>
                 </a:solidFill>
                 <a:latin typeface="Garamond"/>
                 <a:ea typeface="DejaVu Sans"/>
               </a:rPr>
               <a:t>规则匹配（精确分类）</a:t>
             </a:r>
-            <a:endParaRPr b="0" lang="en-US" sz="2400" spc="-1" strike="noStrike">
+            <a:endParaRPr lang="en-US" sz="2400" b="0" strike="noStrike" spc="-1">
               <a:latin typeface="Arial"/>
             </a:endParaRPr>
           </a:p>
@@ -4299,7 +5025,8 @@
           <a:fontRef idx="minor"/>
         </p:style>
         <p:txBody>
-          <a:bodyPr lIns="90000" rIns="90000" tIns="45000" bIns="45000" anchor="ctr"/>
+          <a:bodyPr lIns="90000" tIns="45000" rIns="90000" bIns="45000" anchor="ctr"/>
+          <a:lstStyle/>
           <a:p>
             <a:pPr algn="ctr">
               <a:lnSpc>
@@ -4307,16 +5034,16 @@
               </a:lnSpc>
             </a:pPr>
             <a:r>
-              <a:rPr b="0" lang="en-US" sz="2400" spc="-1" strike="noStrike">
+              <a:rPr lang="en-US" sz="2400" b="0" strike="noStrike" spc="-1">
                 <a:solidFill>
-                  <a:srgbClr val="ffffff"/>
+                  <a:srgbClr val="FFFFFF"/>
                 </a:solidFill>
                 <a:latin typeface="Garamond"/>
                 <a:ea typeface="DejaVu Sans"/>
               </a:rPr>
               <a:t>Fasttext</a:t>
             </a:r>
-            <a:endParaRPr b="0" lang="en-US" sz="2400" spc="-1" strike="noStrike">
+            <a:endParaRPr lang="en-US" sz="2400" b="0" strike="noStrike" spc="-1">
               <a:latin typeface="Arial"/>
             </a:endParaRPr>
           </a:p>
@@ -4327,16 +5054,16 @@
               </a:lnSpc>
             </a:pPr>
             <a:r>
-              <a:rPr b="0" lang="en-US" sz="2400" spc="-1" strike="noStrike">
+              <a:rPr lang="en-US" sz="2400" b="0" strike="noStrike" spc="-1">
                 <a:solidFill>
-                  <a:srgbClr val="ffffff"/>
+                  <a:srgbClr val="FFFFFF"/>
                 </a:solidFill>
                 <a:latin typeface="Garamond"/>
                 <a:ea typeface="DejaVu Sans"/>
               </a:rPr>
               <a:t>（大分类）</a:t>
             </a:r>
-            <a:endParaRPr b="0" lang="en-US" sz="2400" spc="-1" strike="noStrike">
+            <a:endParaRPr lang="en-US" sz="2400" b="0" strike="noStrike" spc="-1">
               <a:latin typeface="Arial"/>
             </a:endParaRPr>
           </a:p>
@@ -4375,7 +5102,8 @@
           <a:fontRef idx="minor"/>
         </p:style>
         <p:txBody>
-          <a:bodyPr lIns="90000" rIns="90000" tIns="45000" bIns="45000" anchor="ctr"/>
+          <a:bodyPr lIns="90000" tIns="45000" rIns="90000" bIns="45000" anchor="ctr"/>
+          <a:lstStyle/>
           <a:p>
             <a:pPr algn="ctr">
               <a:lnSpc>
@@ -4383,16 +5111,16 @@
               </a:lnSpc>
             </a:pPr>
             <a:r>
-              <a:rPr b="0" lang="en-US" sz="1800" spc="-1" strike="noStrike">
+              <a:rPr lang="en-US" sz="1800" b="0" strike="noStrike" spc="-1">
                 <a:solidFill>
-                  <a:srgbClr val="ffffff"/>
+                  <a:srgbClr val="FFFFFF"/>
                 </a:solidFill>
                 <a:latin typeface="Garamond"/>
                 <a:ea typeface="DejaVu Sans"/>
               </a:rPr>
               <a:t>语料</a:t>
             </a:r>
-            <a:endParaRPr b="0" lang="en-US" sz="1800" spc="-1" strike="noStrike">
+            <a:endParaRPr lang="en-US" sz="1800" b="0" strike="noStrike" spc="-1">
               <a:latin typeface="Arial"/>
             </a:endParaRPr>
           </a:p>
@@ -4417,10 +5145,10 @@
           <a:noFill/>
           <a:ln>
             <a:solidFill>
-              <a:srgbClr val="4a7ebb"/>
+              <a:srgbClr val="4A7EBB"/>
             </a:solidFill>
             <a:round/>
-            <a:tailEnd len="med" type="triangle" w="med"/>
+            <a:tailEnd type="triangle" w="med" len="med"/>
           </a:ln>
         </p:spPr>
         <p:style>
@@ -4469,7 +5197,8 @@
           <a:fontRef idx="minor"/>
         </p:style>
         <p:txBody>
-          <a:bodyPr lIns="90000" rIns="90000" tIns="45000" bIns="45000" anchor="ctr"/>
+          <a:bodyPr lIns="90000" tIns="45000" rIns="90000" bIns="45000" anchor="ctr"/>
+          <a:lstStyle/>
           <a:p>
             <a:pPr algn="ctr">
               <a:lnSpc>
@@ -4477,16 +5206,16 @@
               </a:lnSpc>
             </a:pPr>
             <a:r>
-              <a:rPr b="0" lang="en-US" sz="1800" spc="-1" strike="noStrike">
+              <a:rPr lang="en-US" sz="1800" b="0" strike="noStrike" spc="-1">
                 <a:solidFill>
-                  <a:srgbClr val="ffffff"/>
+                  <a:srgbClr val="FFFFFF"/>
                 </a:solidFill>
                 <a:latin typeface="Garamond"/>
                 <a:ea typeface="DejaVu Sans"/>
               </a:rPr>
               <a:t>句子类别</a:t>
             </a:r>
-            <a:endParaRPr b="0" lang="en-US" sz="1800" spc="-1" strike="noStrike">
+            <a:endParaRPr lang="en-US" sz="1800" b="0" strike="noStrike" spc="-1">
               <a:latin typeface="Arial"/>
             </a:endParaRPr>
           </a:p>
@@ -4507,6 +5236,7 @@
             <a:avLst/>
             <a:gdLst/>
             <a:ahLst/>
+            <a:cxnLst/>
             <a:rect l="l" t="t" r="r" b="b"/>
             <a:pathLst>
               <a:path w="21600" h="21600">
@@ -4522,10 +5252,10 @@
           <a:noFill/>
           <a:ln>
             <a:solidFill>
-              <a:srgbClr val="4a7ebb"/>
+              <a:srgbClr val="4A7EBB"/>
             </a:solidFill>
             <a:round/>
-            <a:tailEnd len="med" type="triangle" w="med"/>
+            <a:tailEnd type="triangle" w="med" len="med"/>
           </a:ln>
         </p:spPr>
         <p:style>
@@ -4556,6 +5286,7 @@
             <a:avLst/>
             <a:gdLst/>
             <a:ahLst/>
+            <a:cxnLst/>
             <a:rect l="l" t="t" r="r" b="b"/>
             <a:pathLst>
               <a:path w="21600" h="21600">
@@ -4571,10 +5302,10 @@
           <a:noFill/>
           <a:ln>
             <a:solidFill>
-              <a:srgbClr val="4a7ebb"/>
+              <a:srgbClr val="4A7EBB"/>
             </a:solidFill>
             <a:round/>
-            <a:tailEnd len="med" type="triangle" w="med"/>
+            <a:tailEnd type="triangle" w="med" len="med"/>
           </a:ln>
         </p:spPr>
         <p:style>
@@ -4592,22 +5323,25 @@
       </p:sp>
     </p:spTree>
   </p:cSld>
+  <p:clrMapOvr>
+    <a:masterClrMapping/>
+  </p:clrMapOvr>
   <p:timing>
     <p:tnLst>
       <p:par>
-        <p:cTn id="5" dur="indefinite" restart="never" nodeType="tmRoot">
+        <p:cTn id="1" dur="indefinite" restart="never" nodeType="tmRoot">
           <p:childTnLst>
             <p:seq>
-              <p:cTn id="6" dur="indefinite" nodeType="mainSeq"/>
+              <p:cTn id="2" dur="indefinite" nodeType="mainSeq"/>
               <p:prevCondLst>
-                <p:cond delay="0" evt="onPrev">
+                <p:cond evt="onPrev" delay="0">
                   <p:tgtEl>
                     <p:sldTgt/>
                   </p:tgtEl>
                 </p:cond>
               </p:prevCondLst>
               <p:nextCondLst>
-                <p:cond delay="0" evt="onNext">
+                <p:cond evt="onNext" delay="0">
                   <p:tgtEl>
                     <p:sldTgt/>
                   </p:tgtEl>
@@ -4623,7 +5357,7 @@
 </file>
 
 <file path=ppt/slides/slide4.xml><?xml version="1.0" encoding="utf-8"?>
-<p:sld xmlns:a="http://schemas.openxmlformats.org/drawingml/2006/main" xmlns:p="http://schemas.openxmlformats.org/presentationml/2006/main" xmlns:r="http://schemas.openxmlformats.org/officeDocument/2006/relationships" xmlns:p14="http://schemas.microsoft.com/office/powerpoint/2010/main" xmlns:p15="http://schemas.microsoft.com/office/powerpoint/2012/main" xmlns:mc="http://schemas.openxmlformats.org/markup-compatibility/2006">
+<p:sld xmlns:a="http://schemas.openxmlformats.org/drawingml/2006/main" xmlns:r="http://schemas.openxmlformats.org/officeDocument/2006/relationships" xmlns:p="http://schemas.openxmlformats.org/presentationml/2006/main">
   <p:cSld>
     <p:spTree>
       <p:nvGrpSpPr>
@@ -4659,13 +5393,20 @@
           </a:ln>
         </p:spPr>
         <p:style>
-          <a:lnRef idx="0"/>
-          <a:fillRef idx="0"/>
-          <a:effectRef idx="0"/>
+          <a:lnRef idx="0">
+            <a:scrgbClr r="0" g="0" b="0"/>
+          </a:lnRef>
+          <a:fillRef idx="0">
+            <a:scrgbClr r="0" g="0" b="0"/>
+          </a:fillRef>
+          <a:effectRef idx="0">
+            <a:scrgbClr r="0" g="0" b="0"/>
+          </a:effectRef>
           <a:fontRef idx="minor"/>
         </p:style>
         <p:txBody>
-          <a:bodyPr lIns="90000" rIns="90000" tIns="45000" bIns="45000" anchor="ctr"/>
+          <a:bodyPr lIns="90000" tIns="45000" rIns="90000" bIns="45000" anchor="ctr"/>
+          <a:lstStyle/>
           <a:p>
             <a:pPr algn="ctr">
               <a:lnSpc>
@@ -4673,7 +5414,7 @@
               </a:lnSpc>
             </a:pPr>
             <a:r>
-              <a:rPr b="0" lang="en-US" sz="4400" spc="-1" strike="noStrike">
+              <a:rPr lang="en-US" sz="4400" b="0" strike="noStrike" spc="-1">
                 <a:solidFill>
                   <a:srgbClr val="262626"/>
                 </a:solidFill>
@@ -4681,7 +5422,7 @@
               </a:rPr>
               <a:t>优化建议</a:t>
             </a:r>
-            <a:endParaRPr b="0" lang="en-US" sz="4400" spc="-1" strike="noStrike">
+            <a:endParaRPr lang="en-US" sz="4400" b="0" strike="noStrike" spc="-1">
               <a:latin typeface="Arial"/>
             </a:endParaRPr>
           </a:p>
@@ -4707,13 +5448,20 @@
           </a:ln>
         </p:spPr>
         <p:style>
-          <a:lnRef idx="0"/>
-          <a:fillRef idx="0"/>
-          <a:effectRef idx="0"/>
+          <a:lnRef idx="0">
+            <a:scrgbClr r="0" g="0" b="0"/>
+          </a:lnRef>
+          <a:fillRef idx="0">
+            <a:scrgbClr r="0" g="0" b="0"/>
+          </a:fillRef>
+          <a:effectRef idx="0">
+            <a:scrgbClr r="0" g="0" b="0"/>
+          </a:effectRef>
           <a:fontRef idx="minor"/>
         </p:style>
         <p:txBody>
-          <a:bodyPr lIns="90000" rIns="90000" tIns="45000" bIns="45000"/>
+          <a:bodyPr lIns="90000" tIns="45000" rIns="90000" bIns="45000"/>
+          <a:lstStyle/>
           <a:p>
             <a:pPr marL="285840" indent="-285120">
               <a:lnSpc>
@@ -4726,40 +5474,22 @@
                 <a:spcPts val="601"/>
               </a:spcAft>
               <a:buClr>
-                <a:srgbClr val="83992a"/>
+                <a:srgbClr val="83992A"/>
               </a:buClr>
               <a:buSzPct val="115000"/>
               <a:buFont typeface="Arial"/>
               <a:buChar char="•"/>
             </a:pPr>
             <a:r>
-              <a:rPr b="1" lang="en-US" sz="2400" spc="-1" strike="noStrike">
+              <a:rPr lang="en-US" sz="2400" b="1" strike="noStrike" spc="-1">
                 <a:solidFill>
                   <a:srgbClr val="262626"/>
                 </a:solidFill>
                 <a:latin typeface="Garamond"/>
               </a:rPr>
-              <a:t>优化</a:t>
+              <a:t>优化fasttext模型，半监督学习方式。先用准确数据训练一个模型，然后取没有标注的数据迭代式的分类并作为新的训练集。将得分高于某个阈值才作为训练集</a:t>
             </a:r>
-            <a:r>
-              <a:rPr b="1" lang="en-US" sz="2400" spc="-1" strike="noStrike">
-                <a:solidFill>
-                  <a:srgbClr val="262626"/>
-                </a:solidFill>
-                <a:latin typeface="Garamond"/>
-              </a:rPr>
-              <a:t>fasttext</a:t>
-            </a:r>
-            <a:r>
-              <a:rPr b="1" lang="en-US" sz="2400" spc="-1" strike="noStrike">
-                <a:solidFill>
-                  <a:srgbClr val="262626"/>
-                </a:solidFill>
-                <a:latin typeface="Garamond"/>
-              </a:rPr>
-              <a:t>模型，半监督学习方式。先用准确数据训练一个模型，然后取没有标注的数据迭代式的分类并作为新的训练集。将得分高于某个阈值才作为训练集</a:t>
-            </a:r>
-            <a:endParaRPr b="0" lang="en-US" sz="2400" spc="-1" strike="noStrike">
+            <a:endParaRPr lang="en-US" sz="2400" b="0" strike="noStrike" spc="-1">
               <a:latin typeface="Arial"/>
             </a:endParaRPr>
           </a:p>
@@ -4775,7 +5505,7 @@
                 <a:spcPts val="601"/>
               </a:spcAft>
             </a:pPr>
-            <a:endParaRPr b="0" lang="en-US" sz="2400" spc="-1" strike="noStrike">
+            <a:endParaRPr lang="en-US" sz="2400" b="0" strike="noStrike" spc="-1">
               <a:latin typeface="Arial"/>
             </a:endParaRPr>
           </a:p>
@@ -4783,22 +5513,25 @@
       </p:sp>
     </p:spTree>
   </p:cSld>
+  <p:clrMapOvr>
+    <a:masterClrMapping/>
+  </p:clrMapOvr>
   <p:timing>
     <p:tnLst>
       <p:par>
-        <p:cTn id="7" dur="indefinite" restart="never" nodeType="tmRoot">
+        <p:cTn id="1" dur="indefinite" restart="never" nodeType="tmRoot">
           <p:childTnLst>
             <p:seq>
-              <p:cTn id="8" dur="indefinite" nodeType="mainSeq"/>
+              <p:cTn id="2" dur="indefinite" nodeType="mainSeq"/>
               <p:prevCondLst>
-                <p:cond delay="0" evt="onPrev">
+                <p:cond evt="onPrev" delay="0">
                   <p:tgtEl>
                     <p:sldTgt/>
                   </p:tgtEl>
                 </p:cond>
               </p:prevCondLst>
               <p:nextCondLst>
-                <p:cond delay="0" evt="onNext">
+                <p:cond evt="onNext" delay="0">
                   <p:tgtEl>
                     <p:sldTgt/>
                   </p:tgtEl>
@@ -4814,7 +5547,7 @@
 </file>
 
 <file path=ppt/slides/slide5.xml><?xml version="1.0" encoding="utf-8"?>
-<p:sld xmlns:a="http://schemas.openxmlformats.org/drawingml/2006/main" xmlns:p="http://schemas.openxmlformats.org/presentationml/2006/main" xmlns:r="http://schemas.openxmlformats.org/officeDocument/2006/relationships" xmlns:p14="http://schemas.microsoft.com/office/powerpoint/2010/main" xmlns:p15="http://schemas.microsoft.com/office/powerpoint/2012/main" xmlns:mc="http://schemas.openxmlformats.org/markup-compatibility/2006">
+<p:sld xmlns:a="http://schemas.openxmlformats.org/drawingml/2006/main" xmlns:r="http://schemas.openxmlformats.org/officeDocument/2006/relationships" xmlns:p="http://schemas.openxmlformats.org/presentationml/2006/main">
   <p:cSld>
     <p:spTree>
       <p:nvGrpSpPr>
@@ -4850,13 +5583,20 @@
           </a:ln>
         </p:spPr>
         <p:style>
-          <a:lnRef idx="0"/>
-          <a:fillRef idx="0"/>
-          <a:effectRef idx="0"/>
+          <a:lnRef idx="0">
+            <a:scrgbClr r="0" g="0" b="0"/>
+          </a:lnRef>
+          <a:fillRef idx="0">
+            <a:scrgbClr r="0" g="0" b="0"/>
+          </a:fillRef>
+          <a:effectRef idx="0">
+            <a:scrgbClr r="0" g="0" b="0"/>
+          </a:effectRef>
           <a:fontRef idx="minor"/>
         </p:style>
         <p:txBody>
-          <a:bodyPr lIns="90000" rIns="90000" tIns="45000" bIns="45000" anchor="ctr"/>
+          <a:bodyPr lIns="90000" tIns="45000" rIns="90000" bIns="45000" anchor="ctr"/>
+          <a:lstStyle/>
           <a:p>
             <a:pPr algn="ctr">
               <a:lnSpc>
@@ -4864,7 +5604,7 @@
               </a:lnSpc>
             </a:pPr>
             <a:r>
-              <a:rPr b="0" lang="en-US" sz="4400" spc="-1" strike="noStrike">
+              <a:rPr lang="en-US" sz="4400" b="0" strike="noStrike" spc="-1">
                 <a:solidFill>
                   <a:srgbClr val="262626"/>
                 </a:solidFill>
@@ -4872,7 +5612,7 @@
               </a:rPr>
               <a:t>实验</a:t>
             </a:r>
-            <a:endParaRPr b="0" lang="en-US" sz="4400" spc="-1" strike="noStrike">
+            <a:endParaRPr lang="en-US" sz="4400" b="0" strike="noStrike" spc="-1">
               <a:latin typeface="Arial"/>
             </a:endParaRPr>
           </a:p>
@@ -4898,13 +5638,20 @@
           </a:ln>
         </p:spPr>
         <p:style>
-          <a:lnRef idx="0"/>
-          <a:fillRef idx="0"/>
-          <a:effectRef idx="0"/>
+          <a:lnRef idx="0">
+            <a:scrgbClr r="0" g="0" b="0"/>
+          </a:lnRef>
+          <a:fillRef idx="0">
+            <a:scrgbClr r="0" g="0" b="0"/>
+          </a:fillRef>
+          <a:effectRef idx="0">
+            <a:scrgbClr r="0" g="0" b="0"/>
+          </a:effectRef>
           <a:fontRef idx="minor"/>
         </p:style>
         <p:txBody>
-          <a:bodyPr lIns="90000" rIns="90000" tIns="45000" bIns="45000"/>
+          <a:bodyPr lIns="90000" tIns="45000" rIns="90000" bIns="45000"/>
+          <a:lstStyle/>
           <a:p>
             <a:pPr marL="285840" indent="-285120">
               <a:lnSpc>
@@ -4917,14 +5664,14 @@
                 <a:spcPts val="601"/>
               </a:spcAft>
               <a:buClr>
-                <a:srgbClr val="83992a"/>
+                <a:srgbClr val="83992A"/>
               </a:buClr>
               <a:buSzPct val="115000"/>
               <a:buFont typeface="Arial"/>
               <a:buChar char="•"/>
             </a:pPr>
             <a:r>
-              <a:rPr b="1" lang="en-US" sz="2400" spc="-1" strike="noStrike">
+              <a:rPr lang="en-US" sz="2400" b="1" strike="noStrike" spc="-1">
                 <a:solidFill>
                   <a:srgbClr val="262626"/>
                 </a:solidFill>
@@ -4932,7 +5679,7 @@
               </a:rPr>
               <a:t>验证规则匹配准确性</a:t>
             </a:r>
-            <a:endParaRPr b="0" lang="en-US" sz="2400" spc="-1" strike="noStrike">
+            <a:endParaRPr lang="en-US" sz="2400" b="0" strike="noStrike" spc="-1">
               <a:latin typeface="Arial"/>
             </a:endParaRPr>
           </a:p>
@@ -4948,40 +5695,22 @@
                 <a:spcPts val="601"/>
               </a:spcAft>
               <a:buClr>
-                <a:srgbClr val="83992a"/>
+                <a:srgbClr val="83992A"/>
               </a:buClr>
               <a:buSzPct val="115000"/>
               <a:buFont typeface="Arial"/>
               <a:buChar char="•"/>
             </a:pPr>
             <a:r>
-              <a:rPr b="1" lang="en-US" sz="2400" spc="-1" strike="noStrike">
+              <a:rPr lang="en-US" sz="2400" b="1" strike="noStrike" spc="-1">
                 <a:solidFill>
                   <a:srgbClr val="262626"/>
                 </a:solidFill>
                 <a:latin typeface="Garamond"/>
               </a:rPr>
-              <a:t>验证</a:t>
+              <a:t>验证fasttext准确性  </a:t>
             </a:r>
-            <a:r>
-              <a:rPr b="1" lang="en-US" sz="2400" spc="-1" strike="noStrike">
-                <a:solidFill>
-                  <a:srgbClr val="262626"/>
-                </a:solidFill>
-                <a:latin typeface="Garamond"/>
-              </a:rPr>
-              <a:t>fasttext</a:t>
-            </a:r>
-            <a:r>
-              <a:rPr b="1" lang="en-US" sz="2400" spc="-1" strike="noStrike">
-                <a:solidFill>
-                  <a:srgbClr val="262626"/>
-                </a:solidFill>
-                <a:latin typeface="Garamond"/>
-              </a:rPr>
-              <a:t>准确性  </a:t>
-            </a:r>
-            <a:endParaRPr b="0" lang="en-US" sz="2400" spc="-1" strike="noStrike">
+            <a:endParaRPr lang="en-US" sz="2400" b="0" strike="noStrike" spc="-1">
               <a:latin typeface="Arial"/>
             </a:endParaRPr>
           </a:p>
@@ -4997,14 +5726,14 @@
                 <a:spcPts val="601"/>
               </a:spcAft>
               <a:buClr>
-                <a:srgbClr val="83992a"/>
+                <a:srgbClr val="83992A"/>
               </a:buClr>
               <a:buSzPct val="115000"/>
               <a:buFont typeface="Arial"/>
               <a:buChar char="•"/>
             </a:pPr>
             <a:r>
-              <a:rPr b="1" lang="en-US" sz="2400" spc="-1" strike="noStrike">
+              <a:rPr lang="en-US" sz="2400" b="1" strike="noStrike" spc="-1">
                 <a:solidFill>
                   <a:srgbClr val="262626"/>
                 </a:solidFill>
@@ -5012,7 +5741,7 @@
               </a:rPr>
               <a:t>验证整个框架的准确性</a:t>
             </a:r>
-            <a:endParaRPr b="0" lang="en-US" sz="2400" spc="-1" strike="noStrike">
+            <a:endParaRPr lang="en-US" sz="2400" b="0" strike="noStrike" spc="-1">
               <a:latin typeface="Arial"/>
             </a:endParaRPr>
           </a:p>
@@ -5020,22 +5749,25 @@
       </p:sp>
     </p:spTree>
   </p:cSld>
+  <p:clrMapOvr>
+    <a:masterClrMapping/>
+  </p:clrMapOvr>
   <p:timing>
     <p:tnLst>
       <p:par>
-        <p:cTn id="9" dur="indefinite" restart="never" nodeType="tmRoot">
+        <p:cTn id="1" dur="indefinite" restart="never" nodeType="tmRoot">
           <p:childTnLst>
             <p:seq>
-              <p:cTn id="10" dur="indefinite" nodeType="mainSeq"/>
+              <p:cTn id="2" dur="indefinite" nodeType="mainSeq"/>
               <p:prevCondLst>
-                <p:cond delay="0" evt="onPrev">
+                <p:cond evt="onPrev" delay="0">
                   <p:tgtEl>
                     <p:sldTgt/>
                   </p:tgtEl>
                 </p:cond>
               </p:prevCondLst>
               <p:nextCondLst>
-                <p:cond delay="0" evt="onNext">
+                <p:cond evt="onNext" delay="0">
                   <p:tgtEl>
                     <p:sldTgt/>
                   </p:tgtEl>
@@ -5051,7 +5783,7 @@
 </file>
 
 <file path=ppt/slides/slide6.xml><?xml version="1.0" encoding="utf-8"?>
-<p:sld xmlns:a="http://schemas.openxmlformats.org/drawingml/2006/main" xmlns:p="http://schemas.openxmlformats.org/presentationml/2006/main" xmlns:r="http://schemas.openxmlformats.org/officeDocument/2006/relationships" xmlns:p14="http://schemas.microsoft.com/office/powerpoint/2010/main" xmlns:p15="http://schemas.microsoft.com/office/powerpoint/2012/main" xmlns:mc="http://schemas.openxmlformats.org/markup-compatibility/2006">
+<p:sld xmlns:a="http://schemas.openxmlformats.org/drawingml/2006/main" xmlns:r="http://schemas.openxmlformats.org/officeDocument/2006/relationships" xmlns:p="http://schemas.openxmlformats.org/presentationml/2006/main">
   <p:cSld>
     <p:spTree>
       <p:nvGrpSpPr>
@@ -5087,13 +5819,20 @@
           </a:ln>
         </p:spPr>
         <p:style>
-          <a:lnRef idx="0"/>
-          <a:fillRef idx="0"/>
-          <a:effectRef idx="0"/>
+          <a:lnRef idx="0">
+            <a:scrgbClr r="0" g="0" b="0"/>
+          </a:lnRef>
+          <a:fillRef idx="0">
+            <a:scrgbClr r="0" g="0" b="0"/>
+          </a:fillRef>
+          <a:effectRef idx="0">
+            <a:scrgbClr r="0" g="0" b="0"/>
+          </a:effectRef>
           <a:fontRef idx="minor"/>
         </p:style>
         <p:txBody>
-          <a:bodyPr lIns="90000" rIns="90000" tIns="45000" bIns="45000" anchor="ctr"/>
+          <a:bodyPr lIns="90000" tIns="45000" rIns="90000" bIns="45000" anchor="ctr"/>
+          <a:lstStyle/>
           <a:p>
             <a:pPr algn="ctr">
               <a:lnSpc>
@@ -5101,7 +5840,7 @@
               </a:lnSpc>
             </a:pPr>
             <a:r>
-              <a:rPr b="0" lang="en-US" sz="4400" spc="-1" strike="noStrike">
+              <a:rPr lang="en-US" sz="4400" b="0" strike="noStrike" spc="-1">
                 <a:solidFill>
                   <a:srgbClr val="262626"/>
                 </a:solidFill>
@@ -5109,7 +5848,7 @@
               </a:rPr>
               <a:t>应用</a:t>
             </a:r>
-            <a:endParaRPr b="0" lang="en-US" sz="4400" spc="-1" strike="noStrike">
+            <a:endParaRPr lang="en-US" sz="4400" b="0" strike="noStrike" spc="-1">
               <a:latin typeface="Arial"/>
             </a:endParaRPr>
           </a:p>
@@ -5135,13 +5874,20 @@
           </a:ln>
         </p:spPr>
         <p:style>
-          <a:lnRef idx="0"/>
-          <a:fillRef idx="0"/>
-          <a:effectRef idx="0"/>
+          <a:lnRef idx="0">
+            <a:scrgbClr r="0" g="0" b="0"/>
+          </a:lnRef>
+          <a:fillRef idx="0">
+            <a:scrgbClr r="0" g="0" b="0"/>
+          </a:fillRef>
+          <a:effectRef idx="0">
+            <a:scrgbClr r="0" g="0" b="0"/>
+          </a:effectRef>
           <a:fontRef idx="minor"/>
         </p:style>
         <p:txBody>
-          <a:bodyPr lIns="90000" rIns="90000" tIns="45000" bIns="45000"/>
+          <a:bodyPr lIns="90000" tIns="45000" rIns="90000" bIns="45000"/>
+          <a:lstStyle/>
           <a:p>
             <a:pPr marL="285840" indent="-285120">
               <a:lnSpc>
@@ -5154,31 +5900,22 @@
                 <a:spcPts val="601"/>
               </a:spcAft>
               <a:buClr>
-                <a:srgbClr val="83992a"/>
+                <a:srgbClr val="83992A"/>
               </a:buClr>
               <a:buSzPct val="115000"/>
               <a:buFont typeface="Arial"/>
               <a:buChar char="•"/>
             </a:pPr>
             <a:r>
-              <a:rPr b="1" lang="en-US" sz="2400" spc="-1" strike="noStrike">
+              <a:rPr lang="en-US" sz="2400" b="1" strike="noStrike" spc="-1">
                 <a:solidFill>
                   <a:srgbClr val="262626"/>
                 </a:solidFill>
                 <a:latin typeface="Garamond"/>
               </a:rPr>
-              <a:t>找出代码中蕴含的</a:t>
+              <a:t>找出代码中蕴含的directive  </a:t>
             </a:r>
-            <a:r>
-              <a:rPr b="1" lang="en-US" sz="2400" spc="-1" strike="noStrike">
-                <a:solidFill>
-                  <a:srgbClr val="262626"/>
-                </a:solidFill>
-                <a:latin typeface="Garamond"/>
-              </a:rPr>
-              <a:t>directive  </a:t>
-            </a:r>
-            <a:endParaRPr b="0" lang="en-US" sz="2400" spc="-1" strike="noStrike">
+            <a:endParaRPr lang="en-US" sz="2400" b="0" strike="noStrike" spc="-1">
               <a:latin typeface="Arial"/>
             </a:endParaRPr>
           </a:p>
@@ -5194,36 +5931,27 @@
                 <a:spcPts val="601"/>
               </a:spcAft>
               <a:buClr>
-                <a:srgbClr val="83992a"/>
+                <a:srgbClr val="83992A"/>
               </a:buClr>
               <a:buSzPct val="115000"/>
               <a:buFont typeface="Arial"/>
               <a:buChar char="•"/>
             </a:pPr>
             <a:r>
-              <a:rPr b="1" lang="en-US" sz="2400" spc="-1" strike="noStrike">
+              <a:rPr lang="en-US" sz="2400" b="1" strike="noStrike" spc="-1">
                 <a:solidFill>
-                  <a:srgbClr val="ff0000"/>
+                  <a:srgbClr val="FF0000"/>
                 </a:solidFill>
                 <a:latin typeface="Garamond"/>
               </a:rPr>
-              <a:t>Directive</a:t>
+              <a:t>Directive中总结简单的代码表达模式，验证代码准确性</a:t>
             </a:r>
-            <a:r>
-              <a:rPr b="1" lang="en-US" sz="2400" spc="-1" strike="noStrike">
-                <a:solidFill>
-                  <a:srgbClr val="ff0000"/>
-                </a:solidFill>
-                <a:latin typeface="Garamond"/>
-              </a:rPr>
-              <a:t>中总结简单的代码表达模式，验证代码准确性</a:t>
-            </a:r>
-            <a:endParaRPr b="0" lang="en-US" sz="2400" spc="-1" strike="noStrike">
-              <a:latin typeface="Arial"/>
-            </a:endParaRPr>
-          </a:p>
-          <a:p>
-            <a:pPr lvl="1" marL="432000" indent="-216000">
+            <a:endParaRPr lang="en-US" sz="2400" b="0" strike="noStrike" spc="-1">
+              <a:latin typeface="Arial"/>
+            </a:endParaRPr>
+          </a:p>
+          <a:p>
+            <a:pPr marL="432000" lvl="1" indent="-216000">
               <a:lnSpc>
                 <a:spcPct val="100000"/>
               </a:lnSpc>
@@ -5241,65 +5969,20 @@
               <a:buChar char=""/>
             </a:pPr>
             <a:r>
-              <a:rPr b="1" lang="en-US" sz="2400" spc="-1" strike="noStrike">
+              <a:rPr lang="en-US" sz="2400" b="1" strike="noStrike" spc="-1">
                 <a:solidFill>
-                  <a:srgbClr val="ff0000"/>
+                  <a:srgbClr val="FF0000"/>
                 </a:solidFill>
                 <a:latin typeface="Garamond"/>
               </a:rPr>
-              <a:t>pmd</a:t>
+              <a:t>pmd，jtest，findbugs等静态分析工具的集成</a:t>
             </a:r>
-            <a:r>
-              <a:rPr b="1" lang="en-US" sz="2400" spc="-1" strike="noStrike">
-                <a:solidFill>
-                  <a:srgbClr val="ff0000"/>
-                </a:solidFill>
-                <a:latin typeface="Garamond"/>
-              </a:rPr>
-              <a:t>，</a:t>
-            </a:r>
-            <a:r>
-              <a:rPr b="1" lang="en-US" sz="2400" spc="-1" strike="noStrike">
-                <a:solidFill>
-                  <a:srgbClr val="ff0000"/>
-                </a:solidFill>
-                <a:latin typeface="Garamond"/>
-              </a:rPr>
-              <a:t>jtest</a:t>
-            </a:r>
-            <a:r>
-              <a:rPr b="1" lang="en-US" sz="2400" spc="-1" strike="noStrike">
-                <a:solidFill>
-                  <a:srgbClr val="ff0000"/>
-                </a:solidFill>
-                <a:latin typeface="Garamond"/>
-              </a:rPr>
-              <a:t>，</a:t>
-            </a:r>
-            <a:r>
-              <a:rPr b="1" lang="en-US" sz="2400" spc="-1" strike="noStrike">
-                <a:solidFill>
-                  <a:srgbClr val="ff0000"/>
-                </a:solidFill>
-                <a:latin typeface="Garamond"/>
-              </a:rPr>
-              <a:t>findbugs</a:t>
-            </a:r>
-            <a:r>
-              <a:rPr b="1" lang="en-US" sz="2400" spc="-1" strike="noStrike">
-                <a:solidFill>
-                  <a:srgbClr val="ff0000"/>
-                </a:solidFill>
-                <a:latin typeface="Garamond"/>
-              </a:rPr>
-              <a:t>等静态分析工具的集成</a:t>
-            </a:r>
-            <a:endParaRPr b="0" lang="en-US" sz="2400" spc="-1" strike="noStrike">
-              <a:latin typeface="Arial"/>
-            </a:endParaRPr>
-          </a:p>
-          <a:p>
-            <a:pPr lvl="1" marL="432000" indent="-216000">
+            <a:endParaRPr lang="en-US" sz="2400" b="0" strike="noStrike" spc="-1">
+              <a:latin typeface="Arial"/>
+            </a:endParaRPr>
+          </a:p>
+          <a:p>
+            <a:pPr marL="432000" lvl="1" indent="-216000">
               <a:lnSpc>
                 <a:spcPct val="100000"/>
               </a:lnSpc>
@@ -5317,29 +6000,20 @@
               <a:buChar char=""/>
             </a:pPr>
             <a:r>
-              <a:rPr b="1" lang="en-US" sz="2400" spc="-1" strike="noStrike">
+              <a:rPr lang="en-US" sz="2400" b="1" strike="noStrike" spc="-1">
                 <a:solidFill>
-                  <a:srgbClr val="ff0000"/>
+                  <a:srgbClr val="FF0000"/>
                 </a:solidFill>
                 <a:latin typeface="Garamond"/>
               </a:rPr>
-              <a:t>java</a:t>
+              <a:t>java反射和代理机制，每次调用方法前进行检测，将检测好的参数传入真正的方法</a:t>
             </a:r>
-            <a:r>
-              <a:rPr b="1" lang="en-US" sz="2400" spc="-1" strike="noStrike">
-                <a:solidFill>
-                  <a:srgbClr val="ff0000"/>
-                </a:solidFill>
-                <a:latin typeface="Garamond"/>
-              </a:rPr>
-              <a:t>反射和代理机制，每次调用方法前进行检测，将检测好的参数传入真正的方法</a:t>
-            </a:r>
-            <a:endParaRPr b="0" lang="en-US" sz="2400" spc="-1" strike="noStrike">
-              <a:latin typeface="Arial"/>
-            </a:endParaRPr>
-          </a:p>
-          <a:p>
-            <a:pPr lvl="1" marL="432000" indent="-216000">
+            <a:endParaRPr lang="en-US" sz="2400" b="0" strike="noStrike" spc="-1">
+              <a:latin typeface="Arial"/>
+            </a:endParaRPr>
+          </a:p>
+          <a:p>
+            <a:pPr marL="432000" lvl="1" indent="-216000">
               <a:lnSpc>
                 <a:spcPct val="100000"/>
               </a:lnSpc>
@@ -5357,60 +6031,15 @@
               <a:buChar char=""/>
             </a:pPr>
             <a:r>
-              <a:rPr b="1" lang="en-US" sz="2400" spc="-1" strike="noStrike">
+              <a:rPr lang="en-US" sz="2400" b="1" strike="noStrike" spc="-1">
                 <a:solidFill>
-                  <a:srgbClr val="ff0000"/>
+                  <a:srgbClr val="FF0000"/>
                 </a:solidFill>
                 <a:latin typeface="Garamond"/>
               </a:rPr>
-              <a:t>javaparser</a:t>
+              <a:t>javaparser，javasymbolsolver分析代码的api调用</a:t>
             </a:r>
-            <a:r>
-              <a:rPr b="1" lang="en-US" sz="2400" spc="-1" strike="noStrike">
-                <a:solidFill>
-                  <a:srgbClr val="ff0000"/>
-                </a:solidFill>
-                <a:latin typeface="Garamond"/>
-              </a:rPr>
-              <a:t>，</a:t>
-            </a:r>
-            <a:r>
-              <a:rPr b="1" lang="en-US" sz="2400" spc="-1" strike="noStrike">
-                <a:solidFill>
-                  <a:srgbClr val="ff0000"/>
-                </a:solidFill>
-                <a:latin typeface="Garamond"/>
-              </a:rPr>
-              <a:t>javasymbolsolver</a:t>
-            </a:r>
-            <a:r>
-              <a:rPr b="1" lang="en-US" sz="2400" spc="-1" strike="noStrike">
-                <a:solidFill>
-                  <a:srgbClr val="ff0000"/>
-                </a:solidFill>
-                <a:latin typeface="Garamond"/>
-              </a:rPr>
-              <a:t>分析代码的</a:t>
-            </a:r>
-            <a:r>
-              <a:rPr b="1" lang="en-US" sz="2400" spc="-1" strike="noStrike">
-                <a:solidFill>
-                  <a:srgbClr val="ff0000"/>
-                </a:solidFill>
-                <a:latin typeface="Garamond"/>
-              </a:rPr>
-              <a:t>api</a:t>
-            </a:r>
-            <a:r>
-              <a:rPr b="1" lang="en-US" sz="2400" spc="-1" strike="noStrike">
-                <a:solidFill>
-                  <a:srgbClr val="ff0000"/>
-                </a:solidFill>
-                <a:latin typeface="Garamond"/>
-              </a:rPr>
-              <a:t>调用</a:t>
-            </a:r>
-            <a:endParaRPr b="0" lang="en-US" sz="2400" spc="-1" strike="noStrike">
+            <a:endParaRPr lang="en-US" sz="2400" b="0" strike="noStrike" spc="-1">
               <a:latin typeface="Arial"/>
             </a:endParaRPr>
           </a:p>
@@ -5426,7 +6055,7 @@
                 <a:spcPts val="601"/>
               </a:spcAft>
             </a:pPr>
-            <a:endParaRPr b="0" lang="en-US" sz="2400" spc="-1" strike="noStrike">
+            <a:endParaRPr lang="en-US" sz="2400" b="0" strike="noStrike" spc="-1">
               <a:latin typeface="Arial"/>
             </a:endParaRPr>
           </a:p>
@@ -5434,22 +6063,25 @@
       </p:sp>
     </p:spTree>
   </p:cSld>
+  <p:clrMapOvr>
+    <a:masterClrMapping/>
+  </p:clrMapOvr>
   <p:timing>
     <p:tnLst>
       <p:par>
-        <p:cTn id="11" dur="indefinite" restart="never" nodeType="tmRoot">
+        <p:cTn id="1" dur="indefinite" restart="never" nodeType="tmRoot">
           <p:childTnLst>
             <p:seq>
-              <p:cTn id="12" dur="indefinite" nodeType="mainSeq"/>
+              <p:cTn id="2" dur="indefinite" nodeType="mainSeq"/>
               <p:prevCondLst>
-                <p:cond delay="0" evt="onPrev">
+                <p:cond evt="onPrev" delay="0">
                   <p:tgtEl>
                     <p:sldTgt/>
                   </p:tgtEl>
                 </p:cond>
               </p:prevCondLst>
               <p:nextCondLst>
-                <p:cond delay="0" evt="onNext">
+                <p:cond evt="onNext" delay="0">
                   <p:tgtEl>
                     <p:sldTgt/>
                   </p:tgtEl>
@@ -5461,6 +6093,106 @@
       </p:par>
     </p:tnLst>
   </p:timing>
+</p:sld>
+</file>
+
+<file path=ppt/slides/slide7.xml><?xml version="1.0" encoding="utf-8"?>
+<p:sld xmlns:a="http://schemas.openxmlformats.org/drawingml/2006/main" xmlns:r="http://schemas.openxmlformats.org/officeDocument/2006/relationships" xmlns:p="http://schemas.openxmlformats.org/presentationml/2006/main">
+  <p:cSld>
+    <p:spTree>
+      <p:nvGrpSpPr>
+        <p:cNvPr id="1" name=""/>
+        <p:cNvGrpSpPr/>
+        <p:nvPr/>
+      </p:nvGrpSpPr>
+      <p:grpSpPr>
+        <a:xfrm>
+          <a:off x="0" y="0"/>
+          <a:ext cx="0" cy="0"/>
+          <a:chOff x="0" y="0"/>
+          <a:chExt cx="0" cy="0"/>
+        </a:xfrm>
+      </p:grpSpPr>
+      <p:sp>
+        <p:nvSpPr>
+          <p:cNvPr id="2" name="标题 1"/>
+          <p:cNvSpPr>
+            <a:spLocks noGrp="1"/>
+          </p:cNvSpPr>
+          <p:nvPr>
+            <p:ph type="title"/>
+          </p:nvPr>
+        </p:nvSpPr>
+        <p:spPr/>
+        <p:txBody>
+          <a:bodyPr/>
+          <a:lstStyle/>
+          <a:p>
+            <a:r>
+              <a:rPr lang="zh-CN" altLang="en-US" dirty="0" smtClean="0"/>
+              <a:t>准确率较低的原因</a:t>
+            </a:r>
+            <a:endParaRPr lang="zh-CN" altLang="en-US" dirty="0"/>
+          </a:p>
+        </p:txBody>
+      </p:sp>
+      <p:sp>
+        <p:nvSpPr>
+          <p:cNvPr id="3" name="副标题 2"/>
+          <p:cNvSpPr>
+            <a:spLocks noGrp="1"/>
+          </p:cNvSpPr>
+          <p:nvPr>
+            <p:ph type="subTitle"/>
+          </p:nvPr>
+        </p:nvSpPr>
+        <p:spPr/>
+        <p:txBody>
+          <a:bodyPr/>
+          <a:lstStyle/>
+          <a:p>
+            <a:r>
+              <a:rPr lang="en-US" altLang="zh-CN" dirty="0" smtClean="0"/>
+              <a:t>1. </a:t>
+            </a:r>
+            <a:r>
+              <a:rPr lang="zh-CN" altLang="en-US" dirty="0" smtClean="0"/>
+              <a:t>有些语句同时属于两个细分小类，会对准确率造成影响，如</a:t>
+            </a:r>
+            <a:r>
+              <a:rPr lang="en-US" altLang="zh-CN" dirty="0" smtClean="0"/>
+              <a:t>return null</a:t>
+            </a:r>
+            <a:r>
+              <a:rPr lang="zh-CN" altLang="en-US" dirty="0" smtClean="0"/>
+              <a:t>可以使</a:t>
+            </a:r>
+            <a:r>
+              <a:rPr lang="en-US" altLang="zh-CN" dirty="0" err="1" smtClean="0"/>
+              <a:t>nullable</a:t>
+            </a:r>
+            <a:r>
+              <a:rPr lang="zh-CN" altLang="en-US" dirty="0" smtClean="0"/>
+              <a:t>和</a:t>
+            </a:r>
+            <a:r>
+              <a:rPr lang="en-US" altLang="zh-CN" smtClean="0"/>
+              <a:t>return value</a:t>
+            </a:r>
+            <a:endParaRPr lang="zh-CN" altLang="en-US" dirty="0"/>
+          </a:p>
+        </p:txBody>
+      </p:sp>
+    </p:spTree>
+    <p:extLst>
+      <p:ext uri="{BB962C8B-B14F-4D97-AF65-F5344CB8AC3E}">
+        <p14:creationId xmlns:p14="http://schemas.microsoft.com/office/powerpoint/2010/main" val="1960171156"/>
+      </p:ext>
+    </p:extLst>
+  </p:cSld>
+  <p:clrMapOvr>
+    <a:masterClrMapping/>
+  </p:clrMapOvr>
 </p:sld>
 </file>
 
@@ -5478,31 +6210,31 @@
         <a:srgbClr val="212121"/>
       </a:dk2>
       <a:lt2>
-        <a:srgbClr val="dadada"/>
+        <a:srgbClr val="DADADA"/>
       </a:lt2>
       <a:accent1>
-        <a:srgbClr val="83992a"/>
+        <a:srgbClr val="83992A"/>
       </a:accent1>
       <a:accent2>
-        <a:srgbClr val="3c9770"/>
+        <a:srgbClr val="3C9770"/>
       </a:accent2>
       <a:accent3>
-        <a:srgbClr val="44709d"/>
+        <a:srgbClr val="44709D"/>
       </a:accent3>
       <a:accent4>
-        <a:srgbClr val="a23c33"/>
+        <a:srgbClr val="A23C33"/>
       </a:accent4>
       <a:accent5>
-        <a:srgbClr val="d97828"/>
+        <a:srgbClr val="D97828"/>
       </a:accent5>
       <a:accent6>
-        <a:srgbClr val="deb340"/>
+        <a:srgbClr val="DEB340"/>
       </a:accent6>
       <a:hlink>
-        <a:srgbClr val="a8bf4d"/>
+        <a:srgbClr val="A8BF4D"/>
       </a:hlink>
       <a:folHlink>
-        <a:srgbClr val="b4ca80"/>
+        <a:srgbClr val="B4CA80"/>
       </a:folHlink>
     </a:clrScheme>
     <a:fontScheme name="Office">
@@ -5684,6 +6416,8 @@
       </a:bgFillStyleLst>
     </a:fmtScheme>
   </a:themeElements>
+  <a:objectDefaults/>
+  <a:extraClrSchemeLst/>
 </a:theme>
 </file>
 
@@ -5698,31 +6432,31 @@
         <a:sysClr val="window" lastClr="FFFFFF"/>
       </a:lt1>
       <a:dk2>
-        <a:srgbClr val="1f497d"/>
+        <a:srgbClr val="1F497D"/>
       </a:dk2>
       <a:lt2>
-        <a:srgbClr val="eeece1"/>
+        <a:srgbClr val="EEECE1"/>
       </a:lt2>
       <a:accent1>
-        <a:srgbClr val="4f81bd"/>
+        <a:srgbClr val="4F81BD"/>
       </a:accent1>
       <a:accent2>
-        <a:srgbClr val="c0504d"/>
+        <a:srgbClr val="C0504D"/>
       </a:accent2>
       <a:accent3>
-        <a:srgbClr val="9bbb59"/>
+        <a:srgbClr val="9BBB59"/>
       </a:accent3>
       <a:accent4>
-        <a:srgbClr val="8064a2"/>
+        <a:srgbClr val="8064A2"/>
       </a:accent4>
       <a:accent5>
-        <a:srgbClr val="4bacc6"/>
+        <a:srgbClr val="4BACC6"/>
       </a:accent5>
       <a:accent6>
-        <a:srgbClr val="f79646"/>
+        <a:srgbClr val="F79646"/>
       </a:accent6>
       <a:hlink>
-        <a:srgbClr val="0000ff"/>
+        <a:srgbClr val="0000FF"/>
       </a:hlink>
       <a:folHlink>
         <a:srgbClr val="800080"/>
@@ -5907,5 +6641,7 @@
       </a:bgFillStyleLst>
     </a:fmtScheme>
   </a:themeElements>
+  <a:objectDefaults/>
+  <a:extraClrSchemeLst/>
 </a:theme>
 </file>